--- a/Azure Virtual Machines.pptx
+++ b/Azure Virtual Machines.pptx
@@ -122,6 +122,11 @@
       </a:defRPr>
     </a:lvl9pPr>
   </p:defaultTextStyle>
+  <p:extLst>
+    <p:ext uri="{EFAFB233-063F-42B5-8137-9DF3F51BA10A}">
+      <p15:sldGuideLst xmlns:p15="http://schemas.microsoft.com/office/powerpoint/2012/main"/>
+    </p:ext>
+  </p:extLst>
 </p:presentation>
 </file>
 
@@ -10725,8 +10730,8 @@
           </a:extLst>
         </p:spPr>
       </p:pic>
-      <mc:AlternateContent xmlns:mc="http://schemas.openxmlformats.org/markup-compatibility/2006">
-        <mc:Choice xmlns:p14="http://schemas.microsoft.com/office/powerpoint/2010/main" Requires="p14">
+      <mc:AlternateContent xmlns:mc="http://schemas.openxmlformats.org/markup-compatibility/2006" xmlns:p14="http://schemas.microsoft.com/office/powerpoint/2010/main">
+        <mc:Choice Requires="p14">
           <p:contentPart p14:bwMode="auto" r:id="rId3">
             <p14:nvContentPartPr>
               <p14:cNvPr id="2" name="Ink 1">
@@ -10745,7 +10750,7 @@
             </p14:xfrm>
           </p:contentPart>
         </mc:Choice>
-        <mc:Fallback>
+        <mc:Fallback xmlns="">
           <p:pic>
             <p:nvPicPr>
               <p:cNvPr id="2" name="Ink 1">
@@ -10776,8 +10781,8 @@
           </p:pic>
         </mc:Fallback>
       </mc:AlternateContent>
-      <mc:AlternateContent xmlns:mc="http://schemas.openxmlformats.org/markup-compatibility/2006">
-        <mc:Choice xmlns:p14="http://schemas.microsoft.com/office/powerpoint/2010/main" Requires="p14">
+      <mc:AlternateContent xmlns:mc="http://schemas.openxmlformats.org/markup-compatibility/2006" xmlns:p14="http://schemas.microsoft.com/office/powerpoint/2010/main">
+        <mc:Choice Requires="p14">
           <p:contentPart p14:bwMode="auto" r:id="rId5">
             <p14:nvContentPartPr>
               <p14:cNvPr id="3" name="Ink 2">
@@ -10796,7 +10801,7 @@
             </p14:xfrm>
           </p:contentPart>
         </mc:Choice>
-        <mc:Fallback>
+        <mc:Fallback xmlns="">
           <p:pic>
             <p:nvPicPr>
               <p:cNvPr id="3" name="Ink 2">
@@ -10827,8 +10832,8 @@
           </p:pic>
         </mc:Fallback>
       </mc:AlternateContent>
-      <mc:AlternateContent xmlns:mc="http://schemas.openxmlformats.org/markup-compatibility/2006">
-        <mc:Choice xmlns:p14="http://schemas.microsoft.com/office/powerpoint/2010/main" Requires="p14">
+      <mc:AlternateContent xmlns:mc="http://schemas.openxmlformats.org/markup-compatibility/2006" xmlns:p14="http://schemas.microsoft.com/office/powerpoint/2010/main">
+        <mc:Choice Requires="p14">
           <p:contentPart p14:bwMode="auto" r:id="rId7">
             <p14:nvContentPartPr>
               <p14:cNvPr id="4" name="Ink 3">
@@ -10847,7 +10852,7 @@
             </p14:xfrm>
           </p:contentPart>
         </mc:Choice>
-        <mc:Fallback>
+        <mc:Fallback xmlns="">
           <p:pic>
             <p:nvPicPr>
               <p:cNvPr id="4" name="Ink 3">
@@ -10878,8 +10883,8 @@
           </p:pic>
         </mc:Fallback>
       </mc:AlternateContent>
-      <mc:AlternateContent xmlns:mc="http://schemas.openxmlformats.org/markup-compatibility/2006">
-        <mc:Choice xmlns:p14="http://schemas.microsoft.com/office/powerpoint/2010/main" Requires="p14">
+      <mc:AlternateContent xmlns:mc="http://schemas.openxmlformats.org/markup-compatibility/2006" xmlns:p14="http://schemas.microsoft.com/office/powerpoint/2010/main">
+        <mc:Choice Requires="p14">
           <p:contentPart p14:bwMode="auto" r:id="rId9">
             <p14:nvContentPartPr>
               <p14:cNvPr id="5" name="Ink 4">
@@ -10898,7 +10903,7 @@
             </p14:xfrm>
           </p:contentPart>
         </mc:Choice>
-        <mc:Fallback>
+        <mc:Fallback xmlns="">
           <p:pic>
             <p:nvPicPr>
               <p:cNvPr id="5" name="Ink 4">
@@ -10929,8 +10934,8 @@
           </p:pic>
         </mc:Fallback>
       </mc:AlternateContent>
-      <mc:AlternateContent xmlns:mc="http://schemas.openxmlformats.org/markup-compatibility/2006">
-        <mc:Choice xmlns:p14="http://schemas.microsoft.com/office/powerpoint/2010/main" Requires="p14">
+      <mc:AlternateContent xmlns:mc="http://schemas.openxmlformats.org/markup-compatibility/2006" xmlns:p14="http://schemas.microsoft.com/office/powerpoint/2010/main">
+        <mc:Choice Requires="p14">
           <p:contentPart p14:bwMode="auto" r:id="rId11">
             <p14:nvContentPartPr>
               <p14:cNvPr id="6" name="Ink 5">
@@ -10949,7 +10954,7 @@
             </p14:xfrm>
           </p:contentPart>
         </mc:Choice>
-        <mc:Fallback>
+        <mc:Fallback xmlns="">
           <p:pic>
             <p:nvPicPr>
               <p:cNvPr id="6" name="Ink 5">
@@ -10980,8 +10985,8 @@
           </p:pic>
         </mc:Fallback>
       </mc:AlternateContent>
-      <mc:AlternateContent xmlns:mc="http://schemas.openxmlformats.org/markup-compatibility/2006">
-        <mc:Choice xmlns:p14="http://schemas.microsoft.com/office/powerpoint/2010/main" Requires="p14">
+      <mc:AlternateContent xmlns:mc="http://schemas.openxmlformats.org/markup-compatibility/2006" xmlns:p14="http://schemas.microsoft.com/office/powerpoint/2010/main">
+        <mc:Choice Requires="p14">
           <p:contentPart p14:bwMode="auto" r:id="rId13">
             <p14:nvContentPartPr>
               <p14:cNvPr id="7" name="Ink 6">
@@ -11000,7 +11005,7 @@
             </p14:xfrm>
           </p:contentPart>
         </mc:Choice>
-        <mc:Fallback>
+        <mc:Fallback xmlns="">
           <p:pic>
             <p:nvPicPr>
               <p:cNvPr id="7" name="Ink 6">
@@ -11031,8 +11036,8 @@
           </p:pic>
         </mc:Fallback>
       </mc:AlternateContent>
-      <mc:AlternateContent xmlns:mc="http://schemas.openxmlformats.org/markup-compatibility/2006">
-        <mc:Choice xmlns:p14="http://schemas.microsoft.com/office/powerpoint/2010/main" Requires="p14">
+      <mc:AlternateContent xmlns:mc="http://schemas.openxmlformats.org/markup-compatibility/2006" xmlns:p14="http://schemas.microsoft.com/office/powerpoint/2010/main">
+        <mc:Choice Requires="p14">
           <p:contentPart p14:bwMode="auto" r:id="rId15">
             <p14:nvContentPartPr>
               <p14:cNvPr id="8" name="Ink 7">
@@ -11051,7 +11056,7 @@
             </p14:xfrm>
           </p:contentPart>
         </mc:Choice>
-        <mc:Fallback>
+        <mc:Fallback xmlns="">
           <p:pic>
             <p:nvPicPr>
               <p:cNvPr id="8" name="Ink 7">
@@ -11082,8 +11087,8 @@
           </p:pic>
         </mc:Fallback>
       </mc:AlternateContent>
-      <mc:AlternateContent xmlns:mc="http://schemas.openxmlformats.org/markup-compatibility/2006">
-        <mc:Choice xmlns:p14="http://schemas.microsoft.com/office/powerpoint/2010/main" Requires="p14">
+      <mc:AlternateContent xmlns:mc="http://schemas.openxmlformats.org/markup-compatibility/2006" xmlns:p14="http://schemas.microsoft.com/office/powerpoint/2010/main">
+        <mc:Choice Requires="p14">
           <p:contentPart p14:bwMode="auto" r:id="rId17">
             <p14:nvContentPartPr>
               <p14:cNvPr id="9" name="Ink 8">
@@ -11102,7 +11107,7 @@
             </p14:xfrm>
           </p:contentPart>
         </mc:Choice>
-        <mc:Fallback>
+        <mc:Fallback xmlns="">
           <p:pic>
             <p:nvPicPr>
               <p:cNvPr id="9" name="Ink 8">
@@ -11133,8 +11138,8 @@
           </p:pic>
         </mc:Fallback>
       </mc:AlternateContent>
-      <mc:AlternateContent xmlns:mc="http://schemas.openxmlformats.org/markup-compatibility/2006">
-        <mc:Choice xmlns:p14="http://schemas.microsoft.com/office/powerpoint/2010/main" Requires="p14">
+      <mc:AlternateContent xmlns:mc="http://schemas.openxmlformats.org/markup-compatibility/2006" xmlns:p14="http://schemas.microsoft.com/office/powerpoint/2010/main">
+        <mc:Choice Requires="p14">
           <p:contentPart p14:bwMode="auto" r:id="rId19">
             <p14:nvContentPartPr>
               <p14:cNvPr id="10" name="Ink 9">
@@ -11153,7 +11158,7 @@
             </p14:xfrm>
           </p:contentPart>
         </mc:Choice>
-        <mc:Fallback>
+        <mc:Fallback xmlns="">
           <p:pic>
             <p:nvPicPr>
               <p:cNvPr id="10" name="Ink 9">
@@ -11184,8 +11189,8 @@
           </p:pic>
         </mc:Fallback>
       </mc:AlternateContent>
-      <mc:AlternateContent xmlns:mc="http://schemas.openxmlformats.org/markup-compatibility/2006">
-        <mc:Choice xmlns:p14="http://schemas.microsoft.com/office/powerpoint/2010/main" Requires="p14">
+      <mc:AlternateContent xmlns:mc="http://schemas.openxmlformats.org/markup-compatibility/2006" xmlns:p14="http://schemas.microsoft.com/office/powerpoint/2010/main">
+        <mc:Choice Requires="p14">
           <p:contentPart p14:bwMode="auto" r:id="rId21">
             <p14:nvContentPartPr>
               <p14:cNvPr id="11" name="Ink 10">
@@ -11204,7 +11209,7 @@
             </p14:xfrm>
           </p:contentPart>
         </mc:Choice>
-        <mc:Fallback>
+        <mc:Fallback xmlns="">
           <p:pic>
             <p:nvPicPr>
               <p:cNvPr id="11" name="Ink 10">
@@ -11358,8 +11363,8 @@
           </a:p>
         </p:txBody>
       </p:sp>
-      <mc:AlternateContent xmlns:mc="http://schemas.openxmlformats.org/markup-compatibility/2006">
-        <mc:Choice xmlns:p14="http://schemas.microsoft.com/office/powerpoint/2010/main" Requires="p14">
+      <mc:AlternateContent xmlns:mc="http://schemas.openxmlformats.org/markup-compatibility/2006" xmlns:p14="http://schemas.microsoft.com/office/powerpoint/2010/main">
+        <mc:Choice Requires="p14">
           <p:contentPart p14:bwMode="auto" r:id="rId2">
             <p14:nvContentPartPr>
               <p14:cNvPr id="4" name="Ink 3">
@@ -11378,7 +11383,7 @@
             </p14:xfrm>
           </p:contentPart>
         </mc:Choice>
-        <mc:Fallback>
+        <mc:Fallback xmlns="">
           <p:pic>
             <p:nvPicPr>
               <p:cNvPr id="4" name="Ink 3">
@@ -11409,8 +11414,8 @@
           </p:pic>
         </mc:Fallback>
       </mc:AlternateContent>
-      <mc:AlternateContent xmlns:mc="http://schemas.openxmlformats.org/markup-compatibility/2006">
-        <mc:Choice xmlns:p14="http://schemas.microsoft.com/office/powerpoint/2010/main" Requires="p14">
+      <mc:AlternateContent xmlns:mc="http://schemas.openxmlformats.org/markup-compatibility/2006" xmlns:p14="http://schemas.microsoft.com/office/powerpoint/2010/main">
+        <mc:Choice Requires="p14">
           <p:contentPart p14:bwMode="auto" r:id="rId4">
             <p14:nvContentPartPr>
               <p14:cNvPr id="5" name="Ink 4">
@@ -11429,7 +11434,7 @@
             </p14:xfrm>
           </p:contentPart>
         </mc:Choice>
-        <mc:Fallback>
+        <mc:Fallback xmlns="">
           <p:pic>
             <p:nvPicPr>
               <p:cNvPr id="5" name="Ink 4">
@@ -11480,8 +11485,8 @@
             <a:chExt cx="1199520" cy="313560"/>
           </a:xfrm>
         </p:grpSpPr>
-        <mc:AlternateContent xmlns:mc="http://schemas.openxmlformats.org/markup-compatibility/2006">
-          <mc:Choice xmlns:p14="http://schemas.microsoft.com/office/powerpoint/2010/main" Requires="p14">
+        <mc:AlternateContent xmlns:mc="http://schemas.openxmlformats.org/markup-compatibility/2006" xmlns:p14="http://schemas.microsoft.com/office/powerpoint/2010/main">
+          <mc:Choice Requires="p14">
             <p:contentPart p14:bwMode="auto" r:id="rId6">
               <p14:nvContentPartPr>
                 <p14:cNvPr id="6" name="Ink 5">
@@ -11500,7 +11505,7 @@
               </p14:xfrm>
             </p:contentPart>
           </mc:Choice>
-          <mc:Fallback>
+          <mc:Fallback xmlns="">
             <p:pic>
               <p:nvPicPr>
                 <p:cNvPr id="6" name="Ink 5">
@@ -11531,8 +11536,8 @@
             </p:pic>
           </mc:Fallback>
         </mc:AlternateContent>
-        <mc:AlternateContent xmlns:mc="http://schemas.openxmlformats.org/markup-compatibility/2006">
-          <mc:Choice xmlns:p14="http://schemas.microsoft.com/office/powerpoint/2010/main" Requires="p14">
+        <mc:AlternateContent xmlns:mc="http://schemas.openxmlformats.org/markup-compatibility/2006" xmlns:p14="http://schemas.microsoft.com/office/powerpoint/2010/main">
+          <mc:Choice Requires="p14">
             <p:contentPart p14:bwMode="auto" r:id="rId8">
               <p14:nvContentPartPr>
                 <p14:cNvPr id="7" name="Ink 6">
@@ -11551,7 +11556,7 @@
               </p14:xfrm>
             </p:contentPart>
           </mc:Choice>
-          <mc:Fallback>
+          <mc:Fallback xmlns="">
             <p:pic>
               <p:nvPicPr>
                 <p:cNvPr id="7" name="Ink 6">
@@ -11582,8 +11587,8 @@
             </p:pic>
           </mc:Fallback>
         </mc:AlternateContent>
-        <mc:AlternateContent xmlns:mc="http://schemas.openxmlformats.org/markup-compatibility/2006">
-          <mc:Choice xmlns:p14="http://schemas.microsoft.com/office/powerpoint/2010/main" Requires="p14">
+        <mc:AlternateContent xmlns:mc="http://schemas.openxmlformats.org/markup-compatibility/2006" xmlns:p14="http://schemas.microsoft.com/office/powerpoint/2010/main">
+          <mc:Choice Requires="p14">
             <p:contentPart p14:bwMode="auto" r:id="rId10">
               <p14:nvContentPartPr>
                 <p14:cNvPr id="8" name="Ink 7">
@@ -11602,7 +11607,7 @@
               </p14:xfrm>
             </p:contentPart>
           </mc:Choice>
-          <mc:Fallback>
+          <mc:Fallback xmlns="">
             <p:pic>
               <p:nvPicPr>
                 <p:cNvPr id="8" name="Ink 7">
@@ -11633,8 +11638,8 @@
             </p:pic>
           </mc:Fallback>
         </mc:AlternateContent>
-        <mc:AlternateContent xmlns:mc="http://schemas.openxmlformats.org/markup-compatibility/2006">
-          <mc:Choice xmlns:p14="http://schemas.microsoft.com/office/powerpoint/2010/main" Requires="p14">
+        <mc:AlternateContent xmlns:mc="http://schemas.openxmlformats.org/markup-compatibility/2006" xmlns:p14="http://schemas.microsoft.com/office/powerpoint/2010/main">
+          <mc:Choice Requires="p14">
             <p:contentPart p14:bwMode="auto" r:id="rId12">
               <p14:nvContentPartPr>
                 <p14:cNvPr id="9" name="Ink 8">
@@ -11653,7 +11658,7 @@
               </p14:xfrm>
             </p:contentPart>
           </mc:Choice>
-          <mc:Fallback>
+          <mc:Fallback xmlns="">
             <p:pic>
               <p:nvPicPr>
                 <p:cNvPr id="9" name="Ink 8">
@@ -11684,8 +11689,8 @@
             </p:pic>
           </mc:Fallback>
         </mc:AlternateContent>
-        <mc:AlternateContent xmlns:mc="http://schemas.openxmlformats.org/markup-compatibility/2006">
-          <mc:Choice xmlns:p14="http://schemas.microsoft.com/office/powerpoint/2010/main" Requires="p14">
+        <mc:AlternateContent xmlns:mc="http://schemas.openxmlformats.org/markup-compatibility/2006" xmlns:p14="http://schemas.microsoft.com/office/powerpoint/2010/main">
+          <mc:Choice Requires="p14">
             <p:contentPart p14:bwMode="auto" r:id="rId14">
               <p14:nvContentPartPr>
                 <p14:cNvPr id="10" name="Ink 9">
@@ -11704,7 +11709,7 @@
               </p14:xfrm>
             </p:contentPart>
           </mc:Choice>
-          <mc:Fallback>
+          <mc:Fallback xmlns="">
             <p:pic>
               <p:nvPicPr>
                 <p:cNvPr id="10" name="Ink 9">
@@ -11735,8 +11740,8 @@
             </p:pic>
           </mc:Fallback>
         </mc:AlternateContent>
-        <mc:AlternateContent xmlns:mc="http://schemas.openxmlformats.org/markup-compatibility/2006">
-          <mc:Choice xmlns:p14="http://schemas.microsoft.com/office/powerpoint/2010/main" Requires="p14">
+        <mc:AlternateContent xmlns:mc="http://schemas.openxmlformats.org/markup-compatibility/2006" xmlns:p14="http://schemas.microsoft.com/office/powerpoint/2010/main">
+          <mc:Choice Requires="p14">
             <p:contentPart p14:bwMode="auto" r:id="rId16">
               <p14:nvContentPartPr>
                 <p14:cNvPr id="11" name="Ink 10">
@@ -11755,7 +11760,7 @@
               </p14:xfrm>
             </p:contentPart>
           </mc:Choice>
-          <mc:Fallback>
+          <mc:Fallback xmlns="">
             <p:pic>
               <p:nvPicPr>
                 <p:cNvPr id="11" name="Ink 10">
@@ -11807,8 +11812,8 @@
             <a:chExt cx="1380960" cy="383040"/>
           </a:xfrm>
         </p:grpSpPr>
-        <mc:AlternateContent xmlns:mc="http://schemas.openxmlformats.org/markup-compatibility/2006">
-          <mc:Choice xmlns:p14="http://schemas.microsoft.com/office/powerpoint/2010/main" Requires="p14">
+        <mc:AlternateContent xmlns:mc="http://schemas.openxmlformats.org/markup-compatibility/2006" xmlns:p14="http://schemas.microsoft.com/office/powerpoint/2010/main">
+          <mc:Choice Requires="p14">
             <p:contentPart p14:bwMode="auto" r:id="rId18">
               <p14:nvContentPartPr>
                 <p14:cNvPr id="12" name="Ink 11">
@@ -11827,7 +11832,7 @@
               </p14:xfrm>
             </p:contentPart>
           </mc:Choice>
-          <mc:Fallback>
+          <mc:Fallback xmlns="">
             <p:pic>
               <p:nvPicPr>
                 <p:cNvPr id="12" name="Ink 11">
@@ -11858,8 +11863,8 @@
             </p:pic>
           </mc:Fallback>
         </mc:AlternateContent>
-        <mc:AlternateContent xmlns:mc="http://schemas.openxmlformats.org/markup-compatibility/2006">
-          <mc:Choice xmlns:p14="http://schemas.microsoft.com/office/powerpoint/2010/main" Requires="p14">
+        <mc:AlternateContent xmlns:mc="http://schemas.openxmlformats.org/markup-compatibility/2006" xmlns:p14="http://schemas.microsoft.com/office/powerpoint/2010/main">
+          <mc:Choice Requires="p14">
             <p:contentPart p14:bwMode="auto" r:id="rId20">
               <p14:nvContentPartPr>
                 <p14:cNvPr id="13" name="Ink 12">
@@ -11878,7 +11883,7 @@
               </p14:xfrm>
             </p:contentPart>
           </mc:Choice>
-          <mc:Fallback>
+          <mc:Fallback xmlns="">
             <p:pic>
               <p:nvPicPr>
                 <p:cNvPr id="13" name="Ink 12">
@@ -11909,8 +11914,8 @@
             </p:pic>
           </mc:Fallback>
         </mc:AlternateContent>
-        <mc:AlternateContent xmlns:mc="http://schemas.openxmlformats.org/markup-compatibility/2006">
-          <mc:Choice xmlns:p14="http://schemas.microsoft.com/office/powerpoint/2010/main" Requires="p14">
+        <mc:AlternateContent xmlns:mc="http://schemas.openxmlformats.org/markup-compatibility/2006" xmlns:p14="http://schemas.microsoft.com/office/powerpoint/2010/main">
+          <mc:Choice Requires="p14">
             <p:contentPart p14:bwMode="auto" r:id="rId22">
               <p14:nvContentPartPr>
                 <p14:cNvPr id="14" name="Ink 13">
@@ -11929,7 +11934,7 @@
               </p14:xfrm>
             </p:contentPart>
           </mc:Choice>
-          <mc:Fallback>
+          <mc:Fallback xmlns="">
             <p:pic>
               <p:nvPicPr>
                 <p:cNvPr id="14" name="Ink 13">
@@ -11960,8 +11965,8 @@
             </p:pic>
           </mc:Fallback>
         </mc:AlternateContent>
-        <mc:AlternateContent xmlns:mc="http://schemas.openxmlformats.org/markup-compatibility/2006">
-          <mc:Choice xmlns:p14="http://schemas.microsoft.com/office/powerpoint/2010/main" Requires="p14">
+        <mc:AlternateContent xmlns:mc="http://schemas.openxmlformats.org/markup-compatibility/2006" xmlns:p14="http://schemas.microsoft.com/office/powerpoint/2010/main">
+          <mc:Choice Requires="p14">
             <p:contentPart p14:bwMode="auto" r:id="rId24">
               <p14:nvContentPartPr>
                 <p14:cNvPr id="15" name="Ink 14">
@@ -11980,7 +11985,7 @@
               </p14:xfrm>
             </p:contentPart>
           </mc:Choice>
-          <mc:Fallback>
+          <mc:Fallback xmlns="">
             <p:pic>
               <p:nvPicPr>
                 <p:cNvPr id="15" name="Ink 14">
@@ -12011,8 +12016,8 @@
             </p:pic>
           </mc:Fallback>
         </mc:AlternateContent>
-        <mc:AlternateContent xmlns:mc="http://schemas.openxmlformats.org/markup-compatibility/2006">
-          <mc:Choice xmlns:p14="http://schemas.microsoft.com/office/powerpoint/2010/main" Requires="p14">
+        <mc:AlternateContent xmlns:mc="http://schemas.openxmlformats.org/markup-compatibility/2006" xmlns:p14="http://schemas.microsoft.com/office/powerpoint/2010/main">
+          <mc:Choice Requires="p14">
             <p:contentPart p14:bwMode="auto" r:id="rId26">
               <p14:nvContentPartPr>
                 <p14:cNvPr id="16" name="Ink 15">
@@ -12031,7 +12036,7 @@
               </p14:xfrm>
             </p:contentPart>
           </mc:Choice>
-          <mc:Fallback>
+          <mc:Fallback xmlns="">
             <p:pic>
               <p:nvPicPr>
                 <p:cNvPr id="16" name="Ink 15">
@@ -12062,8 +12067,8 @@
             </p:pic>
           </mc:Fallback>
         </mc:AlternateContent>
-        <mc:AlternateContent xmlns:mc="http://schemas.openxmlformats.org/markup-compatibility/2006">
-          <mc:Choice xmlns:p14="http://schemas.microsoft.com/office/powerpoint/2010/main" Requires="p14">
+        <mc:AlternateContent xmlns:mc="http://schemas.openxmlformats.org/markup-compatibility/2006" xmlns:p14="http://schemas.microsoft.com/office/powerpoint/2010/main">
+          <mc:Choice Requires="p14">
             <p:contentPart p14:bwMode="auto" r:id="rId28">
               <p14:nvContentPartPr>
                 <p14:cNvPr id="17" name="Ink 16">
@@ -12082,7 +12087,7 @@
               </p14:xfrm>
             </p:contentPart>
           </mc:Choice>
-          <mc:Fallback>
+          <mc:Fallback xmlns="">
             <p:pic>
               <p:nvPicPr>
                 <p:cNvPr id="17" name="Ink 16">
@@ -12113,8 +12118,8 @@
             </p:pic>
           </mc:Fallback>
         </mc:AlternateContent>
-        <mc:AlternateContent xmlns:mc="http://schemas.openxmlformats.org/markup-compatibility/2006">
-          <mc:Choice xmlns:p14="http://schemas.microsoft.com/office/powerpoint/2010/main" Requires="p14">
+        <mc:AlternateContent xmlns:mc="http://schemas.openxmlformats.org/markup-compatibility/2006" xmlns:p14="http://schemas.microsoft.com/office/powerpoint/2010/main">
+          <mc:Choice Requires="p14">
             <p:contentPart p14:bwMode="auto" r:id="rId30">
               <p14:nvContentPartPr>
                 <p14:cNvPr id="18" name="Ink 17">
@@ -12133,7 +12138,7 @@
               </p14:xfrm>
             </p:contentPart>
           </mc:Choice>
-          <mc:Fallback>
+          <mc:Fallback xmlns="">
             <p:pic>
               <p:nvPicPr>
                 <p:cNvPr id="18" name="Ink 17">
@@ -12185,8 +12190,8 @@
             <a:chExt cx="3826440" cy="641880"/>
           </a:xfrm>
         </p:grpSpPr>
-        <mc:AlternateContent xmlns:mc="http://schemas.openxmlformats.org/markup-compatibility/2006">
-          <mc:Choice xmlns:p14="http://schemas.microsoft.com/office/powerpoint/2010/main" Requires="p14">
+        <mc:AlternateContent xmlns:mc="http://schemas.openxmlformats.org/markup-compatibility/2006" xmlns:p14="http://schemas.microsoft.com/office/powerpoint/2010/main">
+          <mc:Choice Requires="p14">
             <p:contentPart p14:bwMode="auto" r:id="rId32">
               <p14:nvContentPartPr>
                 <p14:cNvPr id="21" name="Ink 20">
@@ -12205,7 +12210,7 @@
               </p14:xfrm>
             </p:contentPart>
           </mc:Choice>
-          <mc:Fallback>
+          <mc:Fallback xmlns="">
             <p:pic>
               <p:nvPicPr>
                 <p:cNvPr id="21" name="Ink 20">
@@ -12236,8 +12241,8 @@
             </p:pic>
           </mc:Fallback>
         </mc:AlternateContent>
-        <mc:AlternateContent xmlns:mc="http://schemas.openxmlformats.org/markup-compatibility/2006">
-          <mc:Choice xmlns:p14="http://schemas.microsoft.com/office/powerpoint/2010/main" Requires="p14">
+        <mc:AlternateContent xmlns:mc="http://schemas.openxmlformats.org/markup-compatibility/2006" xmlns:p14="http://schemas.microsoft.com/office/powerpoint/2010/main">
+          <mc:Choice Requires="p14">
             <p:contentPart p14:bwMode="auto" r:id="rId34">
               <p14:nvContentPartPr>
                 <p14:cNvPr id="22" name="Ink 21">
@@ -12256,7 +12261,7 @@
               </p14:xfrm>
             </p:contentPart>
           </mc:Choice>
-          <mc:Fallback>
+          <mc:Fallback xmlns="">
             <p:pic>
               <p:nvPicPr>
                 <p:cNvPr id="22" name="Ink 21">
@@ -12287,8 +12292,8 @@
             </p:pic>
           </mc:Fallback>
         </mc:AlternateContent>
-        <mc:AlternateContent xmlns:mc="http://schemas.openxmlformats.org/markup-compatibility/2006">
-          <mc:Choice xmlns:p14="http://schemas.microsoft.com/office/powerpoint/2010/main" Requires="p14">
+        <mc:AlternateContent xmlns:mc="http://schemas.openxmlformats.org/markup-compatibility/2006" xmlns:p14="http://schemas.microsoft.com/office/powerpoint/2010/main">
+          <mc:Choice Requires="p14">
             <p:contentPart p14:bwMode="auto" r:id="rId36">
               <p14:nvContentPartPr>
                 <p14:cNvPr id="23" name="Ink 22">
@@ -12307,7 +12312,7 @@
               </p14:xfrm>
             </p:contentPart>
           </mc:Choice>
-          <mc:Fallback>
+          <mc:Fallback xmlns="">
             <p:pic>
               <p:nvPicPr>
                 <p:cNvPr id="23" name="Ink 22">
@@ -12338,8 +12343,8 @@
             </p:pic>
           </mc:Fallback>
         </mc:AlternateContent>
-        <mc:AlternateContent xmlns:mc="http://schemas.openxmlformats.org/markup-compatibility/2006">
-          <mc:Choice xmlns:p14="http://schemas.microsoft.com/office/powerpoint/2010/main" Requires="p14">
+        <mc:AlternateContent xmlns:mc="http://schemas.openxmlformats.org/markup-compatibility/2006" xmlns:p14="http://schemas.microsoft.com/office/powerpoint/2010/main">
+          <mc:Choice Requires="p14">
             <p:contentPart p14:bwMode="auto" r:id="rId38">
               <p14:nvContentPartPr>
                 <p14:cNvPr id="24" name="Ink 23">
@@ -12358,7 +12363,7 @@
               </p14:xfrm>
             </p:contentPart>
           </mc:Choice>
-          <mc:Fallback>
+          <mc:Fallback xmlns="">
             <p:pic>
               <p:nvPicPr>
                 <p:cNvPr id="24" name="Ink 23">
@@ -12389,8 +12394,8 @@
             </p:pic>
           </mc:Fallback>
         </mc:AlternateContent>
-        <mc:AlternateContent xmlns:mc="http://schemas.openxmlformats.org/markup-compatibility/2006">
-          <mc:Choice xmlns:p14="http://schemas.microsoft.com/office/powerpoint/2010/main" Requires="p14">
+        <mc:AlternateContent xmlns:mc="http://schemas.openxmlformats.org/markup-compatibility/2006" xmlns:p14="http://schemas.microsoft.com/office/powerpoint/2010/main">
+          <mc:Choice Requires="p14">
             <p:contentPart p14:bwMode="auto" r:id="rId40">
               <p14:nvContentPartPr>
                 <p14:cNvPr id="25" name="Ink 24">
@@ -12409,7 +12414,7 @@
               </p14:xfrm>
             </p:contentPart>
           </mc:Choice>
-          <mc:Fallback>
+          <mc:Fallback xmlns="">
             <p:pic>
               <p:nvPicPr>
                 <p:cNvPr id="25" name="Ink 24">
@@ -12440,8 +12445,8 @@
             </p:pic>
           </mc:Fallback>
         </mc:AlternateContent>
-        <mc:AlternateContent xmlns:mc="http://schemas.openxmlformats.org/markup-compatibility/2006">
-          <mc:Choice xmlns:p14="http://schemas.microsoft.com/office/powerpoint/2010/main" Requires="p14">
+        <mc:AlternateContent xmlns:mc="http://schemas.openxmlformats.org/markup-compatibility/2006" xmlns:p14="http://schemas.microsoft.com/office/powerpoint/2010/main">
+          <mc:Choice Requires="p14">
             <p:contentPart p14:bwMode="auto" r:id="rId42">
               <p14:nvContentPartPr>
                 <p14:cNvPr id="30" name="Ink 29">
@@ -12460,7 +12465,7 @@
               </p14:xfrm>
             </p:contentPart>
           </mc:Choice>
-          <mc:Fallback>
+          <mc:Fallback xmlns="">
             <p:pic>
               <p:nvPicPr>
                 <p:cNvPr id="30" name="Ink 29">
@@ -12491,8 +12496,8 @@
             </p:pic>
           </mc:Fallback>
         </mc:AlternateContent>
-        <mc:AlternateContent xmlns:mc="http://schemas.openxmlformats.org/markup-compatibility/2006">
-          <mc:Choice xmlns:p14="http://schemas.microsoft.com/office/powerpoint/2010/main" Requires="p14">
+        <mc:AlternateContent xmlns:mc="http://schemas.openxmlformats.org/markup-compatibility/2006" xmlns:p14="http://schemas.microsoft.com/office/powerpoint/2010/main">
+          <mc:Choice Requires="p14">
             <p:contentPart p14:bwMode="auto" r:id="rId44">
               <p14:nvContentPartPr>
                 <p14:cNvPr id="31" name="Ink 30">
@@ -12511,7 +12516,7 @@
               </p14:xfrm>
             </p:contentPart>
           </mc:Choice>
-          <mc:Fallback>
+          <mc:Fallback xmlns="">
             <p:pic>
               <p:nvPicPr>
                 <p:cNvPr id="31" name="Ink 30">
@@ -12542,8 +12547,8 @@
             </p:pic>
           </mc:Fallback>
         </mc:AlternateContent>
-        <mc:AlternateContent xmlns:mc="http://schemas.openxmlformats.org/markup-compatibility/2006">
-          <mc:Choice xmlns:p14="http://schemas.microsoft.com/office/powerpoint/2010/main" Requires="p14">
+        <mc:AlternateContent xmlns:mc="http://schemas.openxmlformats.org/markup-compatibility/2006" xmlns:p14="http://schemas.microsoft.com/office/powerpoint/2010/main">
+          <mc:Choice Requires="p14">
             <p:contentPart p14:bwMode="auto" r:id="rId46">
               <p14:nvContentPartPr>
                 <p14:cNvPr id="32" name="Ink 31">
@@ -12562,7 +12567,7 @@
               </p14:xfrm>
             </p:contentPart>
           </mc:Choice>
-          <mc:Fallback>
+          <mc:Fallback xmlns="">
             <p:pic>
               <p:nvPicPr>
                 <p:cNvPr id="32" name="Ink 31">
@@ -12593,8 +12598,8 @@
             </p:pic>
           </mc:Fallback>
         </mc:AlternateContent>
-        <mc:AlternateContent xmlns:mc="http://schemas.openxmlformats.org/markup-compatibility/2006">
-          <mc:Choice xmlns:p14="http://schemas.microsoft.com/office/powerpoint/2010/main" Requires="p14">
+        <mc:AlternateContent xmlns:mc="http://schemas.openxmlformats.org/markup-compatibility/2006" xmlns:p14="http://schemas.microsoft.com/office/powerpoint/2010/main">
+          <mc:Choice Requires="p14">
             <p:contentPart p14:bwMode="auto" r:id="rId48">
               <p14:nvContentPartPr>
                 <p14:cNvPr id="33" name="Ink 32">
@@ -12613,7 +12618,7 @@
               </p14:xfrm>
             </p:contentPart>
           </mc:Choice>
-          <mc:Fallback>
+          <mc:Fallback xmlns="">
             <p:pic>
               <p:nvPicPr>
                 <p:cNvPr id="33" name="Ink 32">
@@ -12644,8 +12649,8 @@
             </p:pic>
           </mc:Fallback>
         </mc:AlternateContent>
-        <mc:AlternateContent xmlns:mc="http://schemas.openxmlformats.org/markup-compatibility/2006">
-          <mc:Choice xmlns:p14="http://schemas.microsoft.com/office/powerpoint/2010/main" Requires="p14">
+        <mc:AlternateContent xmlns:mc="http://schemas.openxmlformats.org/markup-compatibility/2006" xmlns:p14="http://schemas.microsoft.com/office/powerpoint/2010/main">
+          <mc:Choice Requires="p14">
             <p:contentPart p14:bwMode="auto" r:id="rId50">
               <p14:nvContentPartPr>
                 <p14:cNvPr id="34" name="Ink 33">
@@ -12664,7 +12669,7 @@
               </p14:xfrm>
             </p:contentPart>
           </mc:Choice>
-          <mc:Fallback>
+          <mc:Fallback xmlns="">
             <p:pic>
               <p:nvPicPr>
                 <p:cNvPr id="34" name="Ink 33">
@@ -12695,8 +12700,8 @@
             </p:pic>
           </mc:Fallback>
         </mc:AlternateContent>
-        <mc:AlternateContent xmlns:mc="http://schemas.openxmlformats.org/markup-compatibility/2006">
-          <mc:Choice xmlns:p14="http://schemas.microsoft.com/office/powerpoint/2010/main" Requires="p14">
+        <mc:AlternateContent xmlns:mc="http://schemas.openxmlformats.org/markup-compatibility/2006" xmlns:p14="http://schemas.microsoft.com/office/powerpoint/2010/main">
+          <mc:Choice Requires="p14">
             <p:contentPart p14:bwMode="auto" r:id="rId52">
               <p14:nvContentPartPr>
                 <p14:cNvPr id="35" name="Ink 34">
@@ -12715,7 +12720,7 @@
               </p14:xfrm>
             </p:contentPart>
           </mc:Choice>
-          <mc:Fallback>
+          <mc:Fallback xmlns="">
             <p:pic>
               <p:nvPicPr>
                 <p:cNvPr id="35" name="Ink 34">
@@ -12746,8 +12751,8 @@
             </p:pic>
           </mc:Fallback>
         </mc:AlternateContent>
-        <mc:AlternateContent xmlns:mc="http://schemas.openxmlformats.org/markup-compatibility/2006">
-          <mc:Choice xmlns:p14="http://schemas.microsoft.com/office/powerpoint/2010/main" Requires="p14">
+        <mc:AlternateContent xmlns:mc="http://schemas.openxmlformats.org/markup-compatibility/2006" xmlns:p14="http://schemas.microsoft.com/office/powerpoint/2010/main">
+          <mc:Choice Requires="p14">
             <p:contentPart p14:bwMode="auto" r:id="rId54">
               <p14:nvContentPartPr>
                 <p14:cNvPr id="36" name="Ink 35">
@@ -12766,7 +12771,7 @@
               </p14:xfrm>
             </p:contentPart>
           </mc:Choice>
-          <mc:Fallback>
+          <mc:Fallback xmlns="">
             <p:pic>
               <p:nvPicPr>
                 <p:cNvPr id="36" name="Ink 35">
@@ -12797,8 +12802,8 @@
             </p:pic>
           </mc:Fallback>
         </mc:AlternateContent>
-        <mc:AlternateContent xmlns:mc="http://schemas.openxmlformats.org/markup-compatibility/2006">
-          <mc:Choice xmlns:p14="http://schemas.microsoft.com/office/powerpoint/2010/main" Requires="p14">
+        <mc:AlternateContent xmlns:mc="http://schemas.openxmlformats.org/markup-compatibility/2006" xmlns:p14="http://schemas.microsoft.com/office/powerpoint/2010/main">
+          <mc:Choice Requires="p14">
             <p:contentPart p14:bwMode="auto" r:id="rId56">
               <p14:nvContentPartPr>
                 <p14:cNvPr id="37" name="Ink 36">
@@ -12817,7 +12822,7 @@
               </p14:xfrm>
             </p:contentPart>
           </mc:Choice>
-          <mc:Fallback>
+          <mc:Fallback xmlns="">
             <p:pic>
               <p:nvPicPr>
                 <p:cNvPr id="37" name="Ink 36">
@@ -12848,8 +12853,8 @@
             </p:pic>
           </mc:Fallback>
         </mc:AlternateContent>
-        <mc:AlternateContent xmlns:mc="http://schemas.openxmlformats.org/markup-compatibility/2006">
-          <mc:Choice xmlns:p14="http://schemas.microsoft.com/office/powerpoint/2010/main" Requires="p14">
+        <mc:AlternateContent xmlns:mc="http://schemas.openxmlformats.org/markup-compatibility/2006" xmlns:p14="http://schemas.microsoft.com/office/powerpoint/2010/main">
+          <mc:Choice Requires="p14">
             <p:contentPart p14:bwMode="auto" r:id="rId58">
               <p14:nvContentPartPr>
                 <p14:cNvPr id="38" name="Ink 37">
@@ -12868,7 +12873,7 @@
               </p14:xfrm>
             </p:contentPart>
           </mc:Choice>
-          <mc:Fallback>
+          <mc:Fallback xmlns="">
             <p:pic>
               <p:nvPicPr>
                 <p:cNvPr id="38" name="Ink 37">
@@ -12899,8 +12904,8 @@
             </p:pic>
           </mc:Fallback>
         </mc:AlternateContent>
-        <mc:AlternateContent xmlns:mc="http://schemas.openxmlformats.org/markup-compatibility/2006">
-          <mc:Choice xmlns:p14="http://schemas.microsoft.com/office/powerpoint/2010/main" Requires="p14">
+        <mc:AlternateContent xmlns:mc="http://schemas.openxmlformats.org/markup-compatibility/2006" xmlns:p14="http://schemas.microsoft.com/office/powerpoint/2010/main">
+          <mc:Choice Requires="p14">
             <p:contentPart p14:bwMode="auto" r:id="rId60">
               <p14:nvContentPartPr>
                 <p14:cNvPr id="39" name="Ink 38">
@@ -12919,7 +12924,7 @@
               </p14:xfrm>
             </p:contentPart>
           </mc:Choice>
-          <mc:Fallback>
+          <mc:Fallback xmlns="">
             <p:pic>
               <p:nvPicPr>
                 <p:cNvPr id="39" name="Ink 38">
@@ -12950,8 +12955,8 @@
             </p:pic>
           </mc:Fallback>
         </mc:AlternateContent>
-        <mc:AlternateContent xmlns:mc="http://schemas.openxmlformats.org/markup-compatibility/2006">
-          <mc:Choice xmlns:p14="http://schemas.microsoft.com/office/powerpoint/2010/main" Requires="p14">
+        <mc:AlternateContent xmlns:mc="http://schemas.openxmlformats.org/markup-compatibility/2006" xmlns:p14="http://schemas.microsoft.com/office/powerpoint/2010/main">
+          <mc:Choice Requires="p14">
             <p:contentPart p14:bwMode="auto" r:id="rId62">
               <p14:nvContentPartPr>
                 <p14:cNvPr id="40" name="Ink 39">
@@ -12970,7 +12975,7 @@
               </p14:xfrm>
             </p:contentPart>
           </mc:Choice>
-          <mc:Fallback>
+          <mc:Fallback xmlns="">
             <p:pic>
               <p:nvPicPr>
                 <p:cNvPr id="40" name="Ink 39">
@@ -13001,8 +13006,8 @@
             </p:pic>
           </mc:Fallback>
         </mc:AlternateContent>
-        <mc:AlternateContent xmlns:mc="http://schemas.openxmlformats.org/markup-compatibility/2006">
-          <mc:Choice xmlns:p14="http://schemas.microsoft.com/office/powerpoint/2010/main" Requires="p14">
+        <mc:AlternateContent xmlns:mc="http://schemas.openxmlformats.org/markup-compatibility/2006" xmlns:p14="http://schemas.microsoft.com/office/powerpoint/2010/main">
+          <mc:Choice Requires="p14">
             <p:contentPart p14:bwMode="auto" r:id="rId64">
               <p14:nvContentPartPr>
                 <p14:cNvPr id="41" name="Ink 40">
@@ -13021,7 +13026,7 @@
               </p14:xfrm>
             </p:contentPart>
           </mc:Choice>
-          <mc:Fallback>
+          <mc:Fallback xmlns="">
             <p:pic>
               <p:nvPicPr>
                 <p:cNvPr id="41" name="Ink 40">
@@ -13052,8 +13057,8 @@
             </p:pic>
           </mc:Fallback>
         </mc:AlternateContent>
-        <mc:AlternateContent xmlns:mc="http://schemas.openxmlformats.org/markup-compatibility/2006">
-          <mc:Choice xmlns:p14="http://schemas.microsoft.com/office/powerpoint/2010/main" Requires="p14">
+        <mc:AlternateContent xmlns:mc="http://schemas.openxmlformats.org/markup-compatibility/2006" xmlns:p14="http://schemas.microsoft.com/office/powerpoint/2010/main">
+          <mc:Choice Requires="p14">
             <p:contentPart p14:bwMode="auto" r:id="rId66">
               <p14:nvContentPartPr>
                 <p14:cNvPr id="42" name="Ink 41">
@@ -13072,7 +13077,7 @@
               </p14:xfrm>
             </p:contentPart>
           </mc:Choice>
-          <mc:Fallback>
+          <mc:Fallback xmlns="">
             <p:pic>
               <p:nvPicPr>
                 <p:cNvPr id="42" name="Ink 41">
@@ -13103,8 +13108,8 @@
             </p:pic>
           </mc:Fallback>
         </mc:AlternateContent>
-        <mc:AlternateContent xmlns:mc="http://schemas.openxmlformats.org/markup-compatibility/2006">
-          <mc:Choice xmlns:p14="http://schemas.microsoft.com/office/powerpoint/2010/main" Requires="p14">
+        <mc:AlternateContent xmlns:mc="http://schemas.openxmlformats.org/markup-compatibility/2006" xmlns:p14="http://schemas.microsoft.com/office/powerpoint/2010/main">
+          <mc:Choice Requires="p14">
             <p:contentPart p14:bwMode="auto" r:id="rId68">
               <p14:nvContentPartPr>
                 <p14:cNvPr id="43" name="Ink 42">
@@ -13123,7 +13128,7 @@
               </p14:xfrm>
             </p:contentPart>
           </mc:Choice>
-          <mc:Fallback>
+          <mc:Fallback xmlns="">
             <p:pic>
               <p:nvPicPr>
                 <p:cNvPr id="43" name="Ink 42">
@@ -13657,8 +13662,8 @@
           <a:chExt cx="0" cy="0"/>
         </a:xfrm>
       </p:grpSpPr>
-      <mc:AlternateContent xmlns:mc="http://schemas.openxmlformats.org/markup-compatibility/2006">
-        <mc:Choice xmlns:p14="http://schemas.microsoft.com/office/powerpoint/2010/main" Requires="p14">
+      <mc:AlternateContent xmlns:mc="http://schemas.openxmlformats.org/markup-compatibility/2006" xmlns:p14="http://schemas.microsoft.com/office/powerpoint/2010/main">
+        <mc:Choice Requires="p14">
           <p:contentPart p14:bwMode="auto" r:id="rId2">
             <p14:nvContentPartPr>
               <p14:cNvPr id="10" name="Ink 9">
@@ -13677,7 +13682,7 @@
             </p14:xfrm>
           </p:contentPart>
         </mc:Choice>
-        <mc:Fallback>
+        <mc:Fallback xmlns="">
           <p:pic>
             <p:nvPicPr>
               <p:cNvPr id="10" name="Ink 9">
@@ -13728,8 +13733,8 @@
             <a:chExt cx="5676120" cy="3858120"/>
           </a:xfrm>
         </p:grpSpPr>
-        <mc:AlternateContent xmlns:mc="http://schemas.openxmlformats.org/markup-compatibility/2006">
-          <mc:Choice xmlns:p14="http://schemas.microsoft.com/office/powerpoint/2010/main" Requires="p14">
+        <mc:AlternateContent xmlns:mc="http://schemas.openxmlformats.org/markup-compatibility/2006" xmlns:p14="http://schemas.microsoft.com/office/powerpoint/2010/main">
+          <mc:Choice Requires="p14">
             <p:contentPart p14:bwMode="auto" r:id="rId4">
               <p14:nvContentPartPr>
                 <p14:cNvPr id="28" name="Ink 27">
@@ -13748,7 +13753,7 @@
               </p14:xfrm>
             </p:contentPart>
           </mc:Choice>
-          <mc:Fallback>
+          <mc:Fallback xmlns="">
             <p:pic>
               <p:nvPicPr>
                 <p:cNvPr id="28" name="Ink 27">
@@ -13779,8 +13784,8 @@
             </p:pic>
           </mc:Fallback>
         </mc:AlternateContent>
-        <mc:AlternateContent xmlns:mc="http://schemas.openxmlformats.org/markup-compatibility/2006">
-          <mc:Choice xmlns:p14="http://schemas.microsoft.com/office/powerpoint/2010/main" Requires="p14">
+        <mc:AlternateContent xmlns:mc="http://schemas.openxmlformats.org/markup-compatibility/2006" xmlns:p14="http://schemas.microsoft.com/office/powerpoint/2010/main">
+          <mc:Choice Requires="p14">
             <p:contentPart p14:bwMode="auto" r:id="rId6">
               <p14:nvContentPartPr>
                 <p14:cNvPr id="29" name="Ink 28">
@@ -13799,7 +13804,7 @@
               </p14:xfrm>
             </p:contentPart>
           </mc:Choice>
-          <mc:Fallback>
+          <mc:Fallback xmlns="">
             <p:pic>
               <p:nvPicPr>
                 <p:cNvPr id="29" name="Ink 28">
@@ -13830,8 +13835,8 @@
             </p:pic>
           </mc:Fallback>
         </mc:AlternateContent>
-        <mc:AlternateContent xmlns:mc="http://schemas.openxmlformats.org/markup-compatibility/2006">
-          <mc:Choice xmlns:p14="http://schemas.microsoft.com/office/powerpoint/2010/main" Requires="p14">
+        <mc:AlternateContent xmlns:mc="http://schemas.openxmlformats.org/markup-compatibility/2006" xmlns:p14="http://schemas.microsoft.com/office/powerpoint/2010/main">
+          <mc:Choice Requires="p14">
             <p:contentPart p14:bwMode="auto" r:id="rId8">
               <p14:nvContentPartPr>
                 <p14:cNvPr id="30" name="Ink 29">
@@ -13850,7 +13855,7 @@
               </p14:xfrm>
             </p:contentPart>
           </mc:Choice>
-          <mc:Fallback>
+          <mc:Fallback xmlns="">
             <p:pic>
               <p:nvPicPr>
                 <p:cNvPr id="30" name="Ink 29">
@@ -13881,8 +13886,8 @@
             </p:pic>
           </mc:Fallback>
         </mc:AlternateContent>
-        <mc:AlternateContent xmlns:mc="http://schemas.openxmlformats.org/markup-compatibility/2006">
-          <mc:Choice xmlns:p14="http://schemas.microsoft.com/office/powerpoint/2010/main" Requires="p14">
+        <mc:AlternateContent xmlns:mc="http://schemas.openxmlformats.org/markup-compatibility/2006" xmlns:p14="http://schemas.microsoft.com/office/powerpoint/2010/main">
+          <mc:Choice Requires="p14">
             <p:contentPart p14:bwMode="auto" r:id="rId10">
               <p14:nvContentPartPr>
                 <p14:cNvPr id="31" name="Ink 30">
@@ -13901,7 +13906,7 @@
               </p14:xfrm>
             </p:contentPart>
           </mc:Choice>
-          <mc:Fallback>
+          <mc:Fallback xmlns="">
             <p:pic>
               <p:nvPicPr>
                 <p:cNvPr id="31" name="Ink 30">
@@ -13932,8 +13937,8 @@
             </p:pic>
           </mc:Fallback>
         </mc:AlternateContent>
-        <mc:AlternateContent xmlns:mc="http://schemas.openxmlformats.org/markup-compatibility/2006">
-          <mc:Choice xmlns:p14="http://schemas.microsoft.com/office/powerpoint/2010/main" Requires="p14">
+        <mc:AlternateContent xmlns:mc="http://schemas.openxmlformats.org/markup-compatibility/2006" xmlns:p14="http://schemas.microsoft.com/office/powerpoint/2010/main">
+          <mc:Choice Requires="p14">
             <p:contentPart p14:bwMode="auto" r:id="rId12">
               <p14:nvContentPartPr>
                 <p14:cNvPr id="34" name="Ink 33">
@@ -13952,7 +13957,7 @@
               </p14:xfrm>
             </p:contentPart>
           </mc:Choice>
-          <mc:Fallback>
+          <mc:Fallback xmlns="">
             <p:pic>
               <p:nvPicPr>
                 <p:cNvPr id="34" name="Ink 33">
@@ -13983,8 +13988,8 @@
             </p:pic>
           </mc:Fallback>
         </mc:AlternateContent>
-        <mc:AlternateContent xmlns:mc="http://schemas.openxmlformats.org/markup-compatibility/2006">
-          <mc:Choice xmlns:p14="http://schemas.microsoft.com/office/powerpoint/2010/main" Requires="p14">
+        <mc:AlternateContent xmlns:mc="http://schemas.openxmlformats.org/markup-compatibility/2006" xmlns:p14="http://schemas.microsoft.com/office/powerpoint/2010/main">
+          <mc:Choice Requires="p14">
             <p:contentPart p14:bwMode="auto" r:id="rId14">
               <p14:nvContentPartPr>
                 <p14:cNvPr id="36" name="Ink 35">
@@ -14003,7 +14008,7 @@
               </p14:xfrm>
             </p:contentPart>
           </mc:Choice>
-          <mc:Fallback>
+          <mc:Fallback xmlns="">
             <p:pic>
               <p:nvPicPr>
                 <p:cNvPr id="36" name="Ink 35">
@@ -14034,8 +14039,8 @@
             </p:pic>
           </mc:Fallback>
         </mc:AlternateContent>
-        <mc:AlternateContent xmlns:mc="http://schemas.openxmlformats.org/markup-compatibility/2006">
-          <mc:Choice xmlns:p14="http://schemas.microsoft.com/office/powerpoint/2010/main" Requires="p14">
+        <mc:AlternateContent xmlns:mc="http://schemas.openxmlformats.org/markup-compatibility/2006" xmlns:p14="http://schemas.microsoft.com/office/powerpoint/2010/main">
+          <mc:Choice Requires="p14">
             <p:contentPart p14:bwMode="auto" r:id="rId16">
               <p14:nvContentPartPr>
                 <p14:cNvPr id="37" name="Ink 36">
@@ -14054,7 +14059,7 @@
               </p14:xfrm>
             </p:contentPart>
           </mc:Choice>
-          <mc:Fallback>
+          <mc:Fallback xmlns="">
             <p:pic>
               <p:nvPicPr>
                 <p:cNvPr id="37" name="Ink 36">
@@ -14085,8 +14090,8 @@
             </p:pic>
           </mc:Fallback>
         </mc:AlternateContent>
-        <mc:AlternateContent xmlns:mc="http://schemas.openxmlformats.org/markup-compatibility/2006">
-          <mc:Choice xmlns:p14="http://schemas.microsoft.com/office/powerpoint/2010/main" Requires="p14">
+        <mc:AlternateContent xmlns:mc="http://schemas.openxmlformats.org/markup-compatibility/2006" xmlns:p14="http://schemas.microsoft.com/office/powerpoint/2010/main">
+          <mc:Choice Requires="p14">
             <p:contentPart p14:bwMode="auto" r:id="rId18">
               <p14:nvContentPartPr>
                 <p14:cNvPr id="38" name="Ink 37">
@@ -14105,7 +14110,7 @@
               </p14:xfrm>
             </p:contentPart>
           </mc:Choice>
-          <mc:Fallback>
+          <mc:Fallback xmlns="">
             <p:pic>
               <p:nvPicPr>
                 <p:cNvPr id="38" name="Ink 37">
@@ -14136,8 +14141,8 @@
             </p:pic>
           </mc:Fallback>
         </mc:AlternateContent>
-        <mc:AlternateContent xmlns:mc="http://schemas.openxmlformats.org/markup-compatibility/2006">
-          <mc:Choice xmlns:p14="http://schemas.microsoft.com/office/powerpoint/2010/main" Requires="p14">
+        <mc:AlternateContent xmlns:mc="http://schemas.openxmlformats.org/markup-compatibility/2006" xmlns:p14="http://schemas.microsoft.com/office/powerpoint/2010/main">
+          <mc:Choice Requires="p14">
             <p:contentPart p14:bwMode="auto" r:id="rId20">
               <p14:nvContentPartPr>
                 <p14:cNvPr id="39" name="Ink 38">
@@ -14156,7 +14161,7 @@
               </p14:xfrm>
             </p:contentPart>
           </mc:Choice>
-          <mc:Fallback>
+          <mc:Fallback xmlns="">
             <p:pic>
               <p:nvPicPr>
                 <p:cNvPr id="39" name="Ink 38">
@@ -14187,8 +14192,8 @@
             </p:pic>
           </mc:Fallback>
         </mc:AlternateContent>
-        <mc:AlternateContent xmlns:mc="http://schemas.openxmlformats.org/markup-compatibility/2006">
-          <mc:Choice xmlns:p14="http://schemas.microsoft.com/office/powerpoint/2010/main" Requires="p14">
+        <mc:AlternateContent xmlns:mc="http://schemas.openxmlformats.org/markup-compatibility/2006" xmlns:p14="http://schemas.microsoft.com/office/powerpoint/2010/main">
+          <mc:Choice Requires="p14">
             <p:contentPart p14:bwMode="auto" r:id="rId22">
               <p14:nvContentPartPr>
                 <p14:cNvPr id="40" name="Ink 39">
@@ -14207,7 +14212,7 @@
               </p14:xfrm>
             </p:contentPart>
           </mc:Choice>
-          <mc:Fallback>
+          <mc:Fallback xmlns="">
             <p:pic>
               <p:nvPicPr>
                 <p:cNvPr id="40" name="Ink 39">
@@ -14238,8 +14243,8 @@
             </p:pic>
           </mc:Fallback>
         </mc:AlternateContent>
-        <mc:AlternateContent xmlns:mc="http://schemas.openxmlformats.org/markup-compatibility/2006">
-          <mc:Choice xmlns:p14="http://schemas.microsoft.com/office/powerpoint/2010/main" Requires="p14">
+        <mc:AlternateContent xmlns:mc="http://schemas.openxmlformats.org/markup-compatibility/2006" xmlns:p14="http://schemas.microsoft.com/office/powerpoint/2010/main">
+          <mc:Choice Requires="p14">
             <p:contentPart p14:bwMode="auto" r:id="rId24">
               <p14:nvContentPartPr>
                 <p14:cNvPr id="41" name="Ink 40">
@@ -14258,7 +14263,7 @@
               </p14:xfrm>
             </p:contentPart>
           </mc:Choice>
-          <mc:Fallback>
+          <mc:Fallback xmlns="">
             <p:pic>
               <p:nvPicPr>
                 <p:cNvPr id="41" name="Ink 40">
@@ -14289,8 +14294,8 @@
             </p:pic>
           </mc:Fallback>
         </mc:AlternateContent>
-        <mc:AlternateContent xmlns:mc="http://schemas.openxmlformats.org/markup-compatibility/2006">
-          <mc:Choice xmlns:p14="http://schemas.microsoft.com/office/powerpoint/2010/main" Requires="p14">
+        <mc:AlternateContent xmlns:mc="http://schemas.openxmlformats.org/markup-compatibility/2006" xmlns:p14="http://schemas.microsoft.com/office/powerpoint/2010/main">
+          <mc:Choice Requires="p14">
             <p:contentPart p14:bwMode="auto" r:id="rId26">
               <p14:nvContentPartPr>
                 <p14:cNvPr id="42" name="Ink 41">
@@ -14309,7 +14314,7 @@
               </p14:xfrm>
             </p:contentPart>
           </mc:Choice>
-          <mc:Fallback>
+          <mc:Fallback xmlns="">
             <p:pic>
               <p:nvPicPr>
                 <p:cNvPr id="42" name="Ink 41">
@@ -14340,8 +14345,8 @@
             </p:pic>
           </mc:Fallback>
         </mc:AlternateContent>
-        <mc:AlternateContent xmlns:mc="http://schemas.openxmlformats.org/markup-compatibility/2006">
-          <mc:Choice xmlns:p14="http://schemas.microsoft.com/office/powerpoint/2010/main" Requires="p14">
+        <mc:AlternateContent xmlns:mc="http://schemas.openxmlformats.org/markup-compatibility/2006" xmlns:p14="http://schemas.microsoft.com/office/powerpoint/2010/main">
+          <mc:Choice Requires="p14">
             <p:contentPart p14:bwMode="auto" r:id="rId28">
               <p14:nvContentPartPr>
                 <p14:cNvPr id="43" name="Ink 42">
@@ -14360,7 +14365,7 @@
               </p14:xfrm>
             </p:contentPart>
           </mc:Choice>
-          <mc:Fallback>
+          <mc:Fallback xmlns="">
             <p:pic>
               <p:nvPicPr>
                 <p:cNvPr id="43" name="Ink 42">
@@ -14391,8 +14396,8 @@
             </p:pic>
           </mc:Fallback>
         </mc:AlternateContent>
-        <mc:AlternateContent xmlns:mc="http://schemas.openxmlformats.org/markup-compatibility/2006">
-          <mc:Choice xmlns:p14="http://schemas.microsoft.com/office/powerpoint/2010/main" Requires="p14">
+        <mc:AlternateContent xmlns:mc="http://schemas.openxmlformats.org/markup-compatibility/2006" xmlns:p14="http://schemas.microsoft.com/office/powerpoint/2010/main">
+          <mc:Choice Requires="p14">
             <p:contentPart p14:bwMode="auto" r:id="rId30">
               <p14:nvContentPartPr>
                 <p14:cNvPr id="44" name="Ink 43">
@@ -14411,7 +14416,7 @@
               </p14:xfrm>
             </p:contentPart>
           </mc:Choice>
-          <mc:Fallback>
+          <mc:Fallback xmlns="">
             <p:pic>
               <p:nvPicPr>
                 <p:cNvPr id="44" name="Ink 43">
@@ -14442,8 +14447,8 @@
             </p:pic>
           </mc:Fallback>
         </mc:AlternateContent>
-        <mc:AlternateContent xmlns:mc="http://schemas.openxmlformats.org/markup-compatibility/2006">
-          <mc:Choice xmlns:p14="http://schemas.microsoft.com/office/powerpoint/2010/main" Requires="p14">
+        <mc:AlternateContent xmlns:mc="http://schemas.openxmlformats.org/markup-compatibility/2006" xmlns:p14="http://schemas.microsoft.com/office/powerpoint/2010/main">
+          <mc:Choice Requires="p14">
             <p:contentPart p14:bwMode="auto" r:id="rId32">
               <p14:nvContentPartPr>
                 <p14:cNvPr id="45" name="Ink 44">
@@ -14462,7 +14467,7 @@
               </p14:xfrm>
             </p:contentPart>
           </mc:Choice>
-          <mc:Fallback>
+          <mc:Fallback xmlns="">
             <p:pic>
               <p:nvPicPr>
                 <p:cNvPr id="45" name="Ink 44">
@@ -14493,8 +14498,8 @@
             </p:pic>
           </mc:Fallback>
         </mc:AlternateContent>
-        <mc:AlternateContent xmlns:mc="http://schemas.openxmlformats.org/markup-compatibility/2006">
-          <mc:Choice xmlns:p14="http://schemas.microsoft.com/office/powerpoint/2010/main" Requires="p14">
+        <mc:AlternateContent xmlns:mc="http://schemas.openxmlformats.org/markup-compatibility/2006" xmlns:p14="http://schemas.microsoft.com/office/powerpoint/2010/main">
+          <mc:Choice Requires="p14">
             <p:contentPart p14:bwMode="auto" r:id="rId34">
               <p14:nvContentPartPr>
                 <p14:cNvPr id="46" name="Ink 45">
@@ -14513,7 +14518,7 @@
               </p14:xfrm>
             </p:contentPart>
           </mc:Choice>
-          <mc:Fallback>
+          <mc:Fallback xmlns="">
             <p:pic>
               <p:nvPicPr>
                 <p:cNvPr id="46" name="Ink 45">
@@ -14544,8 +14549,8 @@
             </p:pic>
           </mc:Fallback>
         </mc:AlternateContent>
-        <mc:AlternateContent xmlns:mc="http://schemas.openxmlformats.org/markup-compatibility/2006">
-          <mc:Choice xmlns:p14="http://schemas.microsoft.com/office/powerpoint/2010/main" Requires="p14">
+        <mc:AlternateContent xmlns:mc="http://schemas.openxmlformats.org/markup-compatibility/2006" xmlns:p14="http://schemas.microsoft.com/office/powerpoint/2010/main">
+          <mc:Choice Requires="p14">
             <p:contentPart p14:bwMode="auto" r:id="rId36">
               <p14:nvContentPartPr>
                 <p14:cNvPr id="47" name="Ink 46">
@@ -14564,7 +14569,7 @@
               </p14:xfrm>
             </p:contentPart>
           </mc:Choice>
-          <mc:Fallback>
+          <mc:Fallback xmlns="">
             <p:pic>
               <p:nvPicPr>
                 <p:cNvPr id="47" name="Ink 46">
@@ -14595,8 +14600,8 @@
             </p:pic>
           </mc:Fallback>
         </mc:AlternateContent>
-        <mc:AlternateContent xmlns:mc="http://schemas.openxmlformats.org/markup-compatibility/2006">
-          <mc:Choice xmlns:p14="http://schemas.microsoft.com/office/powerpoint/2010/main" Requires="p14">
+        <mc:AlternateContent xmlns:mc="http://schemas.openxmlformats.org/markup-compatibility/2006" xmlns:p14="http://schemas.microsoft.com/office/powerpoint/2010/main">
+          <mc:Choice Requires="p14">
             <p:contentPart p14:bwMode="auto" r:id="rId38">
               <p14:nvContentPartPr>
                 <p14:cNvPr id="48" name="Ink 47">
@@ -14615,7 +14620,7 @@
               </p14:xfrm>
             </p:contentPart>
           </mc:Choice>
-          <mc:Fallback>
+          <mc:Fallback xmlns="">
             <p:pic>
               <p:nvPicPr>
                 <p:cNvPr id="48" name="Ink 47">
@@ -14646,8 +14651,8 @@
             </p:pic>
           </mc:Fallback>
         </mc:AlternateContent>
-        <mc:AlternateContent xmlns:mc="http://schemas.openxmlformats.org/markup-compatibility/2006">
-          <mc:Choice xmlns:p14="http://schemas.microsoft.com/office/powerpoint/2010/main" Requires="p14">
+        <mc:AlternateContent xmlns:mc="http://schemas.openxmlformats.org/markup-compatibility/2006" xmlns:p14="http://schemas.microsoft.com/office/powerpoint/2010/main">
+          <mc:Choice Requires="p14">
             <p:contentPart p14:bwMode="auto" r:id="rId40">
               <p14:nvContentPartPr>
                 <p14:cNvPr id="5" name="Ink 4">
@@ -14666,7 +14671,7 @@
               </p14:xfrm>
             </p:contentPart>
           </mc:Choice>
-          <mc:Fallback>
+          <mc:Fallback xmlns="">
             <p:pic>
               <p:nvPicPr>
                 <p:cNvPr id="5" name="Ink 4">
@@ -14697,8 +14702,8 @@
             </p:pic>
           </mc:Fallback>
         </mc:AlternateContent>
-        <mc:AlternateContent xmlns:mc="http://schemas.openxmlformats.org/markup-compatibility/2006">
-          <mc:Choice xmlns:p14="http://schemas.microsoft.com/office/powerpoint/2010/main" Requires="p14">
+        <mc:AlternateContent xmlns:mc="http://schemas.openxmlformats.org/markup-compatibility/2006" xmlns:p14="http://schemas.microsoft.com/office/powerpoint/2010/main">
+          <mc:Choice Requires="p14">
             <p:contentPart p14:bwMode="auto" r:id="rId42">
               <p14:nvContentPartPr>
                 <p14:cNvPr id="7" name="Ink 6">
@@ -14717,7 +14722,7 @@
               </p14:xfrm>
             </p:contentPart>
           </mc:Choice>
-          <mc:Fallback>
+          <mc:Fallback xmlns="">
             <p:pic>
               <p:nvPicPr>
                 <p:cNvPr id="7" name="Ink 6">
@@ -14748,8 +14753,8 @@
             </p:pic>
           </mc:Fallback>
         </mc:AlternateContent>
-        <mc:AlternateContent xmlns:mc="http://schemas.openxmlformats.org/markup-compatibility/2006">
-          <mc:Choice xmlns:p14="http://schemas.microsoft.com/office/powerpoint/2010/main" Requires="p14">
+        <mc:AlternateContent xmlns:mc="http://schemas.openxmlformats.org/markup-compatibility/2006" xmlns:p14="http://schemas.microsoft.com/office/powerpoint/2010/main">
+          <mc:Choice Requires="p14">
             <p:contentPart p14:bwMode="auto" r:id="rId44">
               <p14:nvContentPartPr>
                 <p14:cNvPr id="8" name="Ink 7">
@@ -14768,7 +14773,7 @@
               </p14:xfrm>
             </p:contentPart>
           </mc:Choice>
-          <mc:Fallback>
+          <mc:Fallback xmlns="">
             <p:pic>
               <p:nvPicPr>
                 <p:cNvPr id="8" name="Ink 7">
@@ -14799,8 +14804,8 @@
             </p:pic>
           </mc:Fallback>
         </mc:AlternateContent>
-        <mc:AlternateContent xmlns:mc="http://schemas.openxmlformats.org/markup-compatibility/2006">
-          <mc:Choice xmlns:p14="http://schemas.microsoft.com/office/powerpoint/2010/main" Requires="p14">
+        <mc:AlternateContent xmlns:mc="http://schemas.openxmlformats.org/markup-compatibility/2006" xmlns:p14="http://schemas.microsoft.com/office/powerpoint/2010/main">
+          <mc:Choice Requires="p14">
             <p:contentPart p14:bwMode="auto" r:id="rId46">
               <p14:nvContentPartPr>
                 <p14:cNvPr id="17" name="Ink 16">
@@ -14819,7 +14824,7 @@
               </p14:xfrm>
             </p:contentPart>
           </mc:Choice>
-          <mc:Fallback>
+          <mc:Fallback xmlns="">
             <p:pic>
               <p:nvPicPr>
                 <p:cNvPr id="17" name="Ink 16">
@@ -14850,8 +14855,8 @@
             </p:pic>
           </mc:Fallback>
         </mc:AlternateContent>
-        <mc:AlternateContent xmlns:mc="http://schemas.openxmlformats.org/markup-compatibility/2006">
-          <mc:Choice xmlns:p14="http://schemas.microsoft.com/office/powerpoint/2010/main" Requires="p14">
+        <mc:AlternateContent xmlns:mc="http://schemas.openxmlformats.org/markup-compatibility/2006" xmlns:p14="http://schemas.microsoft.com/office/powerpoint/2010/main">
+          <mc:Choice Requires="p14">
             <p:contentPart p14:bwMode="auto" r:id="rId48">
               <p14:nvContentPartPr>
                 <p14:cNvPr id="18" name="Ink 17">
@@ -14870,7 +14875,7 @@
               </p14:xfrm>
             </p:contentPart>
           </mc:Choice>
-          <mc:Fallback>
+          <mc:Fallback xmlns="">
             <p:pic>
               <p:nvPicPr>
                 <p:cNvPr id="18" name="Ink 17">
@@ -14901,8 +14906,8 @@
             </p:pic>
           </mc:Fallback>
         </mc:AlternateContent>
-        <mc:AlternateContent xmlns:mc="http://schemas.openxmlformats.org/markup-compatibility/2006">
-          <mc:Choice xmlns:p14="http://schemas.microsoft.com/office/powerpoint/2010/main" Requires="p14">
+        <mc:AlternateContent xmlns:mc="http://schemas.openxmlformats.org/markup-compatibility/2006" xmlns:p14="http://schemas.microsoft.com/office/powerpoint/2010/main">
+          <mc:Choice Requires="p14">
             <p:contentPart p14:bwMode="auto" r:id="rId50">
               <p14:nvContentPartPr>
                 <p14:cNvPr id="19" name="Ink 18">
@@ -14921,7 +14926,7 @@
               </p14:xfrm>
             </p:contentPart>
           </mc:Choice>
-          <mc:Fallback>
+          <mc:Fallback xmlns="">
             <p:pic>
               <p:nvPicPr>
                 <p:cNvPr id="19" name="Ink 18">
@@ -14952,8 +14957,8 @@
             </p:pic>
           </mc:Fallback>
         </mc:AlternateContent>
-        <mc:AlternateContent xmlns:mc="http://schemas.openxmlformats.org/markup-compatibility/2006">
-          <mc:Choice xmlns:p14="http://schemas.microsoft.com/office/powerpoint/2010/main" Requires="p14">
+        <mc:AlternateContent xmlns:mc="http://schemas.openxmlformats.org/markup-compatibility/2006" xmlns:p14="http://schemas.microsoft.com/office/powerpoint/2010/main">
+          <mc:Choice Requires="p14">
             <p:contentPart p14:bwMode="auto" r:id="rId52">
               <p14:nvContentPartPr>
                 <p14:cNvPr id="20" name="Ink 19">
@@ -14972,7 +14977,7 @@
               </p14:xfrm>
             </p:contentPart>
           </mc:Choice>
-          <mc:Fallback>
+          <mc:Fallback xmlns="">
             <p:pic>
               <p:nvPicPr>
                 <p:cNvPr id="20" name="Ink 19">
@@ -15003,8 +15008,8 @@
             </p:pic>
           </mc:Fallback>
         </mc:AlternateContent>
-        <mc:AlternateContent xmlns:mc="http://schemas.openxmlformats.org/markup-compatibility/2006">
-          <mc:Choice xmlns:p14="http://schemas.microsoft.com/office/powerpoint/2010/main" Requires="p14">
+        <mc:AlternateContent xmlns:mc="http://schemas.openxmlformats.org/markup-compatibility/2006" xmlns:p14="http://schemas.microsoft.com/office/powerpoint/2010/main">
+          <mc:Choice Requires="p14">
             <p:contentPart p14:bwMode="auto" r:id="rId54">
               <p14:nvContentPartPr>
                 <p14:cNvPr id="21" name="Ink 20">
@@ -15023,7 +15028,7 @@
               </p14:xfrm>
             </p:contentPart>
           </mc:Choice>
-          <mc:Fallback>
+          <mc:Fallback xmlns="">
             <p:pic>
               <p:nvPicPr>
                 <p:cNvPr id="21" name="Ink 20">
@@ -15054,8 +15059,8 @@
             </p:pic>
           </mc:Fallback>
         </mc:AlternateContent>
-        <mc:AlternateContent xmlns:mc="http://schemas.openxmlformats.org/markup-compatibility/2006">
-          <mc:Choice xmlns:p14="http://schemas.microsoft.com/office/powerpoint/2010/main" Requires="p14">
+        <mc:AlternateContent xmlns:mc="http://schemas.openxmlformats.org/markup-compatibility/2006" xmlns:p14="http://schemas.microsoft.com/office/powerpoint/2010/main">
+          <mc:Choice Requires="p14">
             <p:contentPart p14:bwMode="auto" r:id="rId56">
               <p14:nvContentPartPr>
                 <p14:cNvPr id="22" name="Ink 21">
@@ -15074,7 +15079,7 @@
               </p14:xfrm>
             </p:contentPart>
           </mc:Choice>
-          <mc:Fallback>
+          <mc:Fallback xmlns="">
             <p:pic>
               <p:nvPicPr>
                 <p:cNvPr id="22" name="Ink 21">
@@ -15105,8 +15110,8 @@
             </p:pic>
           </mc:Fallback>
         </mc:AlternateContent>
-        <mc:AlternateContent xmlns:mc="http://schemas.openxmlformats.org/markup-compatibility/2006">
-          <mc:Choice xmlns:p14="http://schemas.microsoft.com/office/powerpoint/2010/main" Requires="p14">
+        <mc:AlternateContent xmlns:mc="http://schemas.openxmlformats.org/markup-compatibility/2006" xmlns:p14="http://schemas.microsoft.com/office/powerpoint/2010/main">
+          <mc:Choice Requires="p14">
             <p:contentPart p14:bwMode="auto" r:id="rId58">
               <p14:nvContentPartPr>
                 <p14:cNvPr id="23" name="Ink 22">
@@ -15125,7 +15130,7 @@
               </p14:xfrm>
             </p:contentPart>
           </mc:Choice>
-          <mc:Fallback>
+          <mc:Fallback xmlns="">
             <p:pic>
               <p:nvPicPr>
                 <p:cNvPr id="23" name="Ink 22">
@@ -15156,8 +15161,8 @@
             </p:pic>
           </mc:Fallback>
         </mc:AlternateContent>
-        <mc:AlternateContent xmlns:mc="http://schemas.openxmlformats.org/markup-compatibility/2006">
-          <mc:Choice xmlns:p14="http://schemas.microsoft.com/office/powerpoint/2010/main" Requires="p14">
+        <mc:AlternateContent xmlns:mc="http://schemas.openxmlformats.org/markup-compatibility/2006" xmlns:p14="http://schemas.microsoft.com/office/powerpoint/2010/main">
+          <mc:Choice Requires="p14">
             <p:contentPart p14:bwMode="auto" r:id="rId60">
               <p14:nvContentPartPr>
                 <p14:cNvPr id="24" name="Ink 23">
@@ -15176,7 +15181,7 @@
               </p14:xfrm>
             </p:contentPart>
           </mc:Choice>
-          <mc:Fallback>
+          <mc:Fallback xmlns="">
             <p:pic>
               <p:nvPicPr>
                 <p:cNvPr id="24" name="Ink 23">
@@ -15207,8 +15212,8 @@
             </p:pic>
           </mc:Fallback>
         </mc:AlternateContent>
-        <mc:AlternateContent xmlns:mc="http://schemas.openxmlformats.org/markup-compatibility/2006">
-          <mc:Choice xmlns:p14="http://schemas.microsoft.com/office/powerpoint/2010/main" Requires="p14">
+        <mc:AlternateContent xmlns:mc="http://schemas.openxmlformats.org/markup-compatibility/2006" xmlns:p14="http://schemas.microsoft.com/office/powerpoint/2010/main">
+          <mc:Choice Requires="p14">
             <p:contentPart p14:bwMode="auto" r:id="rId62">
               <p14:nvContentPartPr>
                 <p14:cNvPr id="2" name="Ink 1">
@@ -15227,7 +15232,7 @@
               </p14:xfrm>
             </p:contentPart>
           </mc:Choice>
-          <mc:Fallback>
+          <mc:Fallback xmlns="">
             <p:pic>
               <p:nvPicPr>
                 <p:cNvPr id="2" name="Ink 1">
@@ -15258,8 +15263,8 @@
             </p:pic>
           </mc:Fallback>
         </mc:AlternateContent>
-        <mc:AlternateContent xmlns:mc="http://schemas.openxmlformats.org/markup-compatibility/2006">
-          <mc:Choice xmlns:p14="http://schemas.microsoft.com/office/powerpoint/2010/main" Requires="p14">
+        <mc:AlternateContent xmlns:mc="http://schemas.openxmlformats.org/markup-compatibility/2006" xmlns:p14="http://schemas.microsoft.com/office/powerpoint/2010/main">
+          <mc:Choice Requires="p14">
             <p:contentPart p14:bwMode="auto" r:id="rId64">
               <p14:nvContentPartPr>
                 <p14:cNvPr id="3" name="Ink 2">
@@ -15278,7 +15283,7 @@
               </p14:xfrm>
             </p:contentPart>
           </mc:Choice>
-          <mc:Fallback>
+          <mc:Fallback xmlns="">
             <p:pic>
               <p:nvPicPr>
                 <p:cNvPr id="3" name="Ink 2">
@@ -15309,8 +15314,8 @@
             </p:pic>
           </mc:Fallback>
         </mc:AlternateContent>
-        <mc:AlternateContent xmlns:mc="http://schemas.openxmlformats.org/markup-compatibility/2006">
-          <mc:Choice xmlns:p14="http://schemas.microsoft.com/office/powerpoint/2010/main" Requires="p14">
+        <mc:AlternateContent xmlns:mc="http://schemas.openxmlformats.org/markup-compatibility/2006" xmlns:p14="http://schemas.microsoft.com/office/powerpoint/2010/main">
+          <mc:Choice Requires="p14">
             <p:contentPart p14:bwMode="auto" r:id="rId66">
               <p14:nvContentPartPr>
                 <p14:cNvPr id="12" name="Ink 11">
@@ -15329,7 +15334,7 @@
               </p14:xfrm>
             </p:contentPart>
           </mc:Choice>
-          <mc:Fallback>
+          <mc:Fallback xmlns="">
             <p:pic>
               <p:nvPicPr>
                 <p:cNvPr id="12" name="Ink 11">
@@ -15360,8 +15365,8 @@
             </p:pic>
           </mc:Fallback>
         </mc:AlternateContent>
-        <mc:AlternateContent xmlns:mc="http://schemas.openxmlformats.org/markup-compatibility/2006">
-          <mc:Choice xmlns:p14="http://schemas.microsoft.com/office/powerpoint/2010/main" Requires="p14">
+        <mc:AlternateContent xmlns:mc="http://schemas.openxmlformats.org/markup-compatibility/2006" xmlns:p14="http://schemas.microsoft.com/office/powerpoint/2010/main">
+          <mc:Choice Requires="p14">
             <p:contentPart p14:bwMode="auto" r:id="rId68">
               <p14:nvContentPartPr>
                 <p14:cNvPr id="13" name="Ink 12">
@@ -15380,7 +15385,7 @@
               </p14:xfrm>
             </p:contentPart>
           </mc:Choice>
-          <mc:Fallback>
+          <mc:Fallback xmlns="">
             <p:pic>
               <p:nvPicPr>
                 <p:cNvPr id="13" name="Ink 12">
@@ -15411,8 +15416,8 @@
             </p:pic>
           </mc:Fallback>
         </mc:AlternateContent>
-        <mc:AlternateContent xmlns:mc="http://schemas.openxmlformats.org/markup-compatibility/2006">
-          <mc:Choice xmlns:p14="http://schemas.microsoft.com/office/powerpoint/2010/main" Requires="p14">
+        <mc:AlternateContent xmlns:mc="http://schemas.openxmlformats.org/markup-compatibility/2006" xmlns:p14="http://schemas.microsoft.com/office/powerpoint/2010/main">
+          <mc:Choice Requires="p14">
             <p:contentPart p14:bwMode="auto" r:id="rId70">
               <p14:nvContentPartPr>
                 <p14:cNvPr id="14" name="Ink 13">
@@ -15431,7 +15436,7 @@
               </p14:xfrm>
             </p:contentPart>
           </mc:Choice>
-          <mc:Fallback>
+          <mc:Fallback xmlns="">
             <p:pic>
               <p:nvPicPr>
                 <p:cNvPr id="14" name="Ink 13">
@@ -15462,8 +15467,8 @@
             </p:pic>
           </mc:Fallback>
         </mc:AlternateContent>
-        <mc:AlternateContent xmlns:mc="http://schemas.openxmlformats.org/markup-compatibility/2006">
-          <mc:Choice xmlns:p14="http://schemas.microsoft.com/office/powerpoint/2010/main" Requires="p14">
+        <mc:AlternateContent xmlns:mc="http://schemas.openxmlformats.org/markup-compatibility/2006" xmlns:p14="http://schemas.microsoft.com/office/powerpoint/2010/main">
+          <mc:Choice Requires="p14">
             <p:contentPart p14:bwMode="auto" r:id="rId72">
               <p14:nvContentPartPr>
                 <p14:cNvPr id="15" name="Ink 14">
@@ -15482,7 +15487,7 @@
               </p14:xfrm>
             </p:contentPart>
           </mc:Choice>
-          <mc:Fallback>
+          <mc:Fallback xmlns="">
             <p:pic>
               <p:nvPicPr>
                 <p:cNvPr id="15" name="Ink 14">
@@ -15513,8 +15518,8 @@
             </p:pic>
           </mc:Fallback>
         </mc:AlternateContent>
-        <mc:AlternateContent xmlns:mc="http://schemas.openxmlformats.org/markup-compatibility/2006">
-          <mc:Choice xmlns:p14="http://schemas.microsoft.com/office/powerpoint/2010/main" Requires="p14">
+        <mc:AlternateContent xmlns:mc="http://schemas.openxmlformats.org/markup-compatibility/2006" xmlns:p14="http://schemas.microsoft.com/office/powerpoint/2010/main">
+          <mc:Choice Requires="p14">
             <p:contentPart p14:bwMode="auto" r:id="rId74">
               <p14:nvContentPartPr>
                 <p14:cNvPr id="16" name="Ink 15">
@@ -15533,7 +15538,7 @@
               </p14:xfrm>
             </p:contentPart>
           </mc:Choice>
-          <mc:Fallback>
+          <mc:Fallback xmlns="">
             <p:pic>
               <p:nvPicPr>
                 <p:cNvPr id="16" name="Ink 15">
@@ -15564,8 +15569,8 @@
             </p:pic>
           </mc:Fallback>
         </mc:AlternateContent>
-        <mc:AlternateContent xmlns:mc="http://schemas.openxmlformats.org/markup-compatibility/2006">
-          <mc:Choice xmlns:p14="http://schemas.microsoft.com/office/powerpoint/2010/main" Requires="p14">
+        <mc:AlternateContent xmlns:mc="http://schemas.openxmlformats.org/markup-compatibility/2006" xmlns:p14="http://schemas.microsoft.com/office/powerpoint/2010/main">
+          <mc:Choice Requires="p14">
             <p:contentPart p14:bwMode="auto" r:id="rId76">
               <p14:nvContentPartPr>
                 <p14:cNvPr id="27" name="Ink 26">
@@ -15584,7 +15589,7 @@
               </p14:xfrm>
             </p:contentPart>
           </mc:Choice>
-          <mc:Fallback>
+          <mc:Fallback xmlns="">
             <p:pic>
               <p:nvPicPr>
                 <p:cNvPr id="27" name="Ink 26">
@@ -15615,8 +15620,8 @@
             </p:pic>
           </mc:Fallback>
         </mc:AlternateContent>
-        <mc:AlternateContent xmlns:mc="http://schemas.openxmlformats.org/markup-compatibility/2006">
-          <mc:Choice xmlns:p14="http://schemas.microsoft.com/office/powerpoint/2010/main" Requires="p14">
+        <mc:AlternateContent xmlns:mc="http://schemas.openxmlformats.org/markup-compatibility/2006" xmlns:p14="http://schemas.microsoft.com/office/powerpoint/2010/main">
+          <mc:Choice Requires="p14">
             <p:contentPart p14:bwMode="auto" r:id="rId78">
               <p14:nvContentPartPr>
                 <p14:cNvPr id="50" name="Ink 49">
@@ -15635,7 +15640,7 @@
               </p14:xfrm>
             </p:contentPart>
           </mc:Choice>
-          <mc:Fallback>
+          <mc:Fallback xmlns="">
             <p:pic>
               <p:nvPicPr>
                 <p:cNvPr id="50" name="Ink 49">
@@ -15666,8 +15671,8 @@
             </p:pic>
           </mc:Fallback>
         </mc:AlternateContent>
-        <mc:AlternateContent xmlns:mc="http://schemas.openxmlformats.org/markup-compatibility/2006">
-          <mc:Choice xmlns:p14="http://schemas.microsoft.com/office/powerpoint/2010/main" Requires="p14">
+        <mc:AlternateContent xmlns:mc="http://schemas.openxmlformats.org/markup-compatibility/2006" xmlns:p14="http://schemas.microsoft.com/office/powerpoint/2010/main">
+          <mc:Choice Requires="p14">
             <p:contentPart p14:bwMode="auto" r:id="rId80">
               <p14:nvContentPartPr>
                 <p14:cNvPr id="51" name="Ink 50">
@@ -15686,7 +15691,7 @@
               </p14:xfrm>
             </p:contentPart>
           </mc:Choice>
-          <mc:Fallback>
+          <mc:Fallback xmlns="">
             <p:pic>
               <p:nvPicPr>
                 <p:cNvPr id="51" name="Ink 50">
@@ -15717,8 +15722,8 @@
             </p:pic>
           </mc:Fallback>
         </mc:AlternateContent>
-        <mc:AlternateContent xmlns:mc="http://schemas.openxmlformats.org/markup-compatibility/2006">
-          <mc:Choice xmlns:p14="http://schemas.microsoft.com/office/powerpoint/2010/main" Requires="p14">
+        <mc:AlternateContent xmlns:mc="http://schemas.openxmlformats.org/markup-compatibility/2006" xmlns:p14="http://schemas.microsoft.com/office/powerpoint/2010/main">
+          <mc:Choice Requires="p14">
             <p:contentPart p14:bwMode="auto" r:id="rId82">
               <p14:nvContentPartPr>
                 <p14:cNvPr id="52" name="Ink 51">
@@ -15737,7 +15742,7 @@
               </p14:xfrm>
             </p:contentPart>
           </mc:Choice>
-          <mc:Fallback>
+          <mc:Fallback xmlns="">
             <p:pic>
               <p:nvPicPr>
                 <p:cNvPr id="52" name="Ink 51">
@@ -15768,8 +15773,8 @@
             </p:pic>
           </mc:Fallback>
         </mc:AlternateContent>
-        <mc:AlternateContent xmlns:mc="http://schemas.openxmlformats.org/markup-compatibility/2006">
-          <mc:Choice xmlns:p14="http://schemas.microsoft.com/office/powerpoint/2010/main" Requires="p14">
+        <mc:AlternateContent xmlns:mc="http://schemas.openxmlformats.org/markup-compatibility/2006" xmlns:p14="http://schemas.microsoft.com/office/powerpoint/2010/main">
+          <mc:Choice Requires="p14">
             <p:contentPart p14:bwMode="auto" r:id="rId84">
               <p14:nvContentPartPr>
                 <p14:cNvPr id="54" name="Ink 53">
@@ -15788,7 +15793,7 @@
               </p14:xfrm>
             </p:contentPart>
           </mc:Choice>
-          <mc:Fallback>
+          <mc:Fallback xmlns="">
             <p:pic>
               <p:nvPicPr>
                 <p:cNvPr id="54" name="Ink 53">
@@ -15819,8 +15824,8 @@
             </p:pic>
           </mc:Fallback>
         </mc:AlternateContent>
-        <mc:AlternateContent xmlns:mc="http://schemas.openxmlformats.org/markup-compatibility/2006">
-          <mc:Choice xmlns:p14="http://schemas.microsoft.com/office/powerpoint/2010/main" Requires="p14">
+        <mc:AlternateContent xmlns:mc="http://schemas.openxmlformats.org/markup-compatibility/2006" xmlns:p14="http://schemas.microsoft.com/office/powerpoint/2010/main">
+          <mc:Choice Requires="p14">
             <p:contentPart p14:bwMode="auto" r:id="rId86">
               <p14:nvContentPartPr>
                 <p14:cNvPr id="55" name="Ink 54">
@@ -15839,7 +15844,7 @@
               </p14:xfrm>
             </p:contentPart>
           </mc:Choice>
-          <mc:Fallback>
+          <mc:Fallback xmlns="">
             <p:pic>
               <p:nvPicPr>
                 <p:cNvPr id="55" name="Ink 54">
@@ -15870,8 +15875,8 @@
             </p:pic>
           </mc:Fallback>
         </mc:AlternateContent>
-        <mc:AlternateContent xmlns:mc="http://schemas.openxmlformats.org/markup-compatibility/2006">
-          <mc:Choice xmlns:p14="http://schemas.microsoft.com/office/powerpoint/2010/main" Requires="p14">
+        <mc:AlternateContent xmlns:mc="http://schemas.openxmlformats.org/markup-compatibility/2006" xmlns:p14="http://schemas.microsoft.com/office/powerpoint/2010/main">
+          <mc:Choice Requires="p14">
             <p:contentPart p14:bwMode="auto" r:id="rId88">
               <p14:nvContentPartPr>
                 <p14:cNvPr id="56" name="Ink 55">
@@ -15890,7 +15895,7 @@
               </p14:xfrm>
             </p:contentPart>
           </mc:Choice>
-          <mc:Fallback>
+          <mc:Fallback xmlns="">
             <p:pic>
               <p:nvPicPr>
                 <p:cNvPr id="56" name="Ink 55">
@@ -15921,8 +15926,8 @@
             </p:pic>
           </mc:Fallback>
         </mc:AlternateContent>
-        <mc:AlternateContent xmlns:mc="http://schemas.openxmlformats.org/markup-compatibility/2006">
-          <mc:Choice xmlns:p14="http://schemas.microsoft.com/office/powerpoint/2010/main" Requires="p14">
+        <mc:AlternateContent xmlns:mc="http://schemas.openxmlformats.org/markup-compatibility/2006" xmlns:p14="http://schemas.microsoft.com/office/powerpoint/2010/main">
+          <mc:Choice Requires="p14">
             <p:contentPart p14:bwMode="auto" r:id="rId90">
               <p14:nvContentPartPr>
                 <p14:cNvPr id="57" name="Ink 56">
@@ -15941,7 +15946,7 @@
               </p14:xfrm>
             </p:contentPart>
           </mc:Choice>
-          <mc:Fallback>
+          <mc:Fallback xmlns="">
             <p:pic>
               <p:nvPicPr>
                 <p:cNvPr id="57" name="Ink 56">
@@ -15972,8 +15977,8 @@
             </p:pic>
           </mc:Fallback>
         </mc:AlternateContent>
-        <mc:AlternateContent xmlns:mc="http://schemas.openxmlformats.org/markup-compatibility/2006">
-          <mc:Choice xmlns:p14="http://schemas.microsoft.com/office/powerpoint/2010/main" Requires="p14">
+        <mc:AlternateContent xmlns:mc="http://schemas.openxmlformats.org/markup-compatibility/2006" xmlns:p14="http://schemas.microsoft.com/office/powerpoint/2010/main">
+          <mc:Choice Requires="p14">
             <p:contentPart p14:bwMode="auto" r:id="rId92">
               <p14:nvContentPartPr>
                 <p14:cNvPr id="59" name="Ink 58">
@@ -15992,7 +15997,7 @@
               </p14:xfrm>
             </p:contentPart>
           </mc:Choice>
-          <mc:Fallback>
+          <mc:Fallback xmlns="">
             <p:pic>
               <p:nvPicPr>
                 <p:cNvPr id="59" name="Ink 58">
@@ -16023,8 +16028,8 @@
             </p:pic>
           </mc:Fallback>
         </mc:AlternateContent>
-        <mc:AlternateContent xmlns:mc="http://schemas.openxmlformats.org/markup-compatibility/2006">
-          <mc:Choice xmlns:p14="http://schemas.microsoft.com/office/powerpoint/2010/main" Requires="p14">
+        <mc:AlternateContent xmlns:mc="http://schemas.openxmlformats.org/markup-compatibility/2006" xmlns:p14="http://schemas.microsoft.com/office/powerpoint/2010/main">
+          <mc:Choice Requires="p14">
             <p:contentPart p14:bwMode="auto" r:id="rId94">
               <p14:nvContentPartPr>
                 <p14:cNvPr id="60" name="Ink 59">
@@ -16043,7 +16048,7 @@
               </p14:xfrm>
             </p:contentPart>
           </mc:Choice>
-          <mc:Fallback>
+          <mc:Fallback xmlns="">
             <p:pic>
               <p:nvPicPr>
                 <p:cNvPr id="60" name="Ink 59">
@@ -16074,8 +16079,8 @@
             </p:pic>
           </mc:Fallback>
         </mc:AlternateContent>
-        <mc:AlternateContent xmlns:mc="http://schemas.openxmlformats.org/markup-compatibility/2006">
-          <mc:Choice xmlns:p14="http://schemas.microsoft.com/office/powerpoint/2010/main" Requires="p14">
+        <mc:AlternateContent xmlns:mc="http://schemas.openxmlformats.org/markup-compatibility/2006" xmlns:p14="http://schemas.microsoft.com/office/powerpoint/2010/main">
+          <mc:Choice Requires="p14">
             <p:contentPart p14:bwMode="auto" r:id="rId96">
               <p14:nvContentPartPr>
                 <p14:cNvPr id="62" name="Ink 61">
@@ -16094,7 +16099,7 @@
               </p14:xfrm>
             </p:contentPart>
           </mc:Choice>
-          <mc:Fallback>
+          <mc:Fallback xmlns="">
             <p:pic>
               <p:nvPicPr>
                 <p:cNvPr id="62" name="Ink 61">
@@ -16125,8 +16130,8 @@
             </p:pic>
           </mc:Fallback>
         </mc:AlternateContent>
-        <mc:AlternateContent xmlns:mc="http://schemas.openxmlformats.org/markup-compatibility/2006">
-          <mc:Choice xmlns:p14="http://schemas.microsoft.com/office/powerpoint/2010/main" Requires="p14">
+        <mc:AlternateContent xmlns:mc="http://schemas.openxmlformats.org/markup-compatibility/2006" xmlns:p14="http://schemas.microsoft.com/office/powerpoint/2010/main">
+          <mc:Choice Requires="p14">
             <p:contentPart p14:bwMode="auto" r:id="rId98">
               <p14:nvContentPartPr>
                 <p14:cNvPr id="64" name="Ink 63">
@@ -16145,7 +16150,7 @@
               </p14:xfrm>
             </p:contentPart>
           </mc:Choice>
-          <mc:Fallback>
+          <mc:Fallback xmlns="">
             <p:pic>
               <p:nvPicPr>
                 <p:cNvPr id="64" name="Ink 63">
@@ -16176,8 +16181,8 @@
             </p:pic>
           </mc:Fallback>
         </mc:AlternateContent>
-        <mc:AlternateContent xmlns:mc="http://schemas.openxmlformats.org/markup-compatibility/2006">
-          <mc:Choice xmlns:p14="http://schemas.microsoft.com/office/powerpoint/2010/main" Requires="p14">
+        <mc:AlternateContent xmlns:mc="http://schemas.openxmlformats.org/markup-compatibility/2006" xmlns:p14="http://schemas.microsoft.com/office/powerpoint/2010/main">
+          <mc:Choice Requires="p14">
             <p:contentPart p14:bwMode="auto" r:id="rId100">
               <p14:nvContentPartPr>
                 <p14:cNvPr id="65" name="Ink 64">
@@ -16196,7 +16201,7 @@
               </p14:xfrm>
             </p:contentPart>
           </mc:Choice>
-          <mc:Fallback>
+          <mc:Fallback xmlns="">
             <p:pic>
               <p:nvPicPr>
                 <p:cNvPr id="65" name="Ink 64">
@@ -16227,8 +16232,8 @@
             </p:pic>
           </mc:Fallback>
         </mc:AlternateContent>
-        <mc:AlternateContent xmlns:mc="http://schemas.openxmlformats.org/markup-compatibility/2006">
-          <mc:Choice xmlns:p14="http://schemas.microsoft.com/office/powerpoint/2010/main" Requires="p14">
+        <mc:AlternateContent xmlns:mc="http://schemas.openxmlformats.org/markup-compatibility/2006" xmlns:p14="http://schemas.microsoft.com/office/powerpoint/2010/main">
+          <mc:Choice Requires="p14">
             <p:contentPart p14:bwMode="auto" r:id="rId102">
               <p14:nvContentPartPr>
                 <p14:cNvPr id="66" name="Ink 65">
@@ -16247,7 +16252,7 @@
               </p14:xfrm>
             </p:contentPart>
           </mc:Choice>
-          <mc:Fallback>
+          <mc:Fallback xmlns="">
             <p:pic>
               <p:nvPicPr>
                 <p:cNvPr id="66" name="Ink 65">
@@ -16278,8 +16283,8 @@
             </p:pic>
           </mc:Fallback>
         </mc:AlternateContent>
-        <mc:AlternateContent xmlns:mc="http://schemas.openxmlformats.org/markup-compatibility/2006">
-          <mc:Choice xmlns:p14="http://schemas.microsoft.com/office/powerpoint/2010/main" Requires="p14">
+        <mc:AlternateContent xmlns:mc="http://schemas.openxmlformats.org/markup-compatibility/2006" xmlns:p14="http://schemas.microsoft.com/office/powerpoint/2010/main">
+          <mc:Choice Requires="p14">
             <p:contentPart p14:bwMode="auto" r:id="rId104">
               <p14:nvContentPartPr>
                 <p14:cNvPr id="67" name="Ink 66">
@@ -16298,7 +16303,7 @@
               </p14:xfrm>
             </p:contentPart>
           </mc:Choice>
-          <mc:Fallback>
+          <mc:Fallback xmlns="">
             <p:pic>
               <p:nvPicPr>
                 <p:cNvPr id="67" name="Ink 66">
@@ -16329,8 +16334,8 @@
             </p:pic>
           </mc:Fallback>
         </mc:AlternateContent>
-        <mc:AlternateContent xmlns:mc="http://schemas.openxmlformats.org/markup-compatibility/2006">
-          <mc:Choice xmlns:p14="http://schemas.microsoft.com/office/powerpoint/2010/main" Requires="p14">
+        <mc:AlternateContent xmlns:mc="http://schemas.openxmlformats.org/markup-compatibility/2006" xmlns:p14="http://schemas.microsoft.com/office/powerpoint/2010/main">
+          <mc:Choice Requires="p14">
             <p:contentPart p14:bwMode="auto" r:id="rId106">
               <p14:nvContentPartPr>
                 <p14:cNvPr id="68" name="Ink 67">
@@ -16349,7 +16354,7 @@
               </p14:xfrm>
             </p:contentPart>
           </mc:Choice>
-          <mc:Fallback>
+          <mc:Fallback xmlns="">
             <p:pic>
               <p:nvPicPr>
                 <p:cNvPr id="68" name="Ink 67">
@@ -16380,8 +16385,8 @@
             </p:pic>
           </mc:Fallback>
         </mc:AlternateContent>
-        <mc:AlternateContent xmlns:mc="http://schemas.openxmlformats.org/markup-compatibility/2006">
-          <mc:Choice xmlns:p14="http://schemas.microsoft.com/office/powerpoint/2010/main" Requires="p14">
+        <mc:AlternateContent xmlns:mc="http://schemas.openxmlformats.org/markup-compatibility/2006" xmlns:p14="http://schemas.microsoft.com/office/powerpoint/2010/main">
+          <mc:Choice Requires="p14">
             <p:contentPart p14:bwMode="auto" r:id="rId108">
               <p14:nvContentPartPr>
                 <p14:cNvPr id="69" name="Ink 68">
@@ -16400,7 +16405,7 @@
               </p14:xfrm>
             </p:contentPart>
           </mc:Choice>
-          <mc:Fallback>
+          <mc:Fallback xmlns="">
             <p:pic>
               <p:nvPicPr>
                 <p:cNvPr id="69" name="Ink 68">
@@ -16431,8 +16436,8 @@
             </p:pic>
           </mc:Fallback>
         </mc:AlternateContent>
-        <mc:AlternateContent xmlns:mc="http://schemas.openxmlformats.org/markup-compatibility/2006">
-          <mc:Choice xmlns:p14="http://schemas.microsoft.com/office/powerpoint/2010/main" Requires="p14">
+        <mc:AlternateContent xmlns:mc="http://schemas.openxmlformats.org/markup-compatibility/2006" xmlns:p14="http://schemas.microsoft.com/office/powerpoint/2010/main">
+          <mc:Choice Requires="p14">
             <p:contentPart p14:bwMode="auto" r:id="rId110">
               <p14:nvContentPartPr>
                 <p14:cNvPr id="70" name="Ink 69">
@@ -16451,7 +16456,7 @@
               </p14:xfrm>
             </p:contentPart>
           </mc:Choice>
-          <mc:Fallback>
+          <mc:Fallback xmlns="">
             <p:pic>
               <p:nvPicPr>
                 <p:cNvPr id="70" name="Ink 69">
@@ -16482,8 +16487,8 @@
             </p:pic>
           </mc:Fallback>
         </mc:AlternateContent>
-        <mc:AlternateContent xmlns:mc="http://schemas.openxmlformats.org/markup-compatibility/2006">
-          <mc:Choice xmlns:p14="http://schemas.microsoft.com/office/powerpoint/2010/main" Requires="p14">
+        <mc:AlternateContent xmlns:mc="http://schemas.openxmlformats.org/markup-compatibility/2006" xmlns:p14="http://schemas.microsoft.com/office/powerpoint/2010/main">
+          <mc:Choice Requires="p14">
             <p:contentPart p14:bwMode="auto" r:id="rId112">
               <p14:nvContentPartPr>
                 <p14:cNvPr id="71" name="Ink 70">
@@ -16502,7 +16507,7 @@
               </p14:xfrm>
             </p:contentPart>
           </mc:Choice>
-          <mc:Fallback>
+          <mc:Fallback xmlns="">
             <p:pic>
               <p:nvPicPr>
                 <p:cNvPr id="71" name="Ink 70">
@@ -16533,8 +16538,8 @@
             </p:pic>
           </mc:Fallback>
         </mc:AlternateContent>
-        <mc:AlternateContent xmlns:mc="http://schemas.openxmlformats.org/markup-compatibility/2006">
-          <mc:Choice xmlns:p14="http://schemas.microsoft.com/office/powerpoint/2010/main" Requires="p14">
+        <mc:AlternateContent xmlns:mc="http://schemas.openxmlformats.org/markup-compatibility/2006" xmlns:p14="http://schemas.microsoft.com/office/powerpoint/2010/main">
+          <mc:Choice Requires="p14">
             <p:contentPart p14:bwMode="auto" r:id="rId114">
               <p14:nvContentPartPr>
                 <p14:cNvPr id="72" name="Ink 71">
@@ -16553,7 +16558,7 @@
               </p14:xfrm>
             </p:contentPart>
           </mc:Choice>
-          <mc:Fallback>
+          <mc:Fallback xmlns="">
             <p:pic>
               <p:nvPicPr>
                 <p:cNvPr id="72" name="Ink 71">
@@ -16584,8 +16589,8 @@
             </p:pic>
           </mc:Fallback>
         </mc:AlternateContent>
-        <mc:AlternateContent xmlns:mc="http://schemas.openxmlformats.org/markup-compatibility/2006">
-          <mc:Choice xmlns:p14="http://schemas.microsoft.com/office/powerpoint/2010/main" Requires="p14">
+        <mc:AlternateContent xmlns:mc="http://schemas.openxmlformats.org/markup-compatibility/2006" xmlns:p14="http://schemas.microsoft.com/office/powerpoint/2010/main">
+          <mc:Choice Requires="p14">
             <p:contentPart p14:bwMode="auto" r:id="rId116">
               <p14:nvContentPartPr>
                 <p14:cNvPr id="73" name="Ink 72">
@@ -16604,7 +16609,7 @@
               </p14:xfrm>
             </p:contentPart>
           </mc:Choice>
-          <mc:Fallback>
+          <mc:Fallback xmlns="">
             <p:pic>
               <p:nvPicPr>
                 <p:cNvPr id="73" name="Ink 72">
@@ -16635,8 +16640,8 @@
             </p:pic>
           </mc:Fallback>
         </mc:AlternateContent>
-        <mc:AlternateContent xmlns:mc="http://schemas.openxmlformats.org/markup-compatibility/2006">
-          <mc:Choice xmlns:p14="http://schemas.microsoft.com/office/powerpoint/2010/main" Requires="p14">
+        <mc:AlternateContent xmlns:mc="http://schemas.openxmlformats.org/markup-compatibility/2006" xmlns:p14="http://schemas.microsoft.com/office/powerpoint/2010/main">
+          <mc:Choice Requires="p14">
             <p:contentPart p14:bwMode="auto" r:id="rId118">
               <p14:nvContentPartPr>
                 <p14:cNvPr id="85" name="Ink 84">
@@ -16655,7 +16660,7 @@
               </p14:xfrm>
             </p:contentPart>
           </mc:Choice>
-          <mc:Fallback>
+          <mc:Fallback xmlns="">
             <p:pic>
               <p:nvPicPr>
                 <p:cNvPr id="85" name="Ink 84">
@@ -16686,8 +16691,8 @@
             </p:pic>
           </mc:Fallback>
         </mc:AlternateContent>
-        <mc:AlternateContent xmlns:mc="http://schemas.openxmlformats.org/markup-compatibility/2006">
-          <mc:Choice xmlns:p14="http://schemas.microsoft.com/office/powerpoint/2010/main" Requires="p14">
+        <mc:AlternateContent xmlns:mc="http://schemas.openxmlformats.org/markup-compatibility/2006" xmlns:p14="http://schemas.microsoft.com/office/powerpoint/2010/main">
+          <mc:Choice Requires="p14">
             <p:contentPart p14:bwMode="auto" r:id="rId120">
               <p14:nvContentPartPr>
                 <p14:cNvPr id="87" name="Ink 86">
@@ -16706,7 +16711,7 @@
               </p14:xfrm>
             </p:contentPart>
           </mc:Choice>
-          <mc:Fallback>
+          <mc:Fallback xmlns="">
             <p:pic>
               <p:nvPicPr>
                 <p:cNvPr id="87" name="Ink 86">
@@ -16737,8 +16742,8 @@
             </p:pic>
           </mc:Fallback>
         </mc:AlternateContent>
-        <mc:AlternateContent xmlns:mc="http://schemas.openxmlformats.org/markup-compatibility/2006">
-          <mc:Choice xmlns:p14="http://schemas.microsoft.com/office/powerpoint/2010/main" Requires="p14">
+        <mc:AlternateContent xmlns:mc="http://schemas.openxmlformats.org/markup-compatibility/2006" xmlns:p14="http://schemas.microsoft.com/office/powerpoint/2010/main">
+          <mc:Choice Requires="p14">
             <p:contentPart p14:bwMode="auto" r:id="rId122">
               <p14:nvContentPartPr>
                 <p14:cNvPr id="88" name="Ink 87">
@@ -16757,7 +16762,7 @@
               </p14:xfrm>
             </p:contentPart>
           </mc:Choice>
-          <mc:Fallback>
+          <mc:Fallback xmlns="">
             <p:pic>
               <p:nvPicPr>
                 <p:cNvPr id="88" name="Ink 87">
@@ -16788,8 +16793,8 @@
             </p:pic>
           </mc:Fallback>
         </mc:AlternateContent>
-        <mc:AlternateContent xmlns:mc="http://schemas.openxmlformats.org/markup-compatibility/2006">
-          <mc:Choice xmlns:p14="http://schemas.microsoft.com/office/powerpoint/2010/main" Requires="p14">
+        <mc:AlternateContent xmlns:mc="http://schemas.openxmlformats.org/markup-compatibility/2006" xmlns:p14="http://schemas.microsoft.com/office/powerpoint/2010/main">
+          <mc:Choice Requires="p14">
             <p:contentPart p14:bwMode="auto" r:id="rId124">
               <p14:nvContentPartPr>
                 <p14:cNvPr id="89" name="Ink 88">
@@ -16808,7 +16813,7 @@
               </p14:xfrm>
             </p:contentPart>
           </mc:Choice>
-          <mc:Fallback>
+          <mc:Fallback xmlns="">
             <p:pic>
               <p:nvPicPr>
                 <p:cNvPr id="89" name="Ink 88">
@@ -16839,8 +16844,8 @@
             </p:pic>
           </mc:Fallback>
         </mc:AlternateContent>
-        <mc:AlternateContent xmlns:mc="http://schemas.openxmlformats.org/markup-compatibility/2006">
-          <mc:Choice xmlns:p14="http://schemas.microsoft.com/office/powerpoint/2010/main" Requires="p14">
+        <mc:AlternateContent xmlns:mc="http://schemas.openxmlformats.org/markup-compatibility/2006" xmlns:p14="http://schemas.microsoft.com/office/powerpoint/2010/main">
+          <mc:Choice Requires="p14">
             <p:contentPart p14:bwMode="auto" r:id="rId126">
               <p14:nvContentPartPr>
                 <p14:cNvPr id="90" name="Ink 89">
@@ -16859,7 +16864,7 @@
               </p14:xfrm>
             </p:contentPart>
           </mc:Choice>
-          <mc:Fallback>
+          <mc:Fallback xmlns="">
             <p:pic>
               <p:nvPicPr>
                 <p:cNvPr id="90" name="Ink 89">
@@ -16890,8 +16895,8 @@
             </p:pic>
           </mc:Fallback>
         </mc:AlternateContent>
-        <mc:AlternateContent xmlns:mc="http://schemas.openxmlformats.org/markup-compatibility/2006">
-          <mc:Choice xmlns:p14="http://schemas.microsoft.com/office/powerpoint/2010/main" Requires="p14">
+        <mc:AlternateContent xmlns:mc="http://schemas.openxmlformats.org/markup-compatibility/2006" xmlns:p14="http://schemas.microsoft.com/office/powerpoint/2010/main">
+          <mc:Choice Requires="p14">
             <p:contentPart p14:bwMode="auto" r:id="rId128">
               <p14:nvContentPartPr>
                 <p14:cNvPr id="91" name="Ink 90">
@@ -16910,7 +16915,7 @@
               </p14:xfrm>
             </p:contentPart>
           </mc:Choice>
-          <mc:Fallback>
+          <mc:Fallback xmlns="">
             <p:pic>
               <p:nvPicPr>
                 <p:cNvPr id="91" name="Ink 90">
@@ -16941,8 +16946,8 @@
             </p:pic>
           </mc:Fallback>
         </mc:AlternateContent>
-        <mc:AlternateContent xmlns:mc="http://schemas.openxmlformats.org/markup-compatibility/2006">
-          <mc:Choice xmlns:p14="http://schemas.microsoft.com/office/powerpoint/2010/main" Requires="p14">
+        <mc:AlternateContent xmlns:mc="http://schemas.openxmlformats.org/markup-compatibility/2006" xmlns:p14="http://schemas.microsoft.com/office/powerpoint/2010/main">
+          <mc:Choice Requires="p14">
             <p:contentPart p14:bwMode="auto" r:id="rId130">
               <p14:nvContentPartPr>
                 <p14:cNvPr id="92" name="Ink 91">
@@ -16961,7 +16966,7 @@
               </p14:xfrm>
             </p:contentPart>
           </mc:Choice>
-          <mc:Fallback>
+          <mc:Fallback xmlns="">
             <p:pic>
               <p:nvPicPr>
                 <p:cNvPr id="92" name="Ink 91">
@@ -16992,8 +16997,8 @@
             </p:pic>
           </mc:Fallback>
         </mc:AlternateContent>
-        <mc:AlternateContent xmlns:mc="http://schemas.openxmlformats.org/markup-compatibility/2006">
-          <mc:Choice xmlns:p14="http://schemas.microsoft.com/office/powerpoint/2010/main" Requires="p14">
+        <mc:AlternateContent xmlns:mc="http://schemas.openxmlformats.org/markup-compatibility/2006" xmlns:p14="http://schemas.microsoft.com/office/powerpoint/2010/main">
+          <mc:Choice Requires="p14">
             <p:contentPart p14:bwMode="auto" r:id="rId132">
               <p14:nvContentPartPr>
                 <p14:cNvPr id="93" name="Ink 92">
@@ -17012,7 +17017,7 @@
               </p14:xfrm>
             </p:contentPart>
           </mc:Choice>
-          <mc:Fallback>
+          <mc:Fallback xmlns="">
             <p:pic>
               <p:nvPicPr>
                 <p:cNvPr id="93" name="Ink 92">
@@ -17043,8 +17048,8 @@
             </p:pic>
           </mc:Fallback>
         </mc:AlternateContent>
-        <mc:AlternateContent xmlns:mc="http://schemas.openxmlformats.org/markup-compatibility/2006">
-          <mc:Choice xmlns:p14="http://schemas.microsoft.com/office/powerpoint/2010/main" Requires="p14">
+        <mc:AlternateContent xmlns:mc="http://schemas.openxmlformats.org/markup-compatibility/2006" xmlns:p14="http://schemas.microsoft.com/office/powerpoint/2010/main">
+          <mc:Choice Requires="p14">
             <p:contentPart p14:bwMode="auto" r:id="rId134">
               <p14:nvContentPartPr>
                 <p14:cNvPr id="94" name="Ink 93">
@@ -17063,7 +17068,7 @@
               </p14:xfrm>
             </p:contentPart>
           </mc:Choice>
-          <mc:Fallback>
+          <mc:Fallback xmlns="">
             <p:pic>
               <p:nvPicPr>
                 <p:cNvPr id="94" name="Ink 93">
@@ -17094,8 +17099,8 @@
             </p:pic>
           </mc:Fallback>
         </mc:AlternateContent>
-        <mc:AlternateContent xmlns:mc="http://schemas.openxmlformats.org/markup-compatibility/2006">
-          <mc:Choice xmlns:p14="http://schemas.microsoft.com/office/powerpoint/2010/main" Requires="p14">
+        <mc:AlternateContent xmlns:mc="http://schemas.openxmlformats.org/markup-compatibility/2006" xmlns:p14="http://schemas.microsoft.com/office/powerpoint/2010/main">
+          <mc:Choice Requires="p14">
             <p:contentPart p14:bwMode="auto" r:id="rId136">
               <p14:nvContentPartPr>
                 <p14:cNvPr id="95" name="Ink 94">
@@ -17114,7 +17119,7 @@
               </p14:xfrm>
             </p:contentPart>
           </mc:Choice>
-          <mc:Fallback>
+          <mc:Fallback xmlns="">
             <p:pic>
               <p:nvPicPr>
                 <p:cNvPr id="95" name="Ink 94">
@@ -17145,8 +17150,8 @@
             </p:pic>
           </mc:Fallback>
         </mc:AlternateContent>
-        <mc:AlternateContent xmlns:mc="http://schemas.openxmlformats.org/markup-compatibility/2006">
-          <mc:Choice xmlns:p14="http://schemas.microsoft.com/office/powerpoint/2010/main" Requires="p14">
+        <mc:AlternateContent xmlns:mc="http://schemas.openxmlformats.org/markup-compatibility/2006" xmlns:p14="http://schemas.microsoft.com/office/powerpoint/2010/main">
+          <mc:Choice Requires="p14">
             <p:contentPart p14:bwMode="auto" r:id="rId138">
               <p14:nvContentPartPr>
                 <p14:cNvPr id="97" name="Ink 96">
@@ -17165,7 +17170,7 @@
               </p14:xfrm>
             </p:contentPart>
           </mc:Choice>
-          <mc:Fallback>
+          <mc:Fallback xmlns="">
             <p:pic>
               <p:nvPicPr>
                 <p:cNvPr id="97" name="Ink 96">
@@ -17196,8 +17201,8 @@
             </p:pic>
           </mc:Fallback>
         </mc:AlternateContent>
-        <mc:AlternateContent xmlns:mc="http://schemas.openxmlformats.org/markup-compatibility/2006">
-          <mc:Choice xmlns:p14="http://schemas.microsoft.com/office/powerpoint/2010/main" Requires="p14">
+        <mc:AlternateContent xmlns:mc="http://schemas.openxmlformats.org/markup-compatibility/2006" xmlns:p14="http://schemas.microsoft.com/office/powerpoint/2010/main">
+          <mc:Choice Requires="p14">
             <p:contentPart p14:bwMode="auto" r:id="rId140">
               <p14:nvContentPartPr>
                 <p14:cNvPr id="98" name="Ink 97">
@@ -17216,7 +17221,7 @@
               </p14:xfrm>
             </p:contentPart>
           </mc:Choice>
-          <mc:Fallback>
+          <mc:Fallback xmlns="">
             <p:pic>
               <p:nvPicPr>
                 <p:cNvPr id="98" name="Ink 97">
@@ -17247,8 +17252,8 @@
             </p:pic>
           </mc:Fallback>
         </mc:AlternateContent>
-        <mc:AlternateContent xmlns:mc="http://schemas.openxmlformats.org/markup-compatibility/2006">
-          <mc:Choice xmlns:p14="http://schemas.microsoft.com/office/powerpoint/2010/main" Requires="p14">
+        <mc:AlternateContent xmlns:mc="http://schemas.openxmlformats.org/markup-compatibility/2006" xmlns:p14="http://schemas.microsoft.com/office/powerpoint/2010/main">
+          <mc:Choice Requires="p14">
             <p:contentPart p14:bwMode="auto" r:id="rId142">
               <p14:nvContentPartPr>
                 <p14:cNvPr id="99" name="Ink 98">
@@ -17267,7 +17272,7 @@
               </p14:xfrm>
             </p:contentPart>
           </mc:Choice>
-          <mc:Fallback>
+          <mc:Fallback xmlns="">
             <p:pic>
               <p:nvPicPr>
                 <p:cNvPr id="99" name="Ink 98">
@@ -17298,8 +17303,8 @@
             </p:pic>
           </mc:Fallback>
         </mc:AlternateContent>
-        <mc:AlternateContent xmlns:mc="http://schemas.openxmlformats.org/markup-compatibility/2006">
-          <mc:Choice xmlns:p14="http://schemas.microsoft.com/office/powerpoint/2010/main" Requires="p14">
+        <mc:AlternateContent xmlns:mc="http://schemas.openxmlformats.org/markup-compatibility/2006" xmlns:p14="http://schemas.microsoft.com/office/powerpoint/2010/main">
+          <mc:Choice Requires="p14">
             <p:contentPart p14:bwMode="auto" r:id="rId144">
               <p14:nvContentPartPr>
                 <p14:cNvPr id="100" name="Ink 99">
@@ -17318,7 +17323,7 @@
               </p14:xfrm>
             </p:contentPart>
           </mc:Choice>
-          <mc:Fallback>
+          <mc:Fallback xmlns="">
             <p:pic>
               <p:nvPicPr>
                 <p:cNvPr id="100" name="Ink 99">
@@ -17349,8 +17354,8 @@
             </p:pic>
           </mc:Fallback>
         </mc:AlternateContent>
-        <mc:AlternateContent xmlns:mc="http://schemas.openxmlformats.org/markup-compatibility/2006">
-          <mc:Choice xmlns:p14="http://schemas.microsoft.com/office/powerpoint/2010/main" Requires="p14">
+        <mc:AlternateContent xmlns:mc="http://schemas.openxmlformats.org/markup-compatibility/2006" xmlns:p14="http://schemas.microsoft.com/office/powerpoint/2010/main">
+          <mc:Choice Requires="p14">
             <p:contentPart p14:bwMode="auto" r:id="rId146">
               <p14:nvContentPartPr>
                 <p14:cNvPr id="101" name="Ink 100">
@@ -17369,7 +17374,7 @@
               </p14:xfrm>
             </p:contentPart>
           </mc:Choice>
-          <mc:Fallback>
+          <mc:Fallback xmlns="">
             <p:pic>
               <p:nvPicPr>
                 <p:cNvPr id="101" name="Ink 100">
@@ -17400,8 +17405,8 @@
             </p:pic>
           </mc:Fallback>
         </mc:AlternateContent>
-        <mc:AlternateContent xmlns:mc="http://schemas.openxmlformats.org/markup-compatibility/2006">
-          <mc:Choice xmlns:p14="http://schemas.microsoft.com/office/powerpoint/2010/main" Requires="p14">
+        <mc:AlternateContent xmlns:mc="http://schemas.openxmlformats.org/markup-compatibility/2006" xmlns:p14="http://schemas.microsoft.com/office/powerpoint/2010/main">
+          <mc:Choice Requires="p14">
             <p:contentPart p14:bwMode="auto" r:id="rId148">
               <p14:nvContentPartPr>
                 <p14:cNvPr id="102" name="Ink 101">
@@ -17420,7 +17425,7 @@
               </p14:xfrm>
             </p:contentPart>
           </mc:Choice>
-          <mc:Fallback>
+          <mc:Fallback xmlns="">
             <p:pic>
               <p:nvPicPr>
                 <p:cNvPr id="102" name="Ink 101">
@@ -17451,8 +17456,8 @@
             </p:pic>
           </mc:Fallback>
         </mc:AlternateContent>
-        <mc:AlternateContent xmlns:mc="http://schemas.openxmlformats.org/markup-compatibility/2006">
-          <mc:Choice xmlns:p14="http://schemas.microsoft.com/office/powerpoint/2010/main" Requires="p14">
+        <mc:AlternateContent xmlns:mc="http://schemas.openxmlformats.org/markup-compatibility/2006" xmlns:p14="http://schemas.microsoft.com/office/powerpoint/2010/main">
+          <mc:Choice Requires="p14">
             <p:contentPart p14:bwMode="auto" r:id="rId150">
               <p14:nvContentPartPr>
                 <p14:cNvPr id="103" name="Ink 102">
@@ -17471,7 +17476,7 @@
               </p14:xfrm>
             </p:contentPart>
           </mc:Choice>
-          <mc:Fallback>
+          <mc:Fallback xmlns="">
             <p:pic>
               <p:nvPicPr>
                 <p:cNvPr id="103" name="Ink 102">
@@ -17502,8 +17507,8 @@
             </p:pic>
           </mc:Fallback>
         </mc:AlternateContent>
-        <mc:AlternateContent xmlns:mc="http://schemas.openxmlformats.org/markup-compatibility/2006">
-          <mc:Choice xmlns:p14="http://schemas.microsoft.com/office/powerpoint/2010/main" Requires="p14">
+        <mc:AlternateContent xmlns:mc="http://schemas.openxmlformats.org/markup-compatibility/2006" xmlns:p14="http://schemas.microsoft.com/office/powerpoint/2010/main">
+          <mc:Choice Requires="p14">
             <p:contentPart p14:bwMode="auto" r:id="rId152">
               <p14:nvContentPartPr>
                 <p14:cNvPr id="109" name="Ink 108">
@@ -17522,7 +17527,7 @@
               </p14:xfrm>
             </p:contentPart>
           </mc:Choice>
-          <mc:Fallback>
+          <mc:Fallback xmlns="">
             <p:pic>
               <p:nvPicPr>
                 <p:cNvPr id="109" name="Ink 108">
@@ -17553,8 +17558,8 @@
             </p:pic>
           </mc:Fallback>
         </mc:AlternateContent>
-        <mc:AlternateContent xmlns:mc="http://schemas.openxmlformats.org/markup-compatibility/2006">
-          <mc:Choice xmlns:p14="http://schemas.microsoft.com/office/powerpoint/2010/main" Requires="p14">
+        <mc:AlternateContent xmlns:mc="http://schemas.openxmlformats.org/markup-compatibility/2006" xmlns:p14="http://schemas.microsoft.com/office/powerpoint/2010/main">
+          <mc:Choice Requires="p14">
             <p:contentPart p14:bwMode="auto" r:id="rId154">
               <p14:nvContentPartPr>
                 <p14:cNvPr id="110" name="Ink 109">
@@ -17573,7 +17578,7 @@
               </p14:xfrm>
             </p:contentPart>
           </mc:Choice>
-          <mc:Fallback>
+          <mc:Fallback xmlns="">
             <p:pic>
               <p:nvPicPr>
                 <p:cNvPr id="110" name="Ink 109">
@@ -17604,8 +17609,8 @@
             </p:pic>
           </mc:Fallback>
         </mc:AlternateContent>
-        <mc:AlternateContent xmlns:mc="http://schemas.openxmlformats.org/markup-compatibility/2006">
-          <mc:Choice xmlns:p14="http://schemas.microsoft.com/office/powerpoint/2010/main" Requires="p14">
+        <mc:AlternateContent xmlns:mc="http://schemas.openxmlformats.org/markup-compatibility/2006" xmlns:p14="http://schemas.microsoft.com/office/powerpoint/2010/main">
+          <mc:Choice Requires="p14">
             <p:contentPart p14:bwMode="auto" r:id="rId156">
               <p14:nvContentPartPr>
                 <p14:cNvPr id="111" name="Ink 110">
@@ -17624,7 +17629,7 @@
               </p14:xfrm>
             </p:contentPart>
           </mc:Choice>
-          <mc:Fallback>
+          <mc:Fallback xmlns="">
             <p:pic>
               <p:nvPicPr>
                 <p:cNvPr id="111" name="Ink 110">
@@ -17655,8 +17660,8 @@
             </p:pic>
           </mc:Fallback>
         </mc:AlternateContent>
-        <mc:AlternateContent xmlns:mc="http://schemas.openxmlformats.org/markup-compatibility/2006">
-          <mc:Choice xmlns:p14="http://schemas.microsoft.com/office/powerpoint/2010/main" Requires="p14">
+        <mc:AlternateContent xmlns:mc="http://schemas.openxmlformats.org/markup-compatibility/2006" xmlns:p14="http://schemas.microsoft.com/office/powerpoint/2010/main">
+          <mc:Choice Requires="p14">
             <p:contentPart p14:bwMode="auto" r:id="rId158">
               <p14:nvContentPartPr>
                 <p14:cNvPr id="112" name="Ink 111">
@@ -17675,7 +17680,7 @@
               </p14:xfrm>
             </p:contentPart>
           </mc:Choice>
-          <mc:Fallback>
+          <mc:Fallback xmlns="">
             <p:pic>
               <p:nvPicPr>
                 <p:cNvPr id="112" name="Ink 111">
@@ -17706,8 +17711,8 @@
             </p:pic>
           </mc:Fallback>
         </mc:AlternateContent>
-        <mc:AlternateContent xmlns:mc="http://schemas.openxmlformats.org/markup-compatibility/2006">
-          <mc:Choice xmlns:p14="http://schemas.microsoft.com/office/powerpoint/2010/main" Requires="p14">
+        <mc:AlternateContent xmlns:mc="http://schemas.openxmlformats.org/markup-compatibility/2006" xmlns:p14="http://schemas.microsoft.com/office/powerpoint/2010/main">
+          <mc:Choice Requires="p14">
             <p:contentPart p14:bwMode="auto" r:id="rId160">
               <p14:nvContentPartPr>
                 <p14:cNvPr id="113" name="Ink 112">
@@ -17726,7 +17731,7 @@
               </p14:xfrm>
             </p:contentPart>
           </mc:Choice>
-          <mc:Fallback>
+          <mc:Fallback xmlns="">
             <p:pic>
               <p:nvPicPr>
                 <p:cNvPr id="113" name="Ink 112">
@@ -17757,8 +17762,8 @@
             </p:pic>
           </mc:Fallback>
         </mc:AlternateContent>
-        <mc:AlternateContent xmlns:mc="http://schemas.openxmlformats.org/markup-compatibility/2006">
-          <mc:Choice xmlns:p14="http://schemas.microsoft.com/office/powerpoint/2010/main" Requires="p14">
+        <mc:AlternateContent xmlns:mc="http://schemas.openxmlformats.org/markup-compatibility/2006" xmlns:p14="http://schemas.microsoft.com/office/powerpoint/2010/main">
+          <mc:Choice Requires="p14">
             <p:contentPart p14:bwMode="auto" r:id="rId162">
               <p14:nvContentPartPr>
                 <p14:cNvPr id="114" name="Ink 113">
@@ -17777,7 +17782,7 @@
               </p14:xfrm>
             </p:contentPart>
           </mc:Choice>
-          <mc:Fallback>
+          <mc:Fallback xmlns="">
             <p:pic>
               <p:nvPicPr>
                 <p:cNvPr id="114" name="Ink 113">
@@ -17808,8 +17813,8 @@
             </p:pic>
           </mc:Fallback>
         </mc:AlternateContent>
-        <mc:AlternateContent xmlns:mc="http://schemas.openxmlformats.org/markup-compatibility/2006">
-          <mc:Choice xmlns:p14="http://schemas.microsoft.com/office/powerpoint/2010/main" Requires="p14">
+        <mc:AlternateContent xmlns:mc="http://schemas.openxmlformats.org/markup-compatibility/2006" xmlns:p14="http://schemas.microsoft.com/office/powerpoint/2010/main">
+          <mc:Choice Requires="p14">
             <p:contentPart p14:bwMode="auto" r:id="rId164">
               <p14:nvContentPartPr>
                 <p14:cNvPr id="115" name="Ink 114">
@@ -17828,7 +17833,7 @@
               </p14:xfrm>
             </p:contentPart>
           </mc:Choice>
-          <mc:Fallback>
+          <mc:Fallback xmlns="">
             <p:pic>
               <p:nvPicPr>
                 <p:cNvPr id="115" name="Ink 114">
@@ -17859,8 +17864,8 @@
             </p:pic>
           </mc:Fallback>
         </mc:AlternateContent>
-        <mc:AlternateContent xmlns:mc="http://schemas.openxmlformats.org/markup-compatibility/2006">
-          <mc:Choice xmlns:p14="http://schemas.microsoft.com/office/powerpoint/2010/main" Requires="p14">
+        <mc:AlternateContent xmlns:mc="http://schemas.openxmlformats.org/markup-compatibility/2006" xmlns:p14="http://schemas.microsoft.com/office/powerpoint/2010/main">
+          <mc:Choice Requires="p14">
             <p:contentPart p14:bwMode="auto" r:id="rId166">
               <p14:nvContentPartPr>
                 <p14:cNvPr id="74" name="Ink 73">
@@ -17879,7 +17884,7 @@
               </p14:xfrm>
             </p:contentPart>
           </mc:Choice>
-          <mc:Fallback>
+          <mc:Fallback xmlns="">
             <p:pic>
               <p:nvPicPr>
                 <p:cNvPr id="74" name="Ink 73">
@@ -17910,8 +17915,8 @@
             </p:pic>
           </mc:Fallback>
         </mc:AlternateContent>
-        <mc:AlternateContent xmlns:mc="http://schemas.openxmlformats.org/markup-compatibility/2006">
-          <mc:Choice xmlns:p14="http://schemas.microsoft.com/office/powerpoint/2010/main" Requires="p14">
+        <mc:AlternateContent xmlns:mc="http://schemas.openxmlformats.org/markup-compatibility/2006" xmlns:p14="http://schemas.microsoft.com/office/powerpoint/2010/main">
+          <mc:Choice Requires="p14">
             <p:contentPart p14:bwMode="auto" r:id="rId168">
               <p14:nvContentPartPr>
                 <p14:cNvPr id="75" name="Ink 74">
@@ -17930,7 +17935,7 @@
               </p14:xfrm>
             </p:contentPart>
           </mc:Choice>
-          <mc:Fallback>
+          <mc:Fallback xmlns="">
             <p:pic>
               <p:nvPicPr>
                 <p:cNvPr id="75" name="Ink 74">
@@ -17961,8 +17966,8 @@
             </p:pic>
           </mc:Fallback>
         </mc:AlternateContent>
-        <mc:AlternateContent xmlns:mc="http://schemas.openxmlformats.org/markup-compatibility/2006">
-          <mc:Choice xmlns:p14="http://schemas.microsoft.com/office/powerpoint/2010/main" Requires="p14">
+        <mc:AlternateContent xmlns:mc="http://schemas.openxmlformats.org/markup-compatibility/2006" xmlns:p14="http://schemas.microsoft.com/office/powerpoint/2010/main">
+          <mc:Choice Requires="p14">
             <p:contentPart p14:bwMode="auto" r:id="rId170">
               <p14:nvContentPartPr>
                 <p14:cNvPr id="76" name="Ink 75">
@@ -17981,7 +17986,7 @@
               </p14:xfrm>
             </p:contentPart>
           </mc:Choice>
-          <mc:Fallback>
+          <mc:Fallback xmlns="">
             <p:pic>
               <p:nvPicPr>
                 <p:cNvPr id="76" name="Ink 75">
@@ -18012,8 +18017,8 @@
             </p:pic>
           </mc:Fallback>
         </mc:AlternateContent>
-        <mc:AlternateContent xmlns:mc="http://schemas.openxmlformats.org/markup-compatibility/2006">
-          <mc:Choice xmlns:p14="http://schemas.microsoft.com/office/powerpoint/2010/main" Requires="p14">
+        <mc:AlternateContent xmlns:mc="http://schemas.openxmlformats.org/markup-compatibility/2006" xmlns:p14="http://schemas.microsoft.com/office/powerpoint/2010/main">
+          <mc:Choice Requires="p14">
             <p:contentPart p14:bwMode="auto" r:id="rId172">
               <p14:nvContentPartPr>
                 <p14:cNvPr id="77" name="Ink 76">
@@ -18032,7 +18037,7 @@
               </p14:xfrm>
             </p:contentPart>
           </mc:Choice>
-          <mc:Fallback>
+          <mc:Fallback xmlns="">
             <p:pic>
               <p:nvPicPr>
                 <p:cNvPr id="77" name="Ink 76">
@@ -18063,8 +18068,8 @@
             </p:pic>
           </mc:Fallback>
         </mc:AlternateContent>
-        <mc:AlternateContent xmlns:mc="http://schemas.openxmlformats.org/markup-compatibility/2006">
-          <mc:Choice xmlns:p14="http://schemas.microsoft.com/office/powerpoint/2010/main" Requires="p14">
+        <mc:AlternateContent xmlns:mc="http://schemas.openxmlformats.org/markup-compatibility/2006" xmlns:p14="http://schemas.microsoft.com/office/powerpoint/2010/main">
+          <mc:Choice Requires="p14">
             <p:contentPart p14:bwMode="auto" r:id="rId174">
               <p14:nvContentPartPr>
                 <p14:cNvPr id="78" name="Ink 77">
@@ -18083,7 +18088,7 @@
               </p14:xfrm>
             </p:contentPart>
           </mc:Choice>
-          <mc:Fallback>
+          <mc:Fallback xmlns="">
             <p:pic>
               <p:nvPicPr>
                 <p:cNvPr id="78" name="Ink 77">
@@ -18114,8 +18119,8 @@
             </p:pic>
           </mc:Fallback>
         </mc:AlternateContent>
-        <mc:AlternateContent xmlns:mc="http://schemas.openxmlformats.org/markup-compatibility/2006">
-          <mc:Choice xmlns:p14="http://schemas.microsoft.com/office/powerpoint/2010/main" Requires="p14">
+        <mc:AlternateContent xmlns:mc="http://schemas.openxmlformats.org/markup-compatibility/2006" xmlns:p14="http://schemas.microsoft.com/office/powerpoint/2010/main">
+          <mc:Choice Requires="p14">
             <p:contentPart p14:bwMode="auto" r:id="rId176">
               <p14:nvContentPartPr>
                 <p14:cNvPr id="79" name="Ink 78">
@@ -18134,7 +18139,7 @@
               </p14:xfrm>
             </p:contentPart>
           </mc:Choice>
-          <mc:Fallback>
+          <mc:Fallback xmlns="">
             <p:pic>
               <p:nvPicPr>
                 <p:cNvPr id="79" name="Ink 78">
@@ -18165,8 +18170,8 @@
             </p:pic>
           </mc:Fallback>
         </mc:AlternateContent>
-        <mc:AlternateContent xmlns:mc="http://schemas.openxmlformats.org/markup-compatibility/2006">
-          <mc:Choice xmlns:p14="http://schemas.microsoft.com/office/powerpoint/2010/main" Requires="p14">
+        <mc:AlternateContent xmlns:mc="http://schemas.openxmlformats.org/markup-compatibility/2006" xmlns:p14="http://schemas.microsoft.com/office/powerpoint/2010/main">
+          <mc:Choice Requires="p14">
             <p:contentPart p14:bwMode="auto" r:id="rId178">
               <p14:nvContentPartPr>
                 <p14:cNvPr id="80" name="Ink 79">
@@ -18185,7 +18190,7 @@
               </p14:xfrm>
             </p:contentPart>
           </mc:Choice>
-          <mc:Fallback>
+          <mc:Fallback xmlns="">
             <p:pic>
               <p:nvPicPr>
                 <p:cNvPr id="80" name="Ink 79">
@@ -18216,8 +18221,8 @@
             </p:pic>
           </mc:Fallback>
         </mc:AlternateContent>
-        <mc:AlternateContent xmlns:mc="http://schemas.openxmlformats.org/markup-compatibility/2006">
-          <mc:Choice xmlns:p14="http://schemas.microsoft.com/office/powerpoint/2010/main" Requires="p14">
+        <mc:AlternateContent xmlns:mc="http://schemas.openxmlformats.org/markup-compatibility/2006" xmlns:p14="http://schemas.microsoft.com/office/powerpoint/2010/main">
+          <mc:Choice Requires="p14">
             <p:contentPart p14:bwMode="auto" r:id="rId180">
               <p14:nvContentPartPr>
                 <p14:cNvPr id="81" name="Ink 80">
@@ -18236,7 +18241,7 @@
               </p14:xfrm>
             </p:contentPart>
           </mc:Choice>
-          <mc:Fallback>
+          <mc:Fallback xmlns="">
             <p:pic>
               <p:nvPicPr>
                 <p:cNvPr id="81" name="Ink 80">
@@ -18267,8 +18272,8 @@
             </p:pic>
           </mc:Fallback>
         </mc:AlternateContent>
-        <mc:AlternateContent xmlns:mc="http://schemas.openxmlformats.org/markup-compatibility/2006">
-          <mc:Choice xmlns:p14="http://schemas.microsoft.com/office/powerpoint/2010/main" Requires="p14">
+        <mc:AlternateContent xmlns:mc="http://schemas.openxmlformats.org/markup-compatibility/2006" xmlns:p14="http://schemas.microsoft.com/office/powerpoint/2010/main">
+          <mc:Choice Requires="p14">
             <p:contentPart p14:bwMode="auto" r:id="rId182">
               <p14:nvContentPartPr>
                 <p14:cNvPr id="82" name="Ink 81">
@@ -18287,7 +18292,7 @@
               </p14:xfrm>
             </p:contentPart>
           </mc:Choice>
-          <mc:Fallback>
+          <mc:Fallback xmlns="">
             <p:pic>
               <p:nvPicPr>
                 <p:cNvPr id="82" name="Ink 81">
@@ -18318,8 +18323,8 @@
             </p:pic>
           </mc:Fallback>
         </mc:AlternateContent>
-        <mc:AlternateContent xmlns:mc="http://schemas.openxmlformats.org/markup-compatibility/2006">
-          <mc:Choice xmlns:p14="http://schemas.microsoft.com/office/powerpoint/2010/main" Requires="p14">
+        <mc:AlternateContent xmlns:mc="http://schemas.openxmlformats.org/markup-compatibility/2006" xmlns:p14="http://schemas.microsoft.com/office/powerpoint/2010/main">
+          <mc:Choice Requires="p14">
             <p:contentPart p14:bwMode="auto" r:id="rId184">
               <p14:nvContentPartPr>
                 <p14:cNvPr id="83" name="Ink 82">
@@ -18338,7 +18343,7 @@
               </p14:xfrm>
             </p:contentPart>
           </mc:Choice>
-          <mc:Fallback>
+          <mc:Fallback xmlns="">
             <p:pic>
               <p:nvPicPr>
                 <p:cNvPr id="83" name="Ink 82">
@@ -18369,8 +18374,8 @@
             </p:pic>
           </mc:Fallback>
         </mc:AlternateContent>
-        <mc:AlternateContent xmlns:mc="http://schemas.openxmlformats.org/markup-compatibility/2006">
-          <mc:Choice xmlns:p14="http://schemas.microsoft.com/office/powerpoint/2010/main" Requires="p14">
+        <mc:AlternateContent xmlns:mc="http://schemas.openxmlformats.org/markup-compatibility/2006" xmlns:p14="http://schemas.microsoft.com/office/powerpoint/2010/main">
+          <mc:Choice Requires="p14">
             <p:contentPart p14:bwMode="auto" r:id="rId186">
               <p14:nvContentPartPr>
                 <p14:cNvPr id="105" name="Ink 104">
@@ -18389,7 +18394,7 @@
               </p14:xfrm>
             </p:contentPart>
           </mc:Choice>
-          <mc:Fallback>
+          <mc:Fallback xmlns="">
             <p:pic>
               <p:nvPicPr>
                 <p:cNvPr id="105" name="Ink 104">
@@ -18420,8 +18425,8 @@
             </p:pic>
           </mc:Fallback>
         </mc:AlternateContent>
-        <mc:AlternateContent xmlns:mc="http://schemas.openxmlformats.org/markup-compatibility/2006">
-          <mc:Choice xmlns:p14="http://schemas.microsoft.com/office/powerpoint/2010/main" Requires="p14">
+        <mc:AlternateContent xmlns:mc="http://schemas.openxmlformats.org/markup-compatibility/2006" xmlns:p14="http://schemas.microsoft.com/office/powerpoint/2010/main">
+          <mc:Choice Requires="p14">
             <p:contentPart p14:bwMode="auto" r:id="rId188">
               <p14:nvContentPartPr>
                 <p14:cNvPr id="106" name="Ink 105">
@@ -18440,7 +18445,7 @@
               </p14:xfrm>
             </p:contentPart>
           </mc:Choice>
-          <mc:Fallback>
+          <mc:Fallback xmlns="">
             <p:pic>
               <p:nvPicPr>
                 <p:cNvPr id="106" name="Ink 105">
@@ -18471,8 +18476,8 @@
             </p:pic>
           </mc:Fallback>
         </mc:AlternateContent>
-        <mc:AlternateContent xmlns:mc="http://schemas.openxmlformats.org/markup-compatibility/2006">
-          <mc:Choice xmlns:p14="http://schemas.microsoft.com/office/powerpoint/2010/main" Requires="p14">
+        <mc:AlternateContent xmlns:mc="http://schemas.openxmlformats.org/markup-compatibility/2006" xmlns:p14="http://schemas.microsoft.com/office/powerpoint/2010/main">
+          <mc:Choice Requires="p14">
             <p:contentPart p14:bwMode="auto" r:id="rId190">
               <p14:nvContentPartPr>
                 <p14:cNvPr id="107" name="Ink 106">
@@ -18491,7 +18496,7 @@
               </p14:xfrm>
             </p:contentPart>
           </mc:Choice>
-          <mc:Fallback>
+          <mc:Fallback xmlns="">
             <p:pic>
               <p:nvPicPr>
                 <p:cNvPr id="107" name="Ink 106">
@@ -18522,8 +18527,8 @@
             </p:pic>
           </mc:Fallback>
         </mc:AlternateContent>
-        <mc:AlternateContent xmlns:mc="http://schemas.openxmlformats.org/markup-compatibility/2006">
-          <mc:Choice xmlns:p14="http://schemas.microsoft.com/office/powerpoint/2010/main" Requires="p14">
+        <mc:AlternateContent xmlns:mc="http://schemas.openxmlformats.org/markup-compatibility/2006" xmlns:p14="http://schemas.microsoft.com/office/powerpoint/2010/main">
+          <mc:Choice Requires="p14">
             <p:contentPart p14:bwMode="auto" r:id="rId192">
               <p14:nvContentPartPr>
                 <p14:cNvPr id="116" name="Ink 115">
@@ -18542,7 +18547,7 @@
               </p14:xfrm>
             </p:contentPart>
           </mc:Choice>
-          <mc:Fallback>
+          <mc:Fallback xmlns="">
             <p:pic>
               <p:nvPicPr>
                 <p:cNvPr id="116" name="Ink 115">
@@ -18573,8 +18578,8 @@
             </p:pic>
           </mc:Fallback>
         </mc:AlternateContent>
-        <mc:AlternateContent xmlns:mc="http://schemas.openxmlformats.org/markup-compatibility/2006">
-          <mc:Choice xmlns:p14="http://schemas.microsoft.com/office/powerpoint/2010/main" Requires="p14">
+        <mc:AlternateContent xmlns:mc="http://schemas.openxmlformats.org/markup-compatibility/2006" xmlns:p14="http://schemas.microsoft.com/office/powerpoint/2010/main">
+          <mc:Choice Requires="p14">
             <p:contentPart p14:bwMode="auto" r:id="rId194">
               <p14:nvContentPartPr>
                 <p14:cNvPr id="117" name="Ink 116">
@@ -18593,7 +18598,7 @@
               </p14:xfrm>
             </p:contentPart>
           </mc:Choice>
-          <mc:Fallback>
+          <mc:Fallback xmlns="">
             <p:pic>
               <p:nvPicPr>
                 <p:cNvPr id="117" name="Ink 116">
@@ -18624,8 +18629,8 @@
             </p:pic>
           </mc:Fallback>
         </mc:AlternateContent>
-        <mc:AlternateContent xmlns:mc="http://schemas.openxmlformats.org/markup-compatibility/2006">
-          <mc:Choice xmlns:p14="http://schemas.microsoft.com/office/powerpoint/2010/main" Requires="p14">
+        <mc:AlternateContent xmlns:mc="http://schemas.openxmlformats.org/markup-compatibility/2006" xmlns:p14="http://schemas.microsoft.com/office/powerpoint/2010/main">
+          <mc:Choice Requires="p14">
             <p:contentPart p14:bwMode="auto" r:id="rId196">
               <p14:nvContentPartPr>
                 <p14:cNvPr id="118" name="Ink 117">
@@ -18644,7 +18649,7 @@
               </p14:xfrm>
             </p:contentPart>
           </mc:Choice>
-          <mc:Fallback>
+          <mc:Fallback xmlns="">
             <p:pic>
               <p:nvPicPr>
                 <p:cNvPr id="118" name="Ink 117">
@@ -18675,8 +18680,8 @@
             </p:pic>
           </mc:Fallback>
         </mc:AlternateContent>
-        <mc:AlternateContent xmlns:mc="http://schemas.openxmlformats.org/markup-compatibility/2006">
-          <mc:Choice xmlns:p14="http://schemas.microsoft.com/office/powerpoint/2010/main" Requires="p14">
+        <mc:AlternateContent xmlns:mc="http://schemas.openxmlformats.org/markup-compatibility/2006" xmlns:p14="http://schemas.microsoft.com/office/powerpoint/2010/main">
+          <mc:Choice Requires="p14">
             <p:contentPart p14:bwMode="auto" r:id="rId198">
               <p14:nvContentPartPr>
                 <p14:cNvPr id="119" name="Ink 118">
@@ -18695,7 +18700,7 @@
               </p14:xfrm>
             </p:contentPart>
           </mc:Choice>
-          <mc:Fallback>
+          <mc:Fallback xmlns="">
             <p:pic>
               <p:nvPicPr>
                 <p:cNvPr id="119" name="Ink 118">
@@ -18747,8 +18752,8 @@
             <a:chExt cx="1253160" cy="322920"/>
           </a:xfrm>
         </p:grpSpPr>
-        <mc:AlternateContent xmlns:mc="http://schemas.openxmlformats.org/markup-compatibility/2006">
-          <mc:Choice xmlns:p14="http://schemas.microsoft.com/office/powerpoint/2010/main" Requires="p14">
+        <mc:AlternateContent xmlns:mc="http://schemas.openxmlformats.org/markup-compatibility/2006" xmlns:p14="http://schemas.microsoft.com/office/powerpoint/2010/main">
+          <mc:Choice Requires="p14">
             <p:contentPart p14:bwMode="auto" r:id="rId200">
               <p14:nvContentPartPr>
                 <p14:cNvPr id="122" name="Ink 121">
@@ -18767,7 +18772,7 @@
               </p14:xfrm>
             </p:contentPart>
           </mc:Choice>
-          <mc:Fallback>
+          <mc:Fallback xmlns="">
             <p:pic>
               <p:nvPicPr>
                 <p:cNvPr id="122" name="Ink 121">
@@ -18798,8 +18803,8 @@
             </p:pic>
           </mc:Fallback>
         </mc:AlternateContent>
-        <mc:AlternateContent xmlns:mc="http://schemas.openxmlformats.org/markup-compatibility/2006">
-          <mc:Choice xmlns:p14="http://schemas.microsoft.com/office/powerpoint/2010/main" Requires="p14">
+        <mc:AlternateContent xmlns:mc="http://schemas.openxmlformats.org/markup-compatibility/2006" xmlns:p14="http://schemas.microsoft.com/office/powerpoint/2010/main">
+          <mc:Choice Requires="p14">
             <p:contentPart p14:bwMode="auto" r:id="rId202">
               <p14:nvContentPartPr>
                 <p14:cNvPr id="123" name="Ink 122">
@@ -18818,7 +18823,7 @@
               </p14:xfrm>
             </p:contentPart>
           </mc:Choice>
-          <mc:Fallback>
+          <mc:Fallback xmlns="">
             <p:pic>
               <p:nvPicPr>
                 <p:cNvPr id="123" name="Ink 122">
@@ -18849,8 +18854,8 @@
             </p:pic>
           </mc:Fallback>
         </mc:AlternateContent>
-        <mc:AlternateContent xmlns:mc="http://schemas.openxmlformats.org/markup-compatibility/2006">
-          <mc:Choice xmlns:p14="http://schemas.microsoft.com/office/powerpoint/2010/main" Requires="p14">
+        <mc:AlternateContent xmlns:mc="http://schemas.openxmlformats.org/markup-compatibility/2006" xmlns:p14="http://schemas.microsoft.com/office/powerpoint/2010/main">
+          <mc:Choice Requires="p14">
             <p:contentPart p14:bwMode="auto" r:id="rId204">
               <p14:nvContentPartPr>
                 <p14:cNvPr id="124" name="Ink 123">
@@ -18869,7 +18874,7 @@
               </p14:xfrm>
             </p:contentPart>
           </mc:Choice>
-          <mc:Fallback>
+          <mc:Fallback xmlns="">
             <p:pic>
               <p:nvPicPr>
                 <p:cNvPr id="124" name="Ink 123">
@@ -18900,8 +18905,8 @@
             </p:pic>
           </mc:Fallback>
         </mc:AlternateContent>
-        <mc:AlternateContent xmlns:mc="http://schemas.openxmlformats.org/markup-compatibility/2006">
-          <mc:Choice xmlns:p14="http://schemas.microsoft.com/office/powerpoint/2010/main" Requires="p14">
+        <mc:AlternateContent xmlns:mc="http://schemas.openxmlformats.org/markup-compatibility/2006" xmlns:p14="http://schemas.microsoft.com/office/powerpoint/2010/main">
+          <mc:Choice Requires="p14">
             <p:contentPart p14:bwMode="auto" r:id="rId206">
               <p14:nvContentPartPr>
                 <p14:cNvPr id="125" name="Ink 124">
@@ -18920,7 +18925,7 @@
               </p14:xfrm>
             </p:contentPart>
           </mc:Choice>
-          <mc:Fallback>
+          <mc:Fallback xmlns="">
             <p:pic>
               <p:nvPicPr>
                 <p:cNvPr id="125" name="Ink 124">
@@ -18951,8 +18956,8 @@
             </p:pic>
           </mc:Fallback>
         </mc:AlternateContent>
-        <mc:AlternateContent xmlns:mc="http://schemas.openxmlformats.org/markup-compatibility/2006">
-          <mc:Choice xmlns:p14="http://schemas.microsoft.com/office/powerpoint/2010/main" Requires="p14">
+        <mc:AlternateContent xmlns:mc="http://schemas.openxmlformats.org/markup-compatibility/2006" xmlns:p14="http://schemas.microsoft.com/office/powerpoint/2010/main">
+          <mc:Choice Requires="p14">
             <p:contentPart p14:bwMode="auto" r:id="rId208">
               <p14:nvContentPartPr>
                 <p14:cNvPr id="126" name="Ink 125">
@@ -18971,7 +18976,7 @@
               </p14:xfrm>
             </p:contentPart>
           </mc:Choice>
-          <mc:Fallback>
+          <mc:Fallback xmlns="">
             <p:pic>
               <p:nvPicPr>
                 <p:cNvPr id="126" name="Ink 125">
@@ -19002,8 +19007,8 @@
             </p:pic>
           </mc:Fallback>
         </mc:AlternateContent>
-        <mc:AlternateContent xmlns:mc="http://schemas.openxmlformats.org/markup-compatibility/2006">
-          <mc:Choice xmlns:p14="http://schemas.microsoft.com/office/powerpoint/2010/main" Requires="p14">
+        <mc:AlternateContent xmlns:mc="http://schemas.openxmlformats.org/markup-compatibility/2006" xmlns:p14="http://schemas.microsoft.com/office/powerpoint/2010/main">
+          <mc:Choice Requires="p14">
             <p:contentPart p14:bwMode="auto" r:id="rId210">
               <p14:nvContentPartPr>
                 <p14:cNvPr id="128" name="Ink 127">
@@ -19022,7 +19027,7 @@
               </p14:xfrm>
             </p:contentPart>
           </mc:Choice>
-          <mc:Fallback>
+          <mc:Fallback xmlns="">
             <p:pic>
               <p:nvPicPr>
                 <p:cNvPr id="128" name="Ink 127">
@@ -19053,8 +19058,8 @@
             </p:pic>
           </mc:Fallback>
         </mc:AlternateContent>
-        <mc:AlternateContent xmlns:mc="http://schemas.openxmlformats.org/markup-compatibility/2006">
-          <mc:Choice xmlns:p14="http://schemas.microsoft.com/office/powerpoint/2010/main" Requires="p14">
+        <mc:AlternateContent xmlns:mc="http://schemas.openxmlformats.org/markup-compatibility/2006" xmlns:p14="http://schemas.microsoft.com/office/powerpoint/2010/main">
+          <mc:Choice Requires="p14">
             <p:contentPart p14:bwMode="auto" r:id="rId212">
               <p14:nvContentPartPr>
                 <p14:cNvPr id="129" name="Ink 128">
@@ -19073,7 +19078,7 @@
               </p14:xfrm>
             </p:contentPart>
           </mc:Choice>
-          <mc:Fallback>
+          <mc:Fallback xmlns="">
             <p:pic>
               <p:nvPicPr>
                 <p:cNvPr id="129" name="Ink 128">
@@ -19104,8 +19109,8 @@
             </p:pic>
           </mc:Fallback>
         </mc:AlternateContent>
-        <mc:AlternateContent xmlns:mc="http://schemas.openxmlformats.org/markup-compatibility/2006">
-          <mc:Choice xmlns:p14="http://schemas.microsoft.com/office/powerpoint/2010/main" Requires="p14">
+        <mc:AlternateContent xmlns:mc="http://schemas.openxmlformats.org/markup-compatibility/2006" xmlns:p14="http://schemas.microsoft.com/office/powerpoint/2010/main">
+          <mc:Choice Requires="p14">
             <p:contentPart p14:bwMode="auto" r:id="rId214">
               <p14:nvContentPartPr>
                 <p14:cNvPr id="130" name="Ink 129">
@@ -19124,7 +19129,7 @@
               </p14:xfrm>
             </p:contentPart>
           </mc:Choice>
-          <mc:Fallback>
+          <mc:Fallback xmlns="">
             <p:pic>
               <p:nvPicPr>
                 <p:cNvPr id="130" name="Ink 129">
@@ -19155,8 +19160,8 @@
             </p:pic>
           </mc:Fallback>
         </mc:AlternateContent>
-        <mc:AlternateContent xmlns:mc="http://schemas.openxmlformats.org/markup-compatibility/2006">
-          <mc:Choice xmlns:p14="http://schemas.microsoft.com/office/powerpoint/2010/main" Requires="p14">
+        <mc:AlternateContent xmlns:mc="http://schemas.openxmlformats.org/markup-compatibility/2006" xmlns:p14="http://schemas.microsoft.com/office/powerpoint/2010/main">
+          <mc:Choice Requires="p14">
             <p:contentPart p14:bwMode="auto" r:id="rId216">
               <p14:nvContentPartPr>
                 <p14:cNvPr id="131" name="Ink 130">
@@ -19175,7 +19180,7 @@
               </p14:xfrm>
             </p:contentPart>
           </mc:Choice>
-          <mc:Fallback>
+          <mc:Fallback xmlns="">
             <p:pic>
               <p:nvPicPr>
                 <p:cNvPr id="131" name="Ink 130">
@@ -19206,8 +19211,8 @@
             </p:pic>
           </mc:Fallback>
         </mc:AlternateContent>
-        <mc:AlternateContent xmlns:mc="http://schemas.openxmlformats.org/markup-compatibility/2006">
-          <mc:Choice xmlns:p14="http://schemas.microsoft.com/office/powerpoint/2010/main" Requires="p14">
+        <mc:AlternateContent xmlns:mc="http://schemas.openxmlformats.org/markup-compatibility/2006" xmlns:p14="http://schemas.microsoft.com/office/powerpoint/2010/main">
+          <mc:Choice Requires="p14">
             <p:contentPart p14:bwMode="auto" r:id="rId218">
               <p14:nvContentPartPr>
                 <p14:cNvPr id="133" name="Ink 132">
@@ -19226,7 +19231,7 @@
               </p14:xfrm>
             </p:contentPart>
           </mc:Choice>
-          <mc:Fallback>
+          <mc:Fallback xmlns="">
             <p:pic>
               <p:nvPicPr>
                 <p:cNvPr id="133" name="Ink 132">
@@ -19257,8 +19262,8 @@
             </p:pic>
           </mc:Fallback>
         </mc:AlternateContent>
-        <mc:AlternateContent xmlns:mc="http://schemas.openxmlformats.org/markup-compatibility/2006">
-          <mc:Choice xmlns:p14="http://schemas.microsoft.com/office/powerpoint/2010/main" Requires="p14">
+        <mc:AlternateContent xmlns:mc="http://schemas.openxmlformats.org/markup-compatibility/2006" xmlns:p14="http://schemas.microsoft.com/office/powerpoint/2010/main">
+          <mc:Choice Requires="p14">
             <p:contentPart p14:bwMode="auto" r:id="rId220">
               <p14:nvContentPartPr>
                 <p14:cNvPr id="135" name="Ink 134">
@@ -19277,7 +19282,7 @@
               </p14:xfrm>
             </p:contentPart>
           </mc:Choice>
-          <mc:Fallback>
+          <mc:Fallback xmlns="">
             <p:pic>
               <p:nvPicPr>
                 <p:cNvPr id="135" name="Ink 134">
@@ -19329,8 +19334,8 @@
             <a:chExt cx="325080" cy="248760"/>
           </a:xfrm>
         </p:grpSpPr>
-        <mc:AlternateContent xmlns:mc="http://schemas.openxmlformats.org/markup-compatibility/2006">
-          <mc:Choice xmlns:p14="http://schemas.microsoft.com/office/powerpoint/2010/main" Requires="p14">
+        <mc:AlternateContent xmlns:mc="http://schemas.openxmlformats.org/markup-compatibility/2006" xmlns:p14="http://schemas.microsoft.com/office/powerpoint/2010/main">
+          <mc:Choice Requires="p14">
             <p:contentPart p14:bwMode="auto" r:id="rId222">
               <p14:nvContentPartPr>
                 <p14:cNvPr id="137" name="Ink 136">
@@ -19349,7 +19354,7 @@
               </p14:xfrm>
             </p:contentPart>
           </mc:Choice>
-          <mc:Fallback>
+          <mc:Fallback xmlns="">
             <p:pic>
               <p:nvPicPr>
                 <p:cNvPr id="137" name="Ink 136">
@@ -19380,8 +19385,8 @@
             </p:pic>
           </mc:Fallback>
         </mc:AlternateContent>
-        <mc:AlternateContent xmlns:mc="http://schemas.openxmlformats.org/markup-compatibility/2006">
-          <mc:Choice xmlns:p14="http://schemas.microsoft.com/office/powerpoint/2010/main" Requires="p14">
+        <mc:AlternateContent xmlns:mc="http://schemas.openxmlformats.org/markup-compatibility/2006" xmlns:p14="http://schemas.microsoft.com/office/powerpoint/2010/main">
+          <mc:Choice Requires="p14">
             <p:contentPart p14:bwMode="auto" r:id="rId224">
               <p14:nvContentPartPr>
                 <p14:cNvPr id="138" name="Ink 137">
@@ -19400,7 +19405,7 @@
               </p14:xfrm>
             </p:contentPart>
           </mc:Choice>
-          <mc:Fallback>
+          <mc:Fallback xmlns="">
             <p:pic>
               <p:nvPicPr>
                 <p:cNvPr id="138" name="Ink 137">
@@ -19431,8 +19436,8 @@
             </p:pic>
           </mc:Fallback>
         </mc:AlternateContent>
-        <mc:AlternateContent xmlns:mc="http://schemas.openxmlformats.org/markup-compatibility/2006">
-          <mc:Choice xmlns:p14="http://schemas.microsoft.com/office/powerpoint/2010/main" Requires="p14">
+        <mc:AlternateContent xmlns:mc="http://schemas.openxmlformats.org/markup-compatibility/2006" xmlns:p14="http://schemas.microsoft.com/office/powerpoint/2010/main">
+          <mc:Choice Requires="p14">
             <p:contentPart p14:bwMode="auto" r:id="rId226">
               <p14:nvContentPartPr>
                 <p14:cNvPr id="139" name="Ink 138">
@@ -19451,7 +19456,7 @@
               </p14:xfrm>
             </p:contentPart>
           </mc:Choice>
-          <mc:Fallback>
+          <mc:Fallback xmlns="">
             <p:pic>
               <p:nvPicPr>
                 <p:cNvPr id="139" name="Ink 138">
@@ -19482,8 +19487,8 @@
             </p:pic>
           </mc:Fallback>
         </mc:AlternateContent>
-        <mc:AlternateContent xmlns:mc="http://schemas.openxmlformats.org/markup-compatibility/2006">
-          <mc:Choice xmlns:p14="http://schemas.microsoft.com/office/powerpoint/2010/main" Requires="p14">
+        <mc:AlternateContent xmlns:mc="http://schemas.openxmlformats.org/markup-compatibility/2006" xmlns:p14="http://schemas.microsoft.com/office/powerpoint/2010/main">
+          <mc:Choice Requires="p14">
             <p:contentPart p14:bwMode="auto" r:id="rId228">
               <p14:nvContentPartPr>
                 <p14:cNvPr id="140" name="Ink 139">
@@ -19502,7 +19507,7 @@
               </p14:xfrm>
             </p:contentPart>
           </mc:Choice>
-          <mc:Fallback>
+          <mc:Fallback xmlns="">
             <p:pic>
               <p:nvPicPr>
                 <p:cNvPr id="140" name="Ink 139">
@@ -19554,8 +19559,8 @@
             <a:chExt cx="372240" cy="186480"/>
           </a:xfrm>
         </p:grpSpPr>
-        <mc:AlternateContent xmlns:mc="http://schemas.openxmlformats.org/markup-compatibility/2006">
-          <mc:Choice xmlns:p14="http://schemas.microsoft.com/office/powerpoint/2010/main" Requires="p14">
+        <mc:AlternateContent xmlns:mc="http://schemas.openxmlformats.org/markup-compatibility/2006" xmlns:p14="http://schemas.microsoft.com/office/powerpoint/2010/main">
+          <mc:Choice Requires="p14">
             <p:contentPart p14:bwMode="auto" r:id="rId230">
               <p14:nvContentPartPr>
                 <p14:cNvPr id="141" name="Ink 140">
@@ -19574,7 +19579,7 @@
               </p14:xfrm>
             </p:contentPart>
           </mc:Choice>
-          <mc:Fallback>
+          <mc:Fallback xmlns="">
             <p:pic>
               <p:nvPicPr>
                 <p:cNvPr id="141" name="Ink 140">
@@ -19605,8 +19610,8 @@
             </p:pic>
           </mc:Fallback>
         </mc:AlternateContent>
-        <mc:AlternateContent xmlns:mc="http://schemas.openxmlformats.org/markup-compatibility/2006">
-          <mc:Choice xmlns:p14="http://schemas.microsoft.com/office/powerpoint/2010/main" Requires="p14">
+        <mc:AlternateContent xmlns:mc="http://schemas.openxmlformats.org/markup-compatibility/2006" xmlns:p14="http://schemas.microsoft.com/office/powerpoint/2010/main">
+          <mc:Choice Requires="p14">
             <p:contentPart p14:bwMode="auto" r:id="rId232">
               <p14:nvContentPartPr>
                 <p14:cNvPr id="142" name="Ink 141">
@@ -19625,7 +19630,7 @@
               </p14:xfrm>
             </p:contentPart>
           </mc:Choice>
-          <mc:Fallback>
+          <mc:Fallback xmlns="">
             <p:pic>
               <p:nvPicPr>
                 <p:cNvPr id="142" name="Ink 141">
@@ -19656,8 +19661,8 @@
             </p:pic>
           </mc:Fallback>
         </mc:AlternateContent>
-        <mc:AlternateContent xmlns:mc="http://schemas.openxmlformats.org/markup-compatibility/2006">
-          <mc:Choice xmlns:p14="http://schemas.microsoft.com/office/powerpoint/2010/main" Requires="p14">
+        <mc:AlternateContent xmlns:mc="http://schemas.openxmlformats.org/markup-compatibility/2006" xmlns:p14="http://schemas.microsoft.com/office/powerpoint/2010/main">
+          <mc:Choice Requires="p14">
             <p:contentPart p14:bwMode="auto" r:id="rId234">
               <p14:nvContentPartPr>
                 <p14:cNvPr id="145" name="Ink 144">
@@ -19676,7 +19681,7 @@
               </p14:xfrm>
             </p:contentPart>
           </mc:Choice>
-          <mc:Fallback>
+          <mc:Fallback xmlns="">
             <p:pic>
               <p:nvPicPr>
                 <p:cNvPr id="145" name="Ink 144">
@@ -19708,8 +19713,8 @@
           </mc:Fallback>
         </mc:AlternateContent>
       </p:grpSp>
-      <mc:AlternateContent xmlns:mc="http://schemas.openxmlformats.org/markup-compatibility/2006">
-        <mc:Choice xmlns:p14="http://schemas.microsoft.com/office/powerpoint/2010/main" Requires="p14">
+      <mc:AlternateContent xmlns:mc="http://schemas.openxmlformats.org/markup-compatibility/2006" xmlns:p14="http://schemas.microsoft.com/office/powerpoint/2010/main">
+        <mc:Choice Requires="p14">
           <p:contentPart p14:bwMode="auto" r:id="rId236">
             <p14:nvContentPartPr>
               <p14:cNvPr id="147" name="Ink 146">
@@ -19728,7 +19733,7 @@
             </p14:xfrm>
           </p:contentPart>
         </mc:Choice>
-        <mc:Fallback>
+        <mc:Fallback xmlns="">
           <p:pic>
             <p:nvPicPr>
               <p:cNvPr id="147" name="Ink 146">
@@ -19779,8 +19784,8 @@
             <a:chExt cx="909000" cy="196200"/>
           </a:xfrm>
         </p:grpSpPr>
-        <mc:AlternateContent xmlns:mc="http://schemas.openxmlformats.org/markup-compatibility/2006">
-          <mc:Choice xmlns:p14="http://schemas.microsoft.com/office/powerpoint/2010/main" Requires="p14">
+        <mc:AlternateContent xmlns:mc="http://schemas.openxmlformats.org/markup-compatibility/2006" xmlns:p14="http://schemas.microsoft.com/office/powerpoint/2010/main">
+          <mc:Choice Requires="p14">
             <p:contentPart p14:bwMode="auto" r:id="rId238">
               <p14:nvContentPartPr>
                 <p14:cNvPr id="148" name="Ink 147">
@@ -19799,7 +19804,7 @@
               </p14:xfrm>
             </p:contentPart>
           </mc:Choice>
-          <mc:Fallback>
+          <mc:Fallback xmlns="">
             <p:pic>
               <p:nvPicPr>
                 <p:cNvPr id="148" name="Ink 147">
@@ -19830,8 +19835,8 @@
             </p:pic>
           </mc:Fallback>
         </mc:AlternateContent>
-        <mc:AlternateContent xmlns:mc="http://schemas.openxmlformats.org/markup-compatibility/2006">
-          <mc:Choice xmlns:p14="http://schemas.microsoft.com/office/powerpoint/2010/main" Requires="p14">
+        <mc:AlternateContent xmlns:mc="http://schemas.openxmlformats.org/markup-compatibility/2006" xmlns:p14="http://schemas.microsoft.com/office/powerpoint/2010/main">
+          <mc:Choice Requires="p14">
             <p:contentPart p14:bwMode="auto" r:id="rId240">
               <p14:nvContentPartPr>
                 <p14:cNvPr id="149" name="Ink 148">
@@ -19850,7 +19855,7 @@
               </p14:xfrm>
             </p:contentPart>
           </mc:Choice>
-          <mc:Fallback>
+          <mc:Fallback xmlns="">
             <p:pic>
               <p:nvPicPr>
                 <p:cNvPr id="149" name="Ink 148">
@@ -19881,8 +19886,8 @@
             </p:pic>
           </mc:Fallback>
         </mc:AlternateContent>
-        <mc:AlternateContent xmlns:mc="http://schemas.openxmlformats.org/markup-compatibility/2006">
-          <mc:Choice xmlns:p14="http://schemas.microsoft.com/office/powerpoint/2010/main" Requires="p14">
+        <mc:AlternateContent xmlns:mc="http://schemas.openxmlformats.org/markup-compatibility/2006" xmlns:p14="http://schemas.microsoft.com/office/powerpoint/2010/main">
+          <mc:Choice Requires="p14">
             <p:contentPart p14:bwMode="auto" r:id="rId242">
               <p14:nvContentPartPr>
                 <p14:cNvPr id="150" name="Ink 149">
@@ -19901,7 +19906,7 @@
               </p14:xfrm>
             </p:contentPart>
           </mc:Choice>
-          <mc:Fallback>
+          <mc:Fallback xmlns="">
             <p:pic>
               <p:nvPicPr>
                 <p:cNvPr id="150" name="Ink 149">
@@ -19932,8 +19937,8 @@
             </p:pic>
           </mc:Fallback>
         </mc:AlternateContent>
-        <mc:AlternateContent xmlns:mc="http://schemas.openxmlformats.org/markup-compatibility/2006">
-          <mc:Choice xmlns:p14="http://schemas.microsoft.com/office/powerpoint/2010/main" Requires="p14">
+        <mc:AlternateContent xmlns:mc="http://schemas.openxmlformats.org/markup-compatibility/2006" xmlns:p14="http://schemas.microsoft.com/office/powerpoint/2010/main">
+          <mc:Choice Requires="p14">
             <p:contentPart p14:bwMode="auto" r:id="rId244">
               <p14:nvContentPartPr>
                 <p14:cNvPr id="151" name="Ink 150">
@@ -19952,7 +19957,7 @@
               </p14:xfrm>
             </p:contentPart>
           </mc:Choice>
-          <mc:Fallback>
+          <mc:Fallback xmlns="">
             <p:pic>
               <p:nvPicPr>
                 <p:cNvPr id="151" name="Ink 150">
@@ -19983,8 +19988,8 @@
             </p:pic>
           </mc:Fallback>
         </mc:AlternateContent>
-        <mc:AlternateContent xmlns:mc="http://schemas.openxmlformats.org/markup-compatibility/2006">
-          <mc:Choice xmlns:p14="http://schemas.microsoft.com/office/powerpoint/2010/main" Requires="p14">
+        <mc:AlternateContent xmlns:mc="http://schemas.openxmlformats.org/markup-compatibility/2006" xmlns:p14="http://schemas.microsoft.com/office/powerpoint/2010/main">
+          <mc:Choice Requires="p14">
             <p:contentPart p14:bwMode="auto" r:id="rId246">
               <p14:nvContentPartPr>
                 <p14:cNvPr id="152" name="Ink 151">
@@ -20003,7 +20008,7 @@
               </p14:xfrm>
             </p:contentPart>
           </mc:Choice>
-          <mc:Fallback>
+          <mc:Fallback xmlns="">
             <p:pic>
               <p:nvPicPr>
                 <p:cNvPr id="152" name="Ink 151">
@@ -20035,8 +20040,8 @@
           </mc:Fallback>
         </mc:AlternateContent>
       </p:grpSp>
-      <mc:AlternateContent xmlns:mc="http://schemas.openxmlformats.org/markup-compatibility/2006">
-        <mc:Choice xmlns:p14="http://schemas.microsoft.com/office/powerpoint/2010/main" Requires="p14">
+      <mc:AlternateContent xmlns:mc="http://schemas.openxmlformats.org/markup-compatibility/2006" xmlns:p14="http://schemas.microsoft.com/office/powerpoint/2010/main">
+        <mc:Choice Requires="p14">
           <p:contentPart p14:bwMode="auto" r:id="rId248">
             <p14:nvContentPartPr>
               <p14:cNvPr id="153" name="Ink 152">
@@ -20055,7 +20060,7 @@
             </p14:xfrm>
           </p:contentPart>
         </mc:Choice>
-        <mc:Fallback>
+        <mc:Fallback xmlns="">
           <p:pic>
             <p:nvPicPr>
               <p:cNvPr id="153" name="Ink 152">
@@ -20106,8 +20111,8 @@
             <a:chExt cx="1644480" cy="280440"/>
           </a:xfrm>
         </p:grpSpPr>
-        <mc:AlternateContent xmlns:mc="http://schemas.openxmlformats.org/markup-compatibility/2006">
-          <mc:Choice xmlns:p14="http://schemas.microsoft.com/office/powerpoint/2010/main" Requires="p14">
+        <mc:AlternateContent xmlns:mc="http://schemas.openxmlformats.org/markup-compatibility/2006" xmlns:p14="http://schemas.microsoft.com/office/powerpoint/2010/main">
+          <mc:Choice Requires="p14">
             <p:contentPart p14:bwMode="auto" r:id="rId250">
               <p14:nvContentPartPr>
                 <p14:cNvPr id="154" name="Ink 153">
@@ -20126,7 +20131,7 @@
               </p14:xfrm>
             </p:contentPart>
           </mc:Choice>
-          <mc:Fallback>
+          <mc:Fallback xmlns="">
             <p:pic>
               <p:nvPicPr>
                 <p:cNvPr id="154" name="Ink 153">
@@ -20157,8 +20162,8 @@
             </p:pic>
           </mc:Fallback>
         </mc:AlternateContent>
-        <mc:AlternateContent xmlns:mc="http://schemas.openxmlformats.org/markup-compatibility/2006">
-          <mc:Choice xmlns:p14="http://schemas.microsoft.com/office/powerpoint/2010/main" Requires="p14">
+        <mc:AlternateContent xmlns:mc="http://schemas.openxmlformats.org/markup-compatibility/2006" xmlns:p14="http://schemas.microsoft.com/office/powerpoint/2010/main">
+          <mc:Choice Requires="p14">
             <p:contentPart p14:bwMode="auto" r:id="rId252">
               <p14:nvContentPartPr>
                 <p14:cNvPr id="155" name="Ink 154">
@@ -20177,7 +20182,7 @@
               </p14:xfrm>
             </p:contentPart>
           </mc:Choice>
-          <mc:Fallback>
+          <mc:Fallback xmlns="">
             <p:pic>
               <p:nvPicPr>
                 <p:cNvPr id="155" name="Ink 154">
@@ -20208,8 +20213,8 @@
             </p:pic>
           </mc:Fallback>
         </mc:AlternateContent>
-        <mc:AlternateContent xmlns:mc="http://schemas.openxmlformats.org/markup-compatibility/2006">
-          <mc:Choice xmlns:p14="http://schemas.microsoft.com/office/powerpoint/2010/main" Requires="p14">
+        <mc:AlternateContent xmlns:mc="http://schemas.openxmlformats.org/markup-compatibility/2006" xmlns:p14="http://schemas.microsoft.com/office/powerpoint/2010/main">
+          <mc:Choice Requires="p14">
             <p:contentPart p14:bwMode="auto" r:id="rId254">
               <p14:nvContentPartPr>
                 <p14:cNvPr id="156" name="Ink 155">
@@ -20228,7 +20233,7 @@
               </p14:xfrm>
             </p:contentPart>
           </mc:Choice>
-          <mc:Fallback>
+          <mc:Fallback xmlns="">
             <p:pic>
               <p:nvPicPr>
                 <p:cNvPr id="156" name="Ink 155">
@@ -20259,8 +20264,8 @@
             </p:pic>
           </mc:Fallback>
         </mc:AlternateContent>
-        <mc:AlternateContent xmlns:mc="http://schemas.openxmlformats.org/markup-compatibility/2006">
-          <mc:Choice xmlns:p14="http://schemas.microsoft.com/office/powerpoint/2010/main" Requires="p14">
+        <mc:AlternateContent xmlns:mc="http://schemas.openxmlformats.org/markup-compatibility/2006" xmlns:p14="http://schemas.microsoft.com/office/powerpoint/2010/main">
+          <mc:Choice Requires="p14">
             <p:contentPart p14:bwMode="auto" r:id="rId256">
               <p14:nvContentPartPr>
                 <p14:cNvPr id="157" name="Ink 156">
@@ -20279,7 +20284,7 @@
               </p14:xfrm>
             </p:contentPart>
           </mc:Choice>
-          <mc:Fallback>
+          <mc:Fallback xmlns="">
             <p:pic>
               <p:nvPicPr>
                 <p:cNvPr id="157" name="Ink 156">
@@ -20310,8 +20315,8 @@
             </p:pic>
           </mc:Fallback>
         </mc:AlternateContent>
-        <mc:AlternateContent xmlns:mc="http://schemas.openxmlformats.org/markup-compatibility/2006">
-          <mc:Choice xmlns:p14="http://schemas.microsoft.com/office/powerpoint/2010/main" Requires="p14">
+        <mc:AlternateContent xmlns:mc="http://schemas.openxmlformats.org/markup-compatibility/2006" xmlns:p14="http://schemas.microsoft.com/office/powerpoint/2010/main">
+          <mc:Choice Requires="p14">
             <p:contentPart p14:bwMode="auto" r:id="rId258">
               <p14:nvContentPartPr>
                 <p14:cNvPr id="158" name="Ink 157">
@@ -20330,7 +20335,7 @@
               </p14:xfrm>
             </p:contentPart>
           </mc:Choice>
-          <mc:Fallback>
+          <mc:Fallback xmlns="">
             <p:pic>
               <p:nvPicPr>
                 <p:cNvPr id="158" name="Ink 157">
@@ -20361,8 +20366,8 @@
             </p:pic>
           </mc:Fallback>
         </mc:AlternateContent>
-        <mc:AlternateContent xmlns:mc="http://schemas.openxmlformats.org/markup-compatibility/2006">
-          <mc:Choice xmlns:p14="http://schemas.microsoft.com/office/powerpoint/2010/main" Requires="p14">
+        <mc:AlternateContent xmlns:mc="http://schemas.openxmlformats.org/markup-compatibility/2006" xmlns:p14="http://schemas.microsoft.com/office/powerpoint/2010/main">
+          <mc:Choice Requires="p14">
             <p:contentPart p14:bwMode="auto" r:id="rId260">
               <p14:nvContentPartPr>
                 <p14:cNvPr id="159" name="Ink 158">
@@ -20381,7 +20386,7 @@
               </p14:xfrm>
             </p:contentPart>
           </mc:Choice>
-          <mc:Fallback>
+          <mc:Fallback xmlns="">
             <p:pic>
               <p:nvPicPr>
                 <p:cNvPr id="159" name="Ink 158">
@@ -20412,8 +20417,8 @@
             </p:pic>
           </mc:Fallback>
         </mc:AlternateContent>
-        <mc:AlternateContent xmlns:mc="http://schemas.openxmlformats.org/markup-compatibility/2006">
-          <mc:Choice xmlns:p14="http://schemas.microsoft.com/office/powerpoint/2010/main" Requires="p14">
+        <mc:AlternateContent xmlns:mc="http://schemas.openxmlformats.org/markup-compatibility/2006" xmlns:p14="http://schemas.microsoft.com/office/powerpoint/2010/main">
+          <mc:Choice Requires="p14">
             <p:contentPart p14:bwMode="auto" r:id="rId262">
               <p14:nvContentPartPr>
                 <p14:cNvPr id="160" name="Ink 159">
@@ -20432,7 +20437,7 @@
               </p14:xfrm>
             </p:contentPart>
           </mc:Choice>
-          <mc:Fallback>
+          <mc:Fallback xmlns="">
             <p:pic>
               <p:nvPicPr>
                 <p:cNvPr id="160" name="Ink 159">
@@ -20463,8 +20468,8 @@
             </p:pic>
           </mc:Fallback>
         </mc:AlternateContent>
-        <mc:AlternateContent xmlns:mc="http://schemas.openxmlformats.org/markup-compatibility/2006">
-          <mc:Choice xmlns:p14="http://schemas.microsoft.com/office/powerpoint/2010/main" Requires="p14">
+        <mc:AlternateContent xmlns:mc="http://schemas.openxmlformats.org/markup-compatibility/2006" xmlns:p14="http://schemas.microsoft.com/office/powerpoint/2010/main">
+          <mc:Choice Requires="p14">
             <p:contentPart p14:bwMode="auto" r:id="rId264">
               <p14:nvContentPartPr>
                 <p14:cNvPr id="161" name="Ink 160">
@@ -20483,7 +20488,7 @@
               </p14:xfrm>
             </p:contentPart>
           </mc:Choice>
-          <mc:Fallback>
+          <mc:Fallback xmlns="">
             <p:pic>
               <p:nvPicPr>
                 <p:cNvPr id="161" name="Ink 160">
@@ -20514,8 +20519,8 @@
             </p:pic>
           </mc:Fallback>
         </mc:AlternateContent>
-        <mc:AlternateContent xmlns:mc="http://schemas.openxmlformats.org/markup-compatibility/2006">
-          <mc:Choice xmlns:p14="http://schemas.microsoft.com/office/powerpoint/2010/main" Requires="p14">
+        <mc:AlternateContent xmlns:mc="http://schemas.openxmlformats.org/markup-compatibility/2006" xmlns:p14="http://schemas.microsoft.com/office/powerpoint/2010/main">
+          <mc:Choice Requires="p14">
             <p:contentPart p14:bwMode="auto" r:id="rId266">
               <p14:nvContentPartPr>
                 <p14:cNvPr id="162" name="Ink 161">
@@ -20534,7 +20539,7 @@
               </p14:xfrm>
             </p:contentPart>
           </mc:Choice>
-          <mc:Fallback>
+          <mc:Fallback xmlns="">
             <p:pic>
               <p:nvPicPr>
                 <p:cNvPr id="162" name="Ink 161">
@@ -20586,8 +20591,8 @@
             <a:chExt cx="293400" cy="185760"/>
           </a:xfrm>
         </p:grpSpPr>
-        <mc:AlternateContent xmlns:mc="http://schemas.openxmlformats.org/markup-compatibility/2006">
-          <mc:Choice xmlns:p14="http://schemas.microsoft.com/office/powerpoint/2010/main" Requires="p14">
+        <mc:AlternateContent xmlns:mc="http://schemas.openxmlformats.org/markup-compatibility/2006" xmlns:p14="http://schemas.microsoft.com/office/powerpoint/2010/main">
+          <mc:Choice Requires="p14">
             <p:contentPart p14:bwMode="auto" r:id="rId268">
               <p14:nvContentPartPr>
                 <p14:cNvPr id="165" name="Ink 164">
@@ -20606,7 +20611,7 @@
               </p14:xfrm>
             </p:contentPart>
           </mc:Choice>
-          <mc:Fallback>
+          <mc:Fallback xmlns="">
             <p:pic>
               <p:nvPicPr>
                 <p:cNvPr id="165" name="Ink 164">
@@ -20637,8 +20642,8 @@
             </p:pic>
           </mc:Fallback>
         </mc:AlternateContent>
-        <mc:AlternateContent xmlns:mc="http://schemas.openxmlformats.org/markup-compatibility/2006">
-          <mc:Choice xmlns:p14="http://schemas.microsoft.com/office/powerpoint/2010/main" Requires="p14">
+        <mc:AlternateContent xmlns:mc="http://schemas.openxmlformats.org/markup-compatibility/2006" xmlns:p14="http://schemas.microsoft.com/office/powerpoint/2010/main">
+          <mc:Choice Requires="p14">
             <p:contentPart p14:bwMode="auto" r:id="rId270">
               <p14:nvContentPartPr>
                 <p14:cNvPr id="166" name="Ink 165">
@@ -20657,7 +20662,7 @@
               </p14:xfrm>
             </p:contentPart>
           </mc:Choice>
-          <mc:Fallback>
+          <mc:Fallback xmlns="">
             <p:pic>
               <p:nvPicPr>
                 <p:cNvPr id="166" name="Ink 165">
@@ -20688,8 +20693,8 @@
             </p:pic>
           </mc:Fallback>
         </mc:AlternateContent>
-        <mc:AlternateContent xmlns:mc="http://schemas.openxmlformats.org/markup-compatibility/2006">
-          <mc:Choice xmlns:p14="http://schemas.microsoft.com/office/powerpoint/2010/main" Requires="p14">
+        <mc:AlternateContent xmlns:mc="http://schemas.openxmlformats.org/markup-compatibility/2006" xmlns:p14="http://schemas.microsoft.com/office/powerpoint/2010/main">
+          <mc:Choice Requires="p14">
             <p:contentPart p14:bwMode="auto" r:id="rId272">
               <p14:nvContentPartPr>
                 <p14:cNvPr id="167" name="Ink 166">
@@ -20708,7 +20713,7 @@
               </p14:xfrm>
             </p:contentPart>
           </mc:Choice>
-          <mc:Fallback>
+          <mc:Fallback xmlns="">
             <p:pic>
               <p:nvPicPr>
                 <p:cNvPr id="167" name="Ink 166">
@@ -20739,8 +20744,8 @@
             </p:pic>
           </mc:Fallback>
         </mc:AlternateContent>
-        <mc:AlternateContent xmlns:mc="http://schemas.openxmlformats.org/markup-compatibility/2006">
-          <mc:Choice xmlns:p14="http://schemas.microsoft.com/office/powerpoint/2010/main" Requires="p14">
+        <mc:AlternateContent xmlns:mc="http://schemas.openxmlformats.org/markup-compatibility/2006" xmlns:p14="http://schemas.microsoft.com/office/powerpoint/2010/main">
+          <mc:Choice Requires="p14">
             <p:contentPart p14:bwMode="auto" r:id="rId274">
               <p14:nvContentPartPr>
                 <p14:cNvPr id="168" name="Ink 167">
@@ -20759,7 +20764,7 @@
               </p14:xfrm>
             </p:contentPart>
           </mc:Choice>
-          <mc:Fallback>
+          <mc:Fallback xmlns="">
             <p:pic>
               <p:nvPicPr>
                 <p:cNvPr id="168" name="Ink 167">
@@ -20790,8 +20795,8 @@
             </p:pic>
           </mc:Fallback>
         </mc:AlternateContent>
-        <mc:AlternateContent xmlns:mc="http://schemas.openxmlformats.org/markup-compatibility/2006">
-          <mc:Choice xmlns:p14="http://schemas.microsoft.com/office/powerpoint/2010/main" Requires="p14">
+        <mc:AlternateContent xmlns:mc="http://schemas.openxmlformats.org/markup-compatibility/2006" xmlns:p14="http://schemas.microsoft.com/office/powerpoint/2010/main">
+          <mc:Choice Requires="p14">
             <p:contentPart p14:bwMode="auto" r:id="rId276">
               <p14:nvContentPartPr>
                 <p14:cNvPr id="169" name="Ink 168">
@@ -20810,7 +20815,7 @@
               </p14:xfrm>
             </p:contentPart>
           </mc:Choice>
-          <mc:Fallback>
+          <mc:Fallback xmlns="">
             <p:pic>
               <p:nvPicPr>
                 <p:cNvPr id="169" name="Ink 168">
@@ -20862,8 +20867,8 @@
             <a:chExt cx="456480" cy="227160"/>
           </a:xfrm>
         </p:grpSpPr>
-        <mc:AlternateContent xmlns:mc="http://schemas.openxmlformats.org/markup-compatibility/2006">
-          <mc:Choice xmlns:p14="http://schemas.microsoft.com/office/powerpoint/2010/main" Requires="p14">
+        <mc:AlternateContent xmlns:mc="http://schemas.openxmlformats.org/markup-compatibility/2006" xmlns:p14="http://schemas.microsoft.com/office/powerpoint/2010/main">
+          <mc:Choice Requires="p14">
             <p:contentPart p14:bwMode="auto" r:id="rId278">
               <p14:nvContentPartPr>
                 <p14:cNvPr id="170" name="Ink 169">
@@ -20882,7 +20887,7 @@
               </p14:xfrm>
             </p:contentPart>
           </mc:Choice>
-          <mc:Fallback>
+          <mc:Fallback xmlns="">
             <p:pic>
               <p:nvPicPr>
                 <p:cNvPr id="170" name="Ink 169">
@@ -20913,8 +20918,8 @@
             </p:pic>
           </mc:Fallback>
         </mc:AlternateContent>
-        <mc:AlternateContent xmlns:mc="http://schemas.openxmlformats.org/markup-compatibility/2006">
-          <mc:Choice xmlns:p14="http://schemas.microsoft.com/office/powerpoint/2010/main" Requires="p14">
+        <mc:AlternateContent xmlns:mc="http://schemas.openxmlformats.org/markup-compatibility/2006" xmlns:p14="http://schemas.microsoft.com/office/powerpoint/2010/main">
+          <mc:Choice Requires="p14">
             <p:contentPart p14:bwMode="auto" r:id="rId280">
               <p14:nvContentPartPr>
                 <p14:cNvPr id="171" name="Ink 170">
@@ -20933,7 +20938,7 @@
               </p14:xfrm>
             </p:contentPart>
           </mc:Choice>
-          <mc:Fallback>
+          <mc:Fallback xmlns="">
             <p:pic>
               <p:nvPicPr>
                 <p:cNvPr id="171" name="Ink 170">
@@ -20964,8 +20969,8 @@
             </p:pic>
           </mc:Fallback>
         </mc:AlternateContent>
-        <mc:AlternateContent xmlns:mc="http://schemas.openxmlformats.org/markup-compatibility/2006">
-          <mc:Choice xmlns:p14="http://schemas.microsoft.com/office/powerpoint/2010/main" Requires="p14">
+        <mc:AlternateContent xmlns:mc="http://schemas.openxmlformats.org/markup-compatibility/2006" xmlns:p14="http://schemas.microsoft.com/office/powerpoint/2010/main">
+          <mc:Choice Requires="p14">
             <p:contentPart p14:bwMode="auto" r:id="rId282">
               <p14:nvContentPartPr>
                 <p14:cNvPr id="172" name="Ink 171">
@@ -20984,7 +20989,7 @@
               </p14:xfrm>
             </p:contentPart>
           </mc:Choice>
-          <mc:Fallback>
+          <mc:Fallback xmlns="">
             <p:pic>
               <p:nvPicPr>
                 <p:cNvPr id="172" name="Ink 171">
@@ -21015,8 +21020,8 @@
             </p:pic>
           </mc:Fallback>
         </mc:AlternateContent>
-        <mc:AlternateContent xmlns:mc="http://schemas.openxmlformats.org/markup-compatibility/2006">
-          <mc:Choice xmlns:p14="http://schemas.microsoft.com/office/powerpoint/2010/main" Requires="p14">
+        <mc:AlternateContent xmlns:mc="http://schemas.openxmlformats.org/markup-compatibility/2006" xmlns:p14="http://schemas.microsoft.com/office/powerpoint/2010/main">
+          <mc:Choice Requires="p14">
             <p:contentPart p14:bwMode="auto" r:id="rId284">
               <p14:nvContentPartPr>
                 <p14:cNvPr id="173" name="Ink 172">
@@ -21035,7 +21040,7 @@
               </p14:xfrm>
             </p:contentPart>
           </mc:Choice>
-          <mc:Fallback>
+          <mc:Fallback xmlns="">
             <p:pic>
               <p:nvPicPr>
                 <p:cNvPr id="173" name="Ink 172">
@@ -21087,8 +21092,8 @@
             <a:chExt cx="414360" cy="168120"/>
           </a:xfrm>
         </p:grpSpPr>
-        <mc:AlternateContent xmlns:mc="http://schemas.openxmlformats.org/markup-compatibility/2006">
-          <mc:Choice xmlns:p14="http://schemas.microsoft.com/office/powerpoint/2010/main" Requires="p14">
+        <mc:AlternateContent xmlns:mc="http://schemas.openxmlformats.org/markup-compatibility/2006" xmlns:p14="http://schemas.microsoft.com/office/powerpoint/2010/main">
+          <mc:Choice Requires="p14">
             <p:contentPart p14:bwMode="auto" r:id="rId286">
               <p14:nvContentPartPr>
                 <p14:cNvPr id="176" name="Ink 175">
@@ -21107,7 +21112,7 @@
               </p14:xfrm>
             </p:contentPart>
           </mc:Choice>
-          <mc:Fallback>
+          <mc:Fallback xmlns="">
             <p:pic>
               <p:nvPicPr>
                 <p:cNvPr id="176" name="Ink 175">
@@ -21138,8 +21143,8 @@
             </p:pic>
           </mc:Fallback>
         </mc:AlternateContent>
-        <mc:AlternateContent xmlns:mc="http://schemas.openxmlformats.org/markup-compatibility/2006">
-          <mc:Choice xmlns:p14="http://schemas.microsoft.com/office/powerpoint/2010/main" Requires="p14">
+        <mc:AlternateContent xmlns:mc="http://schemas.openxmlformats.org/markup-compatibility/2006" xmlns:p14="http://schemas.microsoft.com/office/powerpoint/2010/main">
+          <mc:Choice Requires="p14">
             <p:contentPart p14:bwMode="auto" r:id="rId287">
               <p14:nvContentPartPr>
                 <p14:cNvPr id="177" name="Ink 176">
@@ -21158,7 +21163,7 @@
               </p14:xfrm>
             </p:contentPart>
           </mc:Choice>
-          <mc:Fallback>
+          <mc:Fallback xmlns="">
             <p:pic>
               <p:nvPicPr>
                 <p:cNvPr id="177" name="Ink 176">
@@ -21189,8 +21194,8 @@
             </p:pic>
           </mc:Fallback>
         </mc:AlternateContent>
-        <mc:AlternateContent xmlns:mc="http://schemas.openxmlformats.org/markup-compatibility/2006">
-          <mc:Choice xmlns:p14="http://schemas.microsoft.com/office/powerpoint/2010/main" Requires="p14">
+        <mc:AlternateContent xmlns:mc="http://schemas.openxmlformats.org/markup-compatibility/2006" xmlns:p14="http://schemas.microsoft.com/office/powerpoint/2010/main">
+          <mc:Choice Requires="p14">
             <p:contentPart p14:bwMode="auto" r:id="rId289">
               <p14:nvContentPartPr>
                 <p14:cNvPr id="178" name="Ink 177">
@@ -21209,7 +21214,7 @@
               </p14:xfrm>
             </p:contentPart>
           </mc:Choice>
-          <mc:Fallback>
+          <mc:Fallback xmlns="">
             <p:pic>
               <p:nvPicPr>
                 <p:cNvPr id="178" name="Ink 177">
@@ -21240,8 +21245,8 @@
             </p:pic>
           </mc:Fallback>
         </mc:AlternateContent>
-        <mc:AlternateContent xmlns:mc="http://schemas.openxmlformats.org/markup-compatibility/2006">
-          <mc:Choice xmlns:p14="http://schemas.microsoft.com/office/powerpoint/2010/main" Requires="p14">
+        <mc:AlternateContent xmlns:mc="http://schemas.openxmlformats.org/markup-compatibility/2006" xmlns:p14="http://schemas.microsoft.com/office/powerpoint/2010/main">
+          <mc:Choice Requires="p14">
             <p:contentPart p14:bwMode="auto" r:id="rId291">
               <p14:nvContentPartPr>
                 <p14:cNvPr id="179" name="Ink 178">
@@ -21260,7 +21265,7 @@
               </p14:xfrm>
             </p:contentPart>
           </mc:Choice>
-          <mc:Fallback>
+          <mc:Fallback xmlns="">
             <p:pic>
               <p:nvPicPr>
                 <p:cNvPr id="179" name="Ink 178">
@@ -21291,8 +21296,8 @@
             </p:pic>
           </mc:Fallback>
         </mc:AlternateContent>
-        <mc:AlternateContent xmlns:mc="http://schemas.openxmlformats.org/markup-compatibility/2006">
-          <mc:Choice xmlns:p14="http://schemas.microsoft.com/office/powerpoint/2010/main" Requires="p14">
+        <mc:AlternateContent xmlns:mc="http://schemas.openxmlformats.org/markup-compatibility/2006" xmlns:p14="http://schemas.microsoft.com/office/powerpoint/2010/main">
+          <mc:Choice Requires="p14">
             <p:contentPart p14:bwMode="auto" r:id="rId293">
               <p14:nvContentPartPr>
                 <p14:cNvPr id="180" name="Ink 179">
@@ -21311,7 +21316,7 @@
               </p14:xfrm>
             </p:contentPart>
           </mc:Choice>
-          <mc:Fallback>
+          <mc:Fallback xmlns="">
             <p:pic>
               <p:nvPicPr>
                 <p:cNvPr id="180" name="Ink 179">
@@ -21343,8 +21348,8 @@
           </mc:Fallback>
         </mc:AlternateContent>
       </p:grpSp>
-      <mc:AlternateContent xmlns:mc="http://schemas.openxmlformats.org/markup-compatibility/2006">
-        <mc:Choice xmlns:p14="http://schemas.microsoft.com/office/powerpoint/2010/main" Requires="p14">
+      <mc:AlternateContent xmlns:mc="http://schemas.openxmlformats.org/markup-compatibility/2006" xmlns:p14="http://schemas.microsoft.com/office/powerpoint/2010/main">
+        <mc:Choice Requires="p14">
           <p:contentPart p14:bwMode="auto" r:id="rId295">
             <p14:nvContentPartPr>
               <p14:cNvPr id="182" name="Ink 181">
@@ -21363,7 +21368,7 @@
             </p14:xfrm>
           </p:contentPart>
         </mc:Choice>
-        <mc:Fallback>
+        <mc:Fallback xmlns="">
           <p:pic>
             <p:nvPicPr>
               <p:cNvPr id="182" name="Ink 181">
@@ -21414,8 +21419,8 @@
             <a:chExt cx="320760" cy="186480"/>
           </a:xfrm>
         </p:grpSpPr>
-        <mc:AlternateContent xmlns:mc="http://schemas.openxmlformats.org/markup-compatibility/2006">
-          <mc:Choice xmlns:p14="http://schemas.microsoft.com/office/powerpoint/2010/main" Requires="p14">
+        <mc:AlternateContent xmlns:mc="http://schemas.openxmlformats.org/markup-compatibility/2006" xmlns:p14="http://schemas.microsoft.com/office/powerpoint/2010/main">
+          <mc:Choice Requires="p14">
             <p:contentPart p14:bwMode="auto" r:id="rId297">
               <p14:nvContentPartPr>
                 <p14:cNvPr id="183" name="Ink 182">
@@ -21434,7 +21439,7 @@
               </p14:xfrm>
             </p:contentPart>
           </mc:Choice>
-          <mc:Fallback>
+          <mc:Fallback xmlns="">
             <p:pic>
               <p:nvPicPr>
                 <p:cNvPr id="183" name="Ink 182">
@@ -21465,8 +21470,8 @@
             </p:pic>
           </mc:Fallback>
         </mc:AlternateContent>
-        <mc:AlternateContent xmlns:mc="http://schemas.openxmlformats.org/markup-compatibility/2006">
-          <mc:Choice xmlns:p14="http://schemas.microsoft.com/office/powerpoint/2010/main" Requires="p14">
+        <mc:AlternateContent xmlns:mc="http://schemas.openxmlformats.org/markup-compatibility/2006" xmlns:p14="http://schemas.microsoft.com/office/powerpoint/2010/main">
+          <mc:Choice Requires="p14">
             <p:contentPart p14:bwMode="auto" r:id="rId299">
               <p14:nvContentPartPr>
                 <p14:cNvPr id="184" name="Ink 183">
@@ -21485,7 +21490,7 @@
               </p14:xfrm>
             </p:contentPart>
           </mc:Choice>
-          <mc:Fallback>
+          <mc:Fallback xmlns="">
             <p:pic>
               <p:nvPicPr>
                 <p:cNvPr id="184" name="Ink 183">
@@ -21516,8 +21521,8 @@
             </p:pic>
           </mc:Fallback>
         </mc:AlternateContent>
-        <mc:AlternateContent xmlns:mc="http://schemas.openxmlformats.org/markup-compatibility/2006">
-          <mc:Choice xmlns:p14="http://schemas.microsoft.com/office/powerpoint/2010/main" Requires="p14">
+        <mc:AlternateContent xmlns:mc="http://schemas.openxmlformats.org/markup-compatibility/2006" xmlns:p14="http://schemas.microsoft.com/office/powerpoint/2010/main">
+          <mc:Choice Requires="p14">
             <p:contentPart p14:bwMode="auto" r:id="rId301">
               <p14:nvContentPartPr>
                 <p14:cNvPr id="185" name="Ink 184">
@@ -21536,7 +21541,7 @@
               </p14:xfrm>
             </p:contentPart>
           </mc:Choice>
-          <mc:Fallback>
+          <mc:Fallback xmlns="">
             <p:pic>
               <p:nvPicPr>
                 <p:cNvPr id="185" name="Ink 184">
@@ -21588,8 +21593,8 @@
             <a:chExt cx="1703160" cy="2405160"/>
           </a:xfrm>
         </p:grpSpPr>
-        <mc:AlternateContent xmlns:mc="http://schemas.openxmlformats.org/markup-compatibility/2006">
-          <mc:Choice xmlns:p14="http://schemas.microsoft.com/office/powerpoint/2010/main" Requires="p14">
+        <mc:AlternateContent xmlns:mc="http://schemas.openxmlformats.org/markup-compatibility/2006" xmlns:p14="http://schemas.microsoft.com/office/powerpoint/2010/main">
+          <mc:Choice Requires="p14">
             <p:contentPart p14:bwMode="auto" r:id="rId303">
               <p14:nvContentPartPr>
                 <p14:cNvPr id="187" name="Ink 186">
@@ -21608,7 +21613,7 @@
               </p14:xfrm>
             </p:contentPart>
           </mc:Choice>
-          <mc:Fallback>
+          <mc:Fallback xmlns="">
             <p:pic>
               <p:nvPicPr>
                 <p:cNvPr id="187" name="Ink 186">
@@ -21639,8 +21644,8 @@
             </p:pic>
           </mc:Fallback>
         </mc:AlternateContent>
-        <mc:AlternateContent xmlns:mc="http://schemas.openxmlformats.org/markup-compatibility/2006">
-          <mc:Choice xmlns:p14="http://schemas.microsoft.com/office/powerpoint/2010/main" Requires="p14">
+        <mc:AlternateContent xmlns:mc="http://schemas.openxmlformats.org/markup-compatibility/2006" xmlns:p14="http://schemas.microsoft.com/office/powerpoint/2010/main">
+          <mc:Choice Requires="p14">
             <p:contentPart p14:bwMode="auto" r:id="rId305">
               <p14:nvContentPartPr>
                 <p14:cNvPr id="188" name="Ink 187">
@@ -21659,7 +21664,7 @@
               </p14:xfrm>
             </p:contentPart>
           </mc:Choice>
-          <mc:Fallback>
+          <mc:Fallback xmlns="">
             <p:pic>
               <p:nvPicPr>
                 <p:cNvPr id="188" name="Ink 187">
@@ -21690,8 +21695,8 @@
             </p:pic>
           </mc:Fallback>
         </mc:AlternateContent>
-        <mc:AlternateContent xmlns:mc="http://schemas.openxmlformats.org/markup-compatibility/2006">
-          <mc:Choice xmlns:p14="http://schemas.microsoft.com/office/powerpoint/2010/main" Requires="p14">
+        <mc:AlternateContent xmlns:mc="http://schemas.openxmlformats.org/markup-compatibility/2006" xmlns:p14="http://schemas.microsoft.com/office/powerpoint/2010/main">
+          <mc:Choice Requires="p14">
             <p:contentPart p14:bwMode="auto" r:id="rId307">
               <p14:nvContentPartPr>
                 <p14:cNvPr id="190" name="Ink 189">
@@ -21710,7 +21715,7 @@
               </p14:xfrm>
             </p:contentPart>
           </mc:Choice>
-          <mc:Fallback>
+          <mc:Fallback xmlns="">
             <p:pic>
               <p:nvPicPr>
                 <p:cNvPr id="190" name="Ink 189">
@@ -21741,8 +21746,8 @@
             </p:pic>
           </mc:Fallback>
         </mc:AlternateContent>
-        <mc:AlternateContent xmlns:mc="http://schemas.openxmlformats.org/markup-compatibility/2006">
-          <mc:Choice xmlns:p14="http://schemas.microsoft.com/office/powerpoint/2010/main" Requires="p14">
+        <mc:AlternateContent xmlns:mc="http://schemas.openxmlformats.org/markup-compatibility/2006" xmlns:p14="http://schemas.microsoft.com/office/powerpoint/2010/main">
+          <mc:Choice Requires="p14">
             <p:contentPart p14:bwMode="auto" r:id="rId309">
               <p14:nvContentPartPr>
                 <p14:cNvPr id="191" name="Ink 190">
@@ -21761,7 +21766,7 @@
               </p14:xfrm>
             </p:contentPart>
           </mc:Choice>
-          <mc:Fallback>
+          <mc:Fallback xmlns="">
             <p:pic>
               <p:nvPicPr>
                 <p:cNvPr id="191" name="Ink 190">
@@ -21792,8 +21797,8 @@
             </p:pic>
           </mc:Fallback>
         </mc:AlternateContent>
-        <mc:AlternateContent xmlns:mc="http://schemas.openxmlformats.org/markup-compatibility/2006">
-          <mc:Choice xmlns:p14="http://schemas.microsoft.com/office/powerpoint/2010/main" Requires="p14">
+        <mc:AlternateContent xmlns:mc="http://schemas.openxmlformats.org/markup-compatibility/2006" xmlns:p14="http://schemas.microsoft.com/office/powerpoint/2010/main">
+          <mc:Choice Requires="p14">
             <p:contentPart p14:bwMode="auto" r:id="rId311">
               <p14:nvContentPartPr>
                 <p14:cNvPr id="194" name="Ink 193">
@@ -21812,7 +21817,7 @@
               </p14:xfrm>
             </p:contentPart>
           </mc:Choice>
-          <mc:Fallback>
+          <mc:Fallback xmlns="">
             <p:pic>
               <p:nvPicPr>
                 <p:cNvPr id="194" name="Ink 193">
@@ -21843,8 +21848,8 @@
             </p:pic>
           </mc:Fallback>
         </mc:AlternateContent>
-        <mc:AlternateContent xmlns:mc="http://schemas.openxmlformats.org/markup-compatibility/2006">
-          <mc:Choice xmlns:p14="http://schemas.microsoft.com/office/powerpoint/2010/main" Requires="p14">
+        <mc:AlternateContent xmlns:mc="http://schemas.openxmlformats.org/markup-compatibility/2006" xmlns:p14="http://schemas.microsoft.com/office/powerpoint/2010/main">
+          <mc:Choice Requires="p14">
             <p:contentPart p14:bwMode="auto" r:id="rId313">
               <p14:nvContentPartPr>
                 <p14:cNvPr id="195" name="Ink 194">
@@ -21863,7 +21868,7 @@
               </p14:xfrm>
             </p:contentPart>
           </mc:Choice>
-          <mc:Fallback>
+          <mc:Fallback xmlns="">
             <p:pic>
               <p:nvPicPr>
                 <p:cNvPr id="195" name="Ink 194">
@@ -21894,8 +21899,8 @@
             </p:pic>
           </mc:Fallback>
         </mc:AlternateContent>
-        <mc:AlternateContent xmlns:mc="http://schemas.openxmlformats.org/markup-compatibility/2006">
-          <mc:Choice xmlns:p14="http://schemas.microsoft.com/office/powerpoint/2010/main" Requires="p14">
+        <mc:AlternateContent xmlns:mc="http://schemas.openxmlformats.org/markup-compatibility/2006" xmlns:p14="http://schemas.microsoft.com/office/powerpoint/2010/main">
+          <mc:Choice Requires="p14">
             <p:contentPart p14:bwMode="auto" r:id="rId315">
               <p14:nvContentPartPr>
                 <p14:cNvPr id="199" name="Ink 198">
@@ -21914,7 +21919,7 @@
               </p14:xfrm>
             </p:contentPart>
           </mc:Choice>
-          <mc:Fallback>
+          <mc:Fallback xmlns="">
             <p:pic>
               <p:nvPicPr>
                 <p:cNvPr id="199" name="Ink 198">
@@ -21945,8 +21950,8 @@
             </p:pic>
           </mc:Fallback>
         </mc:AlternateContent>
-        <mc:AlternateContent xmlns:mc="http://schemas.openxmlformats.org/markup-compatibility/2006">
-          <mc:Choice xmlns:p14="http://schemas.microsoft.com/office/powerpoint/2010/main" Requires="p14">
+        <mc:AlternateContent xmlns:mc="http://schemas.openxmlformats.org/markup-compatibility/2006" xmlns:p14="http://schemas.microsoft.com/office/powerpoint/2010/main">
+          <mc:Choice Requires="p14">
             <p:contentPart p14:bwMode="auto" r:id="rId317">
               <p14:nvContentPartPr>
                 <p14:cNvPr id="200" name="Ink 199">
@@ -21965,7 +21970,7 @@
               </p14:xfrm>
             </p:contentPart>
           </mc:Choice>
-          <mc:Fallback>
+          <mc:Fallback xmlns="">
             <p:pic>
               <p:nvPicPr>
                 <p:cNvPr id="200" name="Ink 199">
@@ -21996,8 +22001,8 @@
             </p:pic>
           </mc:Fallback>
         </mc:AlternateContent>
-        <mc:AlternateContent xmlns:mc="http://schemas.openxmlformats.org/markup-compatibility/2006">
-          <mc:Choice xmlns:p14="http://schemas.microsoft.com/office/powerpoint/2010/main" Requires="p14">
+        <mc:AlternateContent xmlns:mc="http://schemas.openxmlformats.org/markup-compatibility/2006" xmlns:p14="http://schemas.microsoft.com/office/powerpoint/2010/main">
+          <mc:Choice Requires="p14">
             <p:contentPart p14:bwMode="auto" r:id="rId319">
               <p14:nvContentPartPr>
                 <p14:cNvPr id="212" name="Ink 211">
@@ -22016,7 +22021,7 @@
               </p14:xfrm>
             </p:contentPart>
           </mc:Choice>
-          <mc:Fallback>
+          <mc:Fallback xmlns="">
             <p:pic>
               <p:nvPicPr>
                 <p:cNvPr id="212" name="Ink 211">
@@ -22047,8 +22052,8 @@
             </p:pic>
           </mc:Fallback>
         </mc:AlternateContent>
-        <mc:AlternateContent xmlns:mc="http://schemas.openxmlformats.org/markup-compatibility/2006">
-          <mc:Choice xmlns:p14="http://schemas.microsoft.com/office/powerpoint/2010/main" Requires="p14">
+        <mc:AlternateContent xmlns:mc="http://schemas.openxmlformats.org/markup-compatibility/2006" xmlns:p14="http://schemas.microsoft.com/office/powerpoint/2010/main">
+          <mc:Choice Requires="p14">
             <p:contentPart p14:bwMode="auto" r:id="rId321">
               <p14:nvContentPartPr>
                 <p14:cNvPr id="213" name="Ink 212">
@@ -22067,7 +22072,7 @@
               </p14:xfrm>
             </p:contentPart>
           </mc:Choice>
-          <mc:Fallback>
+          <mc:Fallback xmlns="">
             <p:pic>
               <p:nvPicPr>
                 <p:cNvPr id="213" name="Ink 212">
@@ -22098,8 +22103,8 @@
             </p:pic>
           </mc:Fallback>
         </mc:AlternateContent>
-        <mc:AlternateContent xmlns:mc="http://schemas.openxmlformats.org/markup-compatibility/2006">
-          <mc:Choice xmlns:p14="http://schemas.microsoft.com/office/powerpoint/2010/main" Requires="p14">
+        <mc:AlternateContent xmlns:mc="http://schemas.openxmlformats.org/markup-compatibility/2006" xmlns:p14="http://schemas.microsoft.com/office/powerpoint/2010/main">
+          <mc:Choice Requires="p14">
             <p:contentPart p14:bwMode="auto" r:id="rId323">
               <p14:nvContentPartPr>
                 <p14:cNvPr id="218" name="Ink 217">
@@ -22118,7 +22123,7 @@
               </p14:xfrm>
             </p:contentPart>
           </mc:Choice>
-          <mc:Fallback>
+          <mc:Fallback xmlns="">
             <p:pic>
               <p:nvPicPr>
                 <p:cNvPr id="218" name="Ink 217">
@@ -22149,8 +22154,8 @@
             </p:pic>
           </mc:Fallback>
         </mc:AlternateContent>
-        <mc:AlternateContent xmlns:mc="http://schemas.openxmlformats.org/markup-compatibility/2006">
-          <mc:Choice xmlns:p14="http://schemas.microsoft.com/office/powerpoint/2010/main" Requires="p14">
+        <mc:AlternateContent xmlns:mc="http://schemas.openxmlformats.org/markup-compatibility/2006" xmlns:p14="http://schemas.microsoft.com/office/powerpoint/2010/main">
+          <mc:Choice Requires="p14">
             <p:contentPart p14:bwMode="auto" r:id="rId325">
               <p14:nvContentPartPr>
                 <p14:cNvPr id="219" name="Ink 218">
@@ -22169,7 +22174,7 @@
               </p14:xfrm>
             </p:contentPart>
           </mc:Choice>
-          <mc:Fallback>
+          <mc:Fallback xmlns="">
             <p:pic>
               <p:nvPicPr>
                 <p:cNvPr id="219" name="Ink 218">
@@ -22200,8 +22205,8 @@
             </p:pic>
           </mc:Fallback>
         </mc:AlternateContent>
-        <mc:AlternateContent xmlns:mc="http://schemas.openxmlformats.org/markup-compatibility/2006">
-          <mc:Choice xmlns:p14="http://schemas.microsoft.com/office/powerpoint/2010/main" Requires="p14">
+        <mc:AlternateContent xmlns:mc="http://schemas.openxmlformats.org/markup-compatibility/2006" xmlns:p14="http://schemas.microsoft.com/office/powerpoint/2010/main">
+          <mc:Choice Requires="p14">
             <p:contentPart p14:bwMode="auto" r:id="rId327">
               <p14:nvContentPartPr>
                 <p14:cNvPr id="220" name="Ink 219">
@@ -22220,7 +22225,7 @@
               </p14:xfrm>
             </p:contentPart>
           </mc:Choice>
-          <mc:Fallback>
+          <mc:Fallback xmlns="">
             <p:pic>
               <p:nvPicPr>
                 <p:cNvPr id="220" name="Ink 219">
@@ -22251,8 +22256,8 @@
             </p:pic>
           </mc:Fallback>
         </mc:AlternateContent>
-        <mc:AlternateContent xmlns:mc="http://schemas.openxmlformats.org/markup-compatibility/2006">
-          <mc:Choice xmlns:p14="http://schemas.microsoft.com/office/powerpoint/2010/main" Requires="p14">
+        <mc:AlternateContent xmlns:mc="http://schemas.openxmlformats.org/markup-compatibility/2006" xmlns:p14="http://schemas.microsoft.com/office/powerpoint/2010/main">
+          <mc:Choice Requires="p14">
             <p:contentPart p14:bwMode="auto" r:id="rId329">
               <p14:nvContentPartPr>
                 <p14:cNvPr id="221" name="Ink 220">
@@ -22271,7 +22276,7 @@
               </p14:xfrm>
             </p:contentPart>
           </mc:Choice>
-          <mc:Fallback>
+          <mc:Fallback xmlns="">
             <p:pic>
               <p:nvPicPr>
                 <p:cNvPr id="221" name="Ink 220">
@@ -22302,8 +22307,8 @@
             </p:pic>
           </mc:Fallback>
         </mc:AlternateContent>
-        <mc:AlternateContent xmlns:mc="http://schemas.openxmlformats.org/markup-compatibility/2006">
-          <mc:Choice xmlns:p14="http://schemas.microsoft.com/office/powerpoint/2010/main" Requires="p14">
+        <mc:AlternateContent xmlns:mc="http://schemas.openxmlformats.org/markup-compatibility/2006" xmlns:p14="http://schemas.microsoft.com/office/powerpoint/2010/main">
+          <mc:Choice Requires="p14">
             <p:contentPart p14:bwMode="auto" r:id="rId331">
               <p14:nvContentPartPr>
                 <p14:cNvPr id="222" name="Ink 221">
@@ -22322,7 +22327,7 @@
               </p14:xfrm>
             </p:contentPart>
           </mc:Choice>
-          <mc:Fallback>
+          <mc:Fallback xmlns="">
             <p:pic>
               <p:nvPicPr>
                 <p:cNvPr id="222" name="Ink 221">
@@ -22353,8 +22358,8 @@
             </p:pic>
           </mc:Fallback>
         </mc:AlternateContent>
-        <mc:AlternateContent xmlns:mc="http://schemas.openxmlformats.org/markup-compatibility/2006">
-          <mc:Choice xmlns:p14="http://schemas.microsoft.com/office/powerpoint/2010/main" Requires="p14">
+        <mc:AlternateContent xmlns:mc="http://schemas.openxmlformats.org/markup-compatibility/2006" xmlns:p14="http://schemas.microsoft.com/office/powerpoint/2010/main">
+          <mc:Choice Requires="p14">
             <p:contentPart p14:bwMode="auto" r:id="rId333">
               <p14:nvContentPartPr>
                 <p14:cNvPr id="223" name="Ink 222">
@@ -22373,7 +22378,7 @@
               </p14:xfrm>
             </p:contentPart>
           </mc:Choice>
-          <mc:Fallback>
+          <mc:Fallback xmlns="">
             <p:pic>
               <p:nvPicPr>
                 <p:cNvPr id="223" name="Ink 222">
@@ -22404,8 +22409,8 @@
             </p:pic>
           </mc:Fallback>
         </mc:AlternateContent>
-        <mc:AlternateContent xmlns:mc="http://schemas.openxmlformats.org/markup-compatibility/2006">
-          <mc:Choice xmlns:p14="http://schemas.microsoft.com/office/powerpoint/2010/main" Requires="p14">
+        <mc:AlternateContent xmlns:mc="http://schemas.openxmlformats.org/markup-compatibility/2006" xmlns:p14="http://schemas.microsoft.com/office/powerpoint/2010/main">
+          <mc:Choice Requires="p14">
             <p:contentPart p14:bwMode="auto" r:id="rId335">
               <p14:nvContentPartPr>
                 <p14:cNvPr id="224" name="Ink 223">
@@ -22424,7 +22429,7 @@
               </p14:xfrm>
             </p:contentPart>
           </mc:Choice>
-          <mc:Fallback>
+          <mc:Fallback xmlns="">
             <p:pic>
               <p:nvPicPr>
                 <p:cNvPr id="224" name="Ink 223">
@@ -22455,8 +22460,8 @@
             </p:pic>
           </mc:Fallback>
         </mc:AlternateContent>
-        <mc:AlternateContent xmlns:mc="http://schemas.openxmlformats.org/markup-compatibility/2006">
-          <mc:Choice xmlns:p14="http://schemas.microsoft.com/office/powerpoint/2010/main" Requires="p14">
+        <mc:AlternateContent xmlns:mc="http://schemas.openxmlformats.org/markup-compatibility/2006" xmlns:p14="http://schemas.microsoft.com/office/powerpoint/2010/main">
+          <mc:Choice Requires="p14">
             <p:contentPart p14:bwMode="auto" r:id="rId337">
               <p14:nvContentPartPr>
                 <p14:cNvPr id="225" name="Ink 224">
@@ -22475,7 +22480,7 @@
               </p14:xfrm>
             </p:contentPart>
           </mc:Choice>
-          <mc:Fallback>
+          <mc:Fallback xmlns="">
             <p:pic>
               <p:nvPicPr>
                 <p:cNvPr id="225" name="Ink 224">
@@ -22506,8 +22511,8 @@
             </p:pic>
           </mc:Fallback>
         </mc:AlternateContent>
-        <mc:AlternateContent xmlns:mc="http://schemas.openxmlformats.org/markup-compatibility/2006">
-          <mc:Choice xmlns:p14="http://schemas.microsoft.com/office/powerpoint/2010/main" Requires="p14">
+        <mc:AlternateContent xmlns:mc="http://schemas.openxmlformats.org/markup-compatibility/2006" xmlns:p14="http://schemas.microsoft.com/office/powerpoint/2010/main">
+          <mc:Choice Requires="p14">
             <p:contentPart p14:bwMode="auto" r:id="rId339">
               <p14:nvContentPartPr>
                 <p14:cNvPr id="228" name="Ink 227">
@@ -22526,7 +22531,7 @@
               </p14:xfrm>
             </p:contentPart>
           </mc:Choice>
-          <mc:Fallback>
+          <mc:Fallback xmlns="">
             <p:pic>
               <p:nvPicPr>
                 <p:cNvPr id="228" name="Ink 227">
@@ -22557,8 +22562,8 @@
             </p:pic>
           </mc:Fallback>
         </mc:AlternateContent>
-        <mc:AlternateContent xmlns:mc="http://schemas.openxmlformats.org/markup-compatibility/2006">
-          <mc:Choice xmlns:p14="http://schemas.microsoft.com/office/powerpoint/2010/main" Requires="p14">
+        <mc:AlternateContent xmlns:mc="http://schemas.openxmlformats.org/markup-compatibility/2006" xmlns:p14="http://schemas.microsoft.com/office/powerpoint/2010/main">
+          <mc:Choice Requires="p14">
             <p:contentPart p14:bwMode="auto" r:id="rId341">
               <p14:nvContentPartPr>
                 <p14:cNvPr id="233" name="Ink 232">
@@ -22577,7 +22582,7 @@
               </p14:xfrm>
             </p:contentPart>
           </mc:Choice>
-          <mc:Fallback>
+          <mc:Fallback xmlns="">
             <p:pic>
               <p:nvPicPr>
                 <p:cNvPr id="233" name="Ink 232">
@@ -22608,8 +22613,8 @@
             </p:pic>
           </mc:Fallback>
         </mc:AlternateContent>
-        <mc:AlternateContent xmlns:mc="http://schemas.openxmlformats.org/markup-compatibility/2006">
-          <mc:Choice xmlns:p14="http://schemas.microsoft.com/office/powerpoint/2010/main" Requires="p14">
+        <mc:AlternateContent xmlns:mc="http://schemas.openxmlformats.org/markup-compatibility/2006" xmlns:p14="http://schemas.microsoft.com/office/powerpoint/2010/main">
+          <mc:Choice Requires="p14">
             <p:contentPart p14:bwMode="auto" r:id="rId343">
               <p14:nvContentPartPr>
                 <p14:cNvPr id="234" name="Ink 233">
@@ -22628,7 +22633,7 @@
               </p14:xfrm>
             </p:contentPart>
           </mc:Choice>
-          <mc:Fallback>
+          <mc:Fallback xmlns="">
             <p:pic>
               <p:nvPicPr>
                 <p:cNvPr id="234" name="Ink 233">
@@ -22659,8 +22664,8 @@
             </p:pic>
           </mc:Fallback>
         </mc:AlternateContent>
-        <mc:AlternateContent xmlns:mc="http://schemas.openxmlformats.org/markup-compatibility/2006">
-          <mc:Choice xmlns:p14="http://schemas.microsoft.com/office/powerpoint/2010/main" Requires="p14">
+        <mc:AlternateContent xmlns:mc="http://schemas.openxmlformats.org/markup-compatibility/2006" xmlns:p14="http://schemas.microsoft.com/office/powerpoint/2010/main">
+          <mc:Choice Requires="p14">
             <p:contentPart p14:bwMode="auto" r:id="rId345">
               <p14:nvContentPartPr>
                 <p14:cNvPr id="239" name="Ink 238">
@@ -22679,7 +22684,7 @@
               </p14:xfrm>
             </p:contentPart>
           </mc:Choice>
-          <mc:Fallback>
+          <mc:Fallback xmlns="">
             <p:pic>
               <p:nvPicPr>
                 <p:cNvPr id="239" name="Ink 238">
@@ -22710,8 +22715,8 @@
             </p:pic>
           </mc:Fallback>
         </mc:AlternateContent>
-        <mc:AlternateContent xmlns:mc="http://schemas.openxmlformats.org/markup-compatibility/2006">
-          <mc:Choice xmlns:p14="http://schemas.microsoft.com/office/powerpoint/2010/main" Requires="p14">
+        <mc:AlternateContent xmlns:mc="http://schemas.openxmlformats.org/markup-compatibility/2006" xmlns:p14="http://schemas.microsoft.com/office/powerpoint/2010/main">
+          <mc:Choice Requires="p14">
             <p:contentPart p14:bwMode="auto" r:id="rId347">
               <p14:nvContentPartPr>
                 <p14:cNvPr id="240" name="Ink 239">
@@ -22730,7 +22735,7 @@
               </p14:xfrm>
             </p:contentPart>
           </mc:Choice>
-          <mc:Fallback>
+          <mc:Fallback xmlns="">
             <p:pic>
               <p:nvPicPr>
                 <p:cNvPr id="240" name="Ink 239">
@@ -22761,8 +22766,8 @@
             </p:pic>
           </mc:Fallback>
         </mc:AlternateContent>
-        <mc:AlternateContent xmlns:mc="http://schemas.openxmlformats.org/markup-compatibility/2006">
-          <mc:Choice xmlns:p14="http://schemas.microsoft.com/office/powerpoint/2010/main" Requires="p14">
+        <mc:AlternateContent xmlns:mc="http://schemas.openxmlformats.org/markup-compatibility/2006" xmlns:p14="http://schemas.microsoft.com/office/powerpoint/2010/main">
+          <mc:Choice Requires="p14">
             <p:contentPart p14:bwMode="auto" r:id="rId349">
               <p14:nvContentPartPr>
                 <p14:cNvPr id="241" name="Ink 240">
@@ -22781,7 +22786,7 @@
               </p14:xfrm>
             </p:contentPart>
           </mc:Choice>
-          <mc:Fallback>
+          <mc:Fallback xmlns="">
             <p:pic>
               <p:nvPicPr>
                 <p:cNvPr id="241" name="Ink 240">
@@ -22812,8 +22817,8 @@
             </p:pic>
           </mc:Fallback>
         </mc:AlternateContent>
-        <mc:AlternateContent xmlns:mc="http://schemas.openxmlformats.org/markup-compatibility/2006">
-          <mc:Choice xmlns:p14="http://schemas.microsoft.com/office/powerpoint/2010/main" Requires="p14">
+        <mc:AlternateContent xmlns:mc="http://schemas.openxmlformats.org/markup-compatibility/2006" xmlns:p14="http://schemas.microsoft.com/office/powerpoint/2010/main">
+          <mc:Choice Requires="p14">
             <p:contentPart p14:bwMode="auto" r:id="rId351">
               <p14:nvContentPartPr>
                 <p14:cNvPr id="209" name="Ink 208">
@@ -22832,7 +22837,7 @@
               </p14:xfrm>
             </p:contentPart>
           </mc:Choice>
-          <mc:Fallback>
+          <mc:Fallback xmlns="">
             <p:pic>
               <p:nvPicPr>
                 <p:cNvPr id="209" name="Ink 208">
@@ -22863,8 +22868,8 @@
             </p:pic>
           </mc:Fallback>
         </mc:AlternateContent>
-        <mc:AlternateContent xmlns:mc="http://schemas.openxmlformats.org/markup-compatibility/2006">
-          <mc:Choice xmlns:p14="http://schemas.microsoft.com/office/powerpoint/2010/main" Requires="p14">
+        <mc:AlternateContent xmlns:mc="http://schemas.openxmlformats.org/markup-compatibility/2006" xmlns:p14="http://schemas.microsoft.com/office/powerpoint/2010/main">
+          <mc:Choice Requires="p14">
             <p:contentPart p14:bwMode="auto" r:id="rId353">
               <p14:nvContentPartPr>
                 <p14:cNvPr id="210" name="Ink 209">
@@ -22883,7 +22888,7 @@
               </p14:xfrm>
             </p:contentPart>
           </mc:Choice>
-          <mc:Fallback>
+          <mc:Fallback xmlns="">
             <p:pic>
               <p:nvPicPr>
                 <p:cNvPr id="210" name="Ink 209">
@@ -22914,8 +22919,8 @@
             </p:pic>
           </mc:Fallback>
         </mc:AlternateContent>
-        <mc:AlternateContent xmlns:mc="http://schemas.openxmlformats.org/markup-compatibility/2006">
-          <mc:Choice xmlns:p14="http://schemas.microsoft.com/office/powerpoint/2010/main" Requires="p14">
+        <mc:AlternateContent xmlns:mc="http://schemas.openxmlformats.org/markup-compatibility/2006" xmlns:p14="http://schemas.microsoft.com/office/powerpoint/2010/main">
+          <mc:Choice Requires="p14">
             <p:contentPart p14:bwMode="auto" r:id="rId355">
               <p14:nvContentPartPr>
                 <p14:cNvPr id="214" name="Ink 213">
@@ -22934,7 +22939,7 @@
               </p14:xfrm>
             </p:contentPart>
           </mc:Choice>
-          <mc:Fallback>
+          <mc:Fallback xmlns="">
             <p:pic>
               <p:nvPicPr>
                 <p:cNvPr id="214" name="Ink 213">
@@ -22965,8 +22970,8 @@
             </p:pic>
           </mc:Fallback>
         </mc:AlternateContent>
-        <mc:AlternateContent xmlns:mc="http://schemas.openxmlformats.org/markup-compatibility/2006">
-          <mc:Choice xmlns:p14="http://schemas.microsoft.com/office/powerpoint/2010/main" Requires="p14">
+        <mc:AlternateContent xmlns:mc="http://schemas.openxmlformats.org/markup-compatibility/2006" xmlns:p14="http://schemas.microsoft.com/office/powerpoint/2010/main">
+          <mc:Choice Requires="p14">
             <p:contentPart p14:bwMode="auto" r:id="rId357">
               <p14:nvContentPartPr>
                 <p14:cNvPr id="216" name="Ink 215">
@@ -22985,7 +22990,7 @@
               </p14:xfrm>
             </p:contentPart>
           </mc:Choice>
-          <mc:Fallback>
+          <mc:Fallback xmlns="">
             <p:pic>
               <p:nvPicPr>
                 <p:cNvPr id="216" name="Ink 215">
@@ -23016,8 +23021,8 @@
             </p:pic>
           </mc:Fallback>
         </mc:AlternateContent>
-        <mc:AlternateContent xmlns:mc="http://schemas.openxmlformats.org/markup-compatibility/2006">
-          <mc:Choice xmlns:p14="http://schemas.microsoft.com/office/powerpoint/2010/main" Requires="p14">
+        <mc:AlternateContent xmlns:mc="http://schemas.openxmlformats.org/markup-compatibility/2006" xmlns:p14="http://schemas.microsoft.com/office/powerpoint/2010/main">
+          <mc:Choice Requires="p14">
             <p:contentPart p14:bwMode="auto" r:id="rId359">
               <p14:nvContentPartPr>
                 <p14:cNvPr id="236" name="Ink 235">
@@ -23036,7 +23041,7 @@
               </p14:xfrm>
             </p:contentPart>
           </mc:Choice>
-          <mc:Fallback>
+          <mc:Fallback xmlns="">
             <p:pic>
               <p:nvPicPr>
                 <p:cNvPr id="236" name="Ink 235">
@@ -23067,8 +23072,8 @@
             </p:pic>
           </mc:Fallback>
         </mc:AlternateContent>
-        <mc:AlternateContent xmlns:mc="http://schemas.openxmlformats.org/markup-compatibility/2006">
-          <mc:Choice xmlns:p14="http://schemas.microsoft.com/office/powerpoint/2010/main" Requires="p14">
+        <mc:AlternateContent xmlns:mc="http://schemas.openxmlformats.org/markup-compatibility/2006" xmlns:p14="http://schemas.microsoft.com/office/powerpoint/2010/main">
+          <mc:Choice Requires="p14">
             <p:contentPart p14:bwMode="auto" r:id="rId361">
               <p14:nvContentPartPr>
                 <p14:cNvPr id="237" name="Ink 236">
@@ -23087,7 +23092,7 @@
               </p14:xfrm>
             </p:contentPart>
           </mc:Choice>
-          <mc:Fallback>
+          <mc:Fallback xmlns="">
             <p:pic>
               <p:nvPicPr>
                 <p:cNvPr id="237" name="Ink 236">
@@ -23118,8 +23123,8 @@
             </p:pic>
           </mc:Fallback>
         </mc:AlternateContent>
-        <mc:AlternateContent xmlns:mc="http://schemas.openxmlformats.org/markup-compatibility/2006">
-          <mc:Choice xmlns:p14="http://schemas.microsoft.com/office/powerpoint/2010/main" Requires="p14">
+        <mc:AlternateContent xmlns:mc="http://schemas.openxmlformats.org/markup-compatibility/2006" xmlns:p14="http://schemas.microsoft.com/office/powerpoint/2010/main">
+          <mc:Choice Requires="p14">
             <p:contentPart p14:bwMode="auto" r:id="rId363">
               <p14:nvContentPartPr>
                 <p14:cNvPr id="238" name="Ink 237">
@@ -23138,7 +23143,7 @@
               </p14:xfrm>
             </p:contentPart>
           </mc:Choice>
-          <mc:Fallback>
+          <mc:Fallback xmlns="">
             <p:pic>
               <p:nvPicPr>
                 <p:cNvPr id="238" name="Ink 237">
@@ -23169,8 +23174,8 @@
             </p:pic>
           </mc:Fallback>
         </mc:AlternateContent>
-        <mc:AlternateContent xmlns:mc="http://schemas.openxmlformats.org/markup-compatibility/2006">
-          <mc:Choice xmlns:p14="http://schemas.microsoft.com/office/powerpoint/2010/main" Requires="p14">
+        <mc:AlternateContent xmlns:mc="http://schemas.openxmlformats.org/markup-compatibility/2006" xmlns:p14="http://schemas.microsoft.com/office/powerpoint/2010/main">
+          <mc:Choice Requires="p14">
             <p:contentPart p14:bwMode="auto" r:id="rId365">
               <p14:nvContentPartPr>
                 <p14:cNvPr id="242" name="Ink 241">
@@ -23189,7 +23194,7 @@
               </p14:xfrm>
             </p:contentPart>
           </mc:Choice>
-          <mc:Fallback>
+          <mc:Fallback xmlns="">
             <p:pic>
               <p:nvPicPr>
                 <p:cNvPr id="242" name="Ink 241">
@@ -23220,8 +23225,8 @@
             </p:pic>
           </mc:Fallback>
         </mc:AlternateContent>
-        <mc:AlternateContent xmlns:mc="http://schemas.openxmlformats.org/markup-compatibility/2006">
-          <mc:Choice xmlns:p14="http://schemas.microsoft.com/office/powerpoint/2010/main" Requires="p14">
+        <mc:AlternateContent xmlns:mc="http://schemas.openxmlformats.org/markup-compatibility/2006" xmlns:p14="http://schemas.microsoft.com/office/powerpoint/2010/main">
+          <mc:Choice Requires="p14">
             <p:contentPart p14:bwMode="auto" r:id="rId367">
               <p14:nvContentPartPr>
                 <p14:cNvPr id="243" name="Ink 242">
@@ -23240,7 +23245,7 @@
               </p14:xfrm>
             </p:contentPart>
           </mc:Choice>
-          <mc:Fallback>
+          <mc:Fallback xmlns="">
             <p:pic>
               <p:nvPicPr>
                 <p:cNvPr id="243" name="Ink 242">
@@ -23271,8 +23276,8 @@
             </p:pic>
           </mc:Fallback>
         </mc:AlternateContent>
-        <mc:AlternateContent xmlns:mc="http://schemas.openxmlformats.org/markup-compatibility/2006">
-          <mc:Choice xmlns:p14="http://schemas.microsoft.com/office/powerpoint/2010/main" Requires="p14">
+        <mc:AlternateContent xmlns:mc="http://schemas.openxmlformats.org/markup-compatibility/2006" xmlns:p14="http://schemas.microsoft.com/office/powerpoint/2010/main">
+          <mc:Choice Requires="p14">
             <p:contentPart p14:bwMode="auto" r:id="rId369">
               <p14:nvContentPartPr>
                 <p14:cNvPr id="244" name="Ink 243">
@@ -23291,7 +23296,7 @@
               </p14:xfrm>
             </p:contentPart>
           </mc:Choice>
-          <mc:Fallback>
+          <mc:Fallback xmlns="">
             <p:pic>
               <p:nvPicPr>
                 <p:cNvPr id="244" name="Ink 243">
@@ -23322,8 +23327,8 @@
             </p:pic>
           </mc:Fallback>
         </mc:AlternateContent>
-        <mc:AlternateContent xmlns:mc="http://schemas.openxmlformats.org/markup-compatibility/2006">
-          <mc:Choice xmlns:p14="http://schemas.microsoft.com/office/powerpoint/2010/main" Requires="p14">
+        <mc:AlternateContent xmlns:mc="http://schemas.openxmlformats.org/markup-compatibility/2006" xmlns:p14="http://schemas.microsoft.com/office/powerpoint/2010/main">
+          <mc:Choice Requires="p14">
             <p:contentPart p14:bwMode="auto" r:id="rId371">
               <p14:nvContentPartPr>
                 <p14:cNvPr id="245" name="Ink 244">
@@ -23342,7 +23347,7 @@
               </p14:xfrm>
             </p:contentPart>
           </mc:Choice>
-          <mc:Fallback>
+          <mc:Fallback xmlns="">
             <p:pic>
               <p:nvPicPr>
                 <p:cNvPr id="245" name="Ink 244">
@@ -23373,8 +23378,8 @@
             </p:pic>
           </mc:Fallback>
         </mc:AlternateContent>
-        <mc:AlternateContent xmlns:mc="http://schemas.openxmlformats.org/markup-compatibility/2006">
-          <mc:Choice xmlns:p14="http://schemas.microsoft.com/office/powerpoint/2010/main" Requires="p14">
+        <mc:AlternateContent xmlns:mc="http://schemas.openxmlformats.org/markup-compatibility/2006" xmlns:p14="http://schemas.microsoft.com/office/powerpoint/2010/main">
+          <mc:Choice Requires="p14">
             <p:contentPart p14:bwMode="auto" r:id="rId373">
               <p14:nvContentPartPr>
                 <p14:cNvPr id="197" name="Ink 196">
@@ -23393,7 +23398,7 @@
               </p14:xfrm>
             </p:contentPart>
           </mc:Choice>
-          <mc:Fallback>
+          <mc:Fallback xmlns="">
             <p:pic>
               <p:nvPicPr>
                 <p:cNvPr id="197" name="Ink 196">
@@ -23424,8 +23429,8 @@
             </p:pic>
           </mc:Fallback>
         </mc:AlternateContent>
-        <mc:AlternateContent xmlns:mc="http://schemas.openxmlformats.org/markup-compatibility/2006">
-          <mc:Choice xmlns:p14="http://schemas.microsoft.com/office/powerpoint/2010/main" Requires="p14">
+        <mc:AlternateContent xmlns:mc="http://schemas.openxmlformats.org/markup-compatibility/2006" xmlns:p14="http://schemas.microsoft.com/office/powerpoint/2010/main">
+          <mc:Choice Requires="p14">
             <p:contentPart p14:bwMode="auto" r:id="rId375">
               <p14:nvContentPartPr>
                 <p14:cNvPr id="198" name="Ink 197">
@@ -23444,7 +23449,7 @@
               </p14:xfrm>
             </p:contentPart>
           </mc:Choice>
-          <mc:Fallback>
+          <mc:Fallback xmlns="">
             <p:pic>
               <p:nvPicPr>
                 <p:cNvPr id="198" name="Ink 197">
@@ -23475,8 +23480,8 @@
             </p:pic>
           </mc:Fallback>
         </mc:AlternateContent>
-        <mc:AlternateContent xmlns:mc="http://schemas.openxmlformats.org/markup-compatibility/2006">
-          <mc:Choice xmlns:p14="http://schemas.microsoft.com/office/powerpoint/2010/main" Requires="p14">
+        <mc:AlternateContent xmlns:mc="http://schemas.openxmlformats.org/markup-compatibility/2006" xmlns:p14="http://schemas.microsoft.com/office/powerpoint/2010/main">
+          <mc:Choice Requires="p14">
             <p:contentPart p14:bwMode="auto" r:id="rId377">
               <p14:nvContentPartPr>
                 <p14:cNvPr id="230" name="Ink 229">
@@ -23495,7 +23500,7 @@
               </p14:xfrm>
             </p:contentPart>
           </mc:Choice>
-          <mc:Fallback>
+          <mc:Fallback xmlns="">
             <p:pic>
               <p:nvPicPr>
                 <p:cNvPr id="230" name="Ink 229">
@@ -23526,8 +23531,8 @@
             </p:pic>
           </mc:Fallback>
         </mc:AlternateContent>
-        <mc:AlternateContent xmlns:mc="http://schemas.openxmlformats.org/markup-compatibility/2006">
-          <mc:Choice xmlns:p14="http://schemas.microsoft.com/office/powerpoint/2010/main" Requires="p14">
+        <mc:AlternateContent xmlns:mc="http://schemas.openxmlformats.org/markup-compatibility/2006" xmlns:p14="http://schemas.microsoft.com/office/powerpoint/2010/main">
+          <mc:Choice Requires="p14">
             <p:contentPart p14:bwMode="auto" r:id="rId379">
               <p14:nvContentPartPr>
                 <p14:cNvPr id="231" name="Ink 230">
@@ -23546,7 +23551,7 @@
               </p14:xfrm>
             </p:contentPart>
           </mc:Choice>
-          <mc:Fallback>
+          <mc:Fallback xmlns="">
             <p:pic>
               <p:nvPicPr>
                 <p:cNvPr id="231" name="Ink 230">
@@ -23577,8 +23582,8 @@
             </p:pic>
           </mc:Fallback>
         </mc:AlternateContent>
-        <mc:AlternateContent xmlns:mc="http://schemas.openxmlformats.org/markup-compatibility/2006">
-          <mc:Choice xmlns:p14="http://schemas.microsoft.com/office/powerpoint/2010/main" Requires="p14">
+        <mc:AlternateContent xmlns:mc="http://schemas.openxmlformats.org/markup-compatibility/2006" xmlns:p14="http://schemas.microsoft.com/office/powerpoint/2010/main">
+          <mc:Choice Requires="p14">
             <p:contentPart p14:bwMode="auto" r:id="rId381">
               <p14:nvContentPartPr>
                 <p14:cNvPr id="232" name="Ink 231">
@@ -23597,7 +23602,7 @@
               </p14:xfrm>
             </p:contentPart>
           </mc:Choice>
-          <mc:Fallback>
+          <mc:Fallback xmlns="">
             <p:pic>
               <p:nvPicPr>
                 <p:cNvPr id="232" name="Ink 231">
@@ -23628,8 +23633,8 @@
             </p:pic>
           </mc:Fallback>
         </mc:AlternateContent>
-        <mc:AlternateContent xmlns:mc="http://schemas.openxmlformats.org/markup-compatibility/2006">
-          <mc:Choice xmlns:p14="http://schemas.microsoft.com/office/powerpoint/2010/main" Requires="p14">
+        <mc:AlternateContent xmlns:mc="http://schemas.openxmlformats.org/markup-compatibility/2006" xmlns:p14="http://schemas.microsoft.com/office/powerpoint/2010/main">
+          <mc:Choice Requires="p14">
             <p:contentPart p14:bwMode="auto" r:id="rId383">
               <p14:nvContentPartPr>
                 <p14:cNvPr id="248" name="Ink 247">
@@ -23648,7 +23653,7 @@
               </p14:xfrm>
             </p:contentPart>
           </mc:Choice>
-          <mc:Fallback>
+          <mc:Fallback xmlns="">
             <p:pic>
               <p:nvPicPr>
                 <p:cNvPr id="248" name="Ink 247">
@@ -23679,8 +23684,8 @@
             </p:pic>
           </mc:Fallback>
         </mc:AlternateContent>
-        <mc:AlternateContent xmlns:mc="http://schemas.openxmlformats.org/markup-compatibility/2006">
-          <mc:Choice xmlns:p14="http://schemas.microsoft.com/office/powerpoint/2010/main" Requires="p14">
+        <mc:AlternateContent xmlns:mc="http://schemas.openxmlformats.org/markup-compatibility/2006" xmlns:p14="http://schemas.microsoft.com/office/powerpoint/2010/main">
+          <mc:Choice Requires="p14">
             <p:contentPart p14:bwMode="auto" r:id="rId385">
               <p14:nvContentPartPr>
                 <p14:cNvPr id="249" name="Ink 248">
@@ -23699,7 +23704,7 @@
               </p14:xfrm>
             </p:contentPart>
           </mc:Choice>
-          <mc:Fallback>
+          <mc:Fallback xmlns="">
             <p:pic>
               <p:nvPicPr>
                 <p:cNvPr id="249" name="Ink 248">
@@ -23730,8 +23735,8 @@
             </p:pic>
           </mc:Fallback>
         </mc:AlternateContent>
-        <mc:AlternateContent xmlns:mc="http://schemas.openxmlformats.org/markup-compatibility/2006">
-          <mc:Choice xmlns:p14="http://schemas.microsoft.com/office/powerpoint/2010/main" Requires="p14">
+        <mc:AlternateContent xmlns:mc="http://schemas.openxmlformats.org/markup-compatibility/2006" xmlns:p14="http://schemas.microsoft.com/office/powerpoint/2010/main">
+          <mc:Choice Requires="p14">
             <p:contentPart p14:bwMode="auto" r:id="rId387">
               <p14:nvContentPartPr>
                 <p14:cNvPr id="250" name="Ink 249">
@@ -23750,7 +23755,7 @@
               </p14:xfrm>
             </p:contentPart>
           </mc:Choice>
-          <mc:Fallback>
+          <mc:Fallback xmlns="">
             <p:pic>
               <p:nvPicPr>
                 <p:cNvPr id="250" name="Ink 249">
@@ -23781,8 +23786,8 @@
             </p:pic>
           </mc:Fallback>
         </mc:AlternateContent>
-        <mc:AlternateContent xmlns:mc="http://schemas.openxmlformats.org/markup-compatibility/2006">
-          <mc:Choice xmlns:p14="http://schemas.microsoft.com/office/powerpoint/2010/main" Requires="p14">
+        <mc:AlternateContent xmlns:mc="http://schemas.openxmlformats.org/markup-compatibility/2006" xmlns:p14="http://schemas.microsoft.com/office/powerpoint/2010/main">
+          <mc:Choice Requires="p14">
             <p:contentPart p14:bwMode="auto" r:id="rId389">
               <p14:nvContentPartPr>
                 <p14:cNvPr id="252" name="Ink 251">
@@ -23801,7 +23806,7 @@
               </p14:xfrm>
             </p:contentPart>
           </mc:Choice>
-          <mc:Fallback>
+          <mc:Fallback xmlns="">
             <p:pic>
               <p:nvPicPr>
                 <p:cNvPr id="252" name="Ink 251">
@@ -23832,8 +23837,8 @@
             </p:pic>
           </mc:Fallback>
         </mc:AlternateContent>
-        <mc:AlternateContent xmlns:mc="http://schemas.openxmlformats.org/markup-compatibility/2006">
-          <mc:Choice xmlns:p14="http://schemas.microsoft.com/office/powerpoint/2010/main" Requires="p14">
+        <mc:AlternateContent xmlns:mc="http://schemas.openxmlformats.org/markup-compatibility/2006" xmlns:p14="http://schemas.microsoft.com/office/powerpoint/2010/main">
+          <mc:Choice Requires="p14">
             <p:contentPart p14:bwMode="auto" r:id="rId391">
               <p14:nvContentPartPr>
                 <p14:cNvPr id="253" name="Ink 252">
@@ -23852,7 +23857,7 @@
               </p14:xfrm>
             </p:contentPart>
           </mc:Choice>
-          <mc:Fallback>
+          <mc:Fallback xmlns="">
             <p:pic>
               <p:nvPicPr>
                 <p:cNvPr id="253" name="Ink 252">
@@ -23883,8 +23888,8 @@
             </p:pic>
           </mc:Fallback>
         </mc:AlternateContent>
-        <mc:AlternateContent xmlns:mc="http://schemas.openxmlformats.org/markup-compatibility/2006">
-          <mc:Choice xmlns:p14="http://schemas.microsoft.com/office/powerpoint/2010/main" Requires="p14">
+        <mc:AlternateContent xmlns:mc="http://schemas.openxmlformats.org/markup-compatibility/2006" xmlns:p14="http://schemas.microsoft.com/office/powerpoint/2010/main">
+          <mc:Choice Requires="p14">
             <p:contentPart p14:bwMode="auto" r:id="rId393">
               <p14:nvContentPartPr>
                 <p14:cNvPr id="254" name="Ink 253">
@@ -23903,7 +23908,7 @@
               </p14:xfrm>
             </p:contentPart>
           </mc:Choice>
-          <mc:Fallback>
+          <mc:Fallback xmlns="">
             <p:pic>
               <p:nvPicPr>
                 <p:cNvPr id="254" name="Ink 253">
@@ -23934,8 +23939,8 @@
             </p:pic>
           </mc:Fallback>
         </mc:AlternateContent>
-        <mc:AlternateContent xmlns:mc="http://schemas.openxmlformats.org/markup-compatibility/2006">
-          <mc:Choice xmlns:p14="http://schemas.microsoft.com/office/powerpoint/2010/main" Requires="p14">
+        <mc:AlternateContent xmlns:mc="http://schemas.openxmlformats.org/markup-compatibility/2006" xmlns:p14="http://schemas.microsoft.com/office/powerpoint/2010/main">
+          <mc:Choice Requires="p14">
             <p:contentPart p14:bwMode="auto" r:id="rId395">
               <p14:nvContentPartPr>
                 <p14:cNvPr id="256" name="Ink 255">
@@ -23954,7 +23959,7 @@
               </p14:xfrm>
             </p:contentPart>
           </mc:Choice>
-          <mc:Fallback>
+          <mc:Fallback xmlns="">
             <p:pic>
               <p:nvPicPr>
                 <p:cNvPr id="256" name="Ink 255">
@@ -24006,8 +24011,8 @@
             <a:chExt cx="779040" cy="1940400"/>
           </a:xfrm>
         </p:grpSpPr>
-        <mc:AlternateContent xmlns:mc="http://schemas.openxmlformats.org/markup-compatibility/2006">
-          <mc:Choice xmlns:p14="http://schemas.microsoft.com/office/powerpoint/2010/main" Requires="p14">
+        <mc:AlternateContent xmlns:mc="http://schemas.openxmlformats.org/markup-compatibility/2006" xmlns:p14="http://schemas.microsoft.com/office/powerpoint/2010/main">
+          <mc:Choice Requires="p14">
             <p:contentPart p14:bwMode="auto" r:id="rId397">
               <p14:nvContentPartPr>
                 <p14:cNvPr id="258" name="Ink 257">
@@ -24026,7 +24031,7 @@
               </p14:xfrm>
             </p:contentPart>
           </mc:Choice>
-          <mc:Fallback>
+          <mc:Fallback xmlns="">
             <p:pic>
               <p:nvPicPr>
                 <p:cNvPr id="258" name="Ink 257">
@@ -24057,8 +24062,8 @@
             </p:pic>
           </mc:Fallback>
         </mc:AlternateContent>
-        <mc:AlternateContent xmlns:mc="http://schemas.openxmlformats.org/markup-compatibility/2006">
-          <mc:Choice xmlns:p14="http://schemas.microsoft.com/office/powerpoint/2010/main" Requires="p14">
+        <mc:AlternateContent xmlns:mc="http://schemas.openxmlformats.org/markup-compatibility/2006" xmlns:p14="http://schemas.microsoft.com/office/powerpoint/2010/main">
+          <mc:Choice Requires="p14">
             <p:contentPart p14:bwMode="auto" r:id="rId399">
               <p14:nvContentPartPr>
                 <p14:cNvPr id="259" name="Ink 258">
@@ -24077,7 +24082,7 @@
               </p14:xfrm>
             </p:contentPart>
           </mc:Choice>
-          <mc:Fallback>
+          <mc:Fallback xmlns="">
             <p:pic>
               <p:nvPicPr>
                 <p:cNvPr id="259" name="Ink 258">
@@ -24108,8 +24113,8 @@
             </p:pic>
           </mc:Fallback>
         </mc:AlternateContent>
-        <mc:AlternateContent xmlns:mc="http://schemas.openxmlformats.org/markup-compatibility/2006">
-          <mc:Choice xmlns:p14="http://schemas.microsoft.com/office/powerpoint/2010/main" Requires="p14">
+        <mc:AlternateContent xmlns:mc="http://schemas.openxmlformats.org/markup-compatibility/2006" xmlns:p14="http://schemas.microsoft.com/office/powerpoint/2010/main">
+          <mc:Choice Requires="p14">
             <p:contentPart p14:bwMode="auto" r:id="rId401">
               <p14:nvContentPartPr>
                 <p14:cNvPr id="260" name="Ink 259">
@@ -24128,7 +24133,7 @@
               </p14:xfrm>
             </p:contentPart>
           </mc:Choice>
-          <mc:Fallback>
+          <mc:Fallback xmlns="">
             <p:pic>
               <p:nvPicPr>
                 <p:cNvPr id="260" name="Ink 259">
@@ -24159,8 +24164,8 @@
             </p:pic>
           </mc:Fallback>
         </mc:AlternateContent>
-        <mc:AlternateContent xmlns:mc="http://schemas.openxmlformats.org/markup-compatibility/2006">
-          <mc:Choice xmlns:p14="http://schemas.microsoft.com/office/powerpoint/2010/main" Requires="p14">
+        <mc:AlternateContent xmlns:mc="http://schemas.openxmlformats.org/markup-compatibility/2006" xmlns:p14="http://schemas.microsoft.com/office/powerpoint/2010/main">
+          <mc:Choice Requires="p14">
             <p:contentPart p14:bwMode="auto" r:id="rId403">
               <p14:nvContentPartPr>
                 <p14:cNvPr id="261" name="Ink 260">
@@ -24179,7 +24184,7 @@
               </p14:xfrm>
             </p:contentPart>
           </mc:Choice>
-          <mc:Fallback>
+          <mc:Fallback xmlns="">
             <p:pic>
               <p:nvPicPr>
                 <p:cNvPr id="261" name="Ink 260">
@@ -24210,8 +24215,8 @@
             </p:pic>
           </mc:Fallback>
         </mc:AlternateContent>
-        <mc:AlternateContent xmlns:mc="http://schemas.openxmlformats.org/markup-compatibility/2006">
-          <mc:Choice xmlns:p14="http://schemas.microsoft.com/office/powerpoint/2010/main" Requires="p14">
+        <mc:AlternateContent xmlns:mc="http://schemas.openxmlformats.org/markup-compatibility/2006" xmlns:p14="http://schemas.microsoft.com/office/powerpoint/2010/main">
+          <mc:Choice Requires="p14">
             <p:contentPart p14:bwMode="auto" r:id="rId405">
               <p14:nvContentPartPr>
                 <p14:cNvPr id="262" name="Ink 261">
@@ -24230,7 +24235,7 @@
               </p14:xfrm>
             </p:contentPart>
           </mc:Choice>
-          <mc:Fallback>
+          <mc:Fallback xmlns="">
             <p:pic>
               <p:nvPicPr>
                 <p:cNvPr id="262" name="Ink 261">
@@ -24261,8 +24266,8 @@
             </p:pic>
           </mc:Fallback>
         </mc:AlternateContent>
-        <mc:AlternateContent xmlns:mc="http://schemas.openxmlformats.org/markup-compatibility/2006">
-          <mc:Choice xmlns:p14="http://schemas.microsoft.com/office/powerpoint/2010/main" Requires="p14">
+        <mc:AlternateContent xmlns:mc="http://schemas.openxmlformats.org/markup-compatibility/2006" xmlns:p14="http://schemas.microsoft.com/office/powerpoint/2010/main">
+          <mc:Choice Requires="p14">
             <p:contentPart p14:bwMode="auto" r:id="rId407">
               <p14:nvContentPartPr>
                 <p14:cNvPr id="263" name="Ink 262">
@@ -24281,7 +24286,7 @@
               </p14:xfrm>
             </p:contentPart>
           </mc:Choice>
-          <mc:Fallback>
+          <mc:Fallback xmlns="">
             <p:pic>
               <p:nvPicPr>
                 <p:cNvPr id="263" name="Ink 262">
@@ -24312,8 +24317,8 @@
             </p:pic>
           </mc:Fallback>
         </mc:AlternateContent>
-        <mc:AlternateContent xmlns:mc="http://schemas.openxmlformats.org/markup-compatibility/2006">
-          <mc:Choice xmlns:p14="http://schemas.microsoft.com/office/powerpoint/2010/main" Requires="p14">
+        <mc:AlternateContent xmlns:mc="http://schemas.openxmlformats.org/markup-compatibility/2006" xmlns:p14="http://schemas.microsoft.com/office/powerpoint/2010/main">
+          <mc:Choice Requires="p14">
             <p:contentPart p14:bwMode="auto" r:id="rId409">
               <p14:nvContentPartPr>
                 <p14:cNvPr id="264" name="Ink 263">
@@ -24332,7 +24337,7 @@
               </p14:xfrm>
             </p:contentPart>
           </mc:Choice>
-          <mc:Fallback>
+          <mc:Fallback xmlns="">
             <p:pic>
               <p:nvPicPr>
                 <p:cNvPr id="264" name="Ink 263">
@@ -24363,8 +24368,8 @@
             </p:pic>
           </mc:Fallback>
         </mc:AlternateContent>
-        <mc:AlternateContent xmlns:mc="http://schemas.openxmlformats.org/markup-compatibility/2006">
-          <mc:Choice xmlns:p14="http://schemas.microsoft.com/office/powerpoint/2010/main" Requires="p14">
+        <mc:AlternateContent xmlns:mc="http://schemas.openxmlformats.org/markup-compatibility/2006" xmlns:p14="http://schemas.microsoft.com/office/powerpoint/2010/main">
+          <mc:Choice Requires="p14">
             <p:contentPart p14:bwMode="auto" r:id="rId411">
               <p14:nvContentPartPr>
                 <p14:cNvPr id="266" name="Ink 265">
@@ -24383,7 +24388,7 @@
               </p14:xfrm>
             </p:contentPart>
           </mc:Choice>
-          <mc:Fallback>
+          <mc:Fallback xmlns="">
             <p:pic>
               <p:nvPicPr>
                 <p:cNvPr id="266" name="Ink 265">
@@ -24414,8 +24419,8 @@
             </p:pic>
           </mc:Fallback>
         </mc:AlternateContent>
-        <mc:AlternateContent xmlns:mc="http://schemas.openxmlformats.org/markup-compatibility/2006">
-          <mc:Choice xmlns:p14="http://schemas.microsoft.com/office/powerpoint/2010/main" Requires="p14">
+        <mc:AlternateContent xmlns:mc="http://schemas.openxmlformats.org/markup-compatibility/2006" xmlns:p14="http://schemas.microsoft.com/office/powerpoint/2010/main">
+          <mc:Choice Requires="p14">
             <p:contentPart p14:bwMode="auto" r:id="rId413">
               <p14:nvContentPartPr>
                 <p14:cNvPr id="267" name="Ink 266">
@@ -24434,7 +24439,7 @@
               </p14:xfrm>
             </p:contentPart>
           </mc:Choice>
-          <mc:Fallback>
+          <mc:Fallback xmlns="">
             <p:pic>
               <p:nvPicPr>
                 <p:cNvPr id="267" name="Ink 266">
@@ -24465,8 +24470,8 @@
             </p:pic>
           </mc:Fallback>
         </mc:AlternateContent>
-        <mc:AlternateContent xmlns:mc="http://schemas.openxmlformats.org/markup-compatibility/2006">
-          <mc:Choice xmlns:p14="http://schemas.microsoft.com/office/powerpoint/2010/main" Requires="p14">
+        <mc:AlternateContent xmlns:mc="http://schemas.openxmlformats.org/markup-compatibility/2006" xmlns:p14="http://schemas.microsoft.com/office/powerpoint/2010/main">
+          <mc:Choice Requires="p14">
             <p:contentPart p14:bwMode="auto" r:id="rId415">
               <p14:nvContentPartPr>
                 <p14:cNvPr id="268" name="Ink 267">
@@ -24485,7 +24490,7 @@
               </p14:xfrm>
             </p:contentPart>
           </mc:Choice>
-          <mc:Fallback>
+          <mc:Fallback xmlns="">
             <p:pic>
               <p:nvPicPr>
                 <p:cNvPr id="268" name="Ink 267">
@@ -24516,8 +24521,8 @@
             </p:pic>
           </mc:Fallback>
         </mc:AlternateContent>
-        <mc:AlternateContent xmlns:mc="http://schemas.openxmlformats.org/markup-compatibility/2006">
-          <mc:Choice xmlns:p14="http://schemas.microsoft.com/office/powerpoint/2010/main" Requires="p14">
+        <mc:AlternateContent xmlns:mc="http://schemas.openxmlformats.org/markup-compatibility/2006" xmlns:p14="http://schemas.microsoft.com/office/powerpoint/2010/main">
+          <mc:Choice Requires="p14">
             <p:contentPart p14:bwMode="auto" r:id="rId417">
               <p14:nvContentPartPr>
                 <p14:cNvPr id="270" name="Ink 269">
@@ -24536,7 +24541,7 @@
               </p14:xfrm>
             </p:contentPart>
           </mc:Choice>
-          <mc:Fallback>
+          <mc:Fallback xmlns="">
             <p:pic>
               <p:nvPicPr>
                 <p:cNvPr id="270" name="Ink 269">
@@ -24567,8 +24572,8 @@
             </p:pic>
           </mc:Fallback>
         </mc:AlternateContent>
-        <mc:AlternateContent xmlns:mc="http://schemas.openxmlformats.org/markup-compatibility/2006">
-          <mc:Choice xmlns:p14="http://schemas.microsoft.com/office/powerpoint/2010/main" Requires="p14">
+        <mc:AlternateContent xmlns:mc="http://schemas.openxmlformats.org/markup-compatibility/2006" xmlns:p14="http://schemas.microsoft.com/office/powerpoint/2010/main">
+          <mc:Choice Requires="p14">
             <p:contentPart p14:bwMode="auto" r:id="rId419">
               <p14:nvContentPartPr>
                 <p14:cNvPr id="271" name="Ink 270">
@@ -24587,7 +24592,7 @@
               </p14:xfrm>
             </p:contentPart>
           </mc:Choice>
-          <mc:Fallback>
+          <mc:Fallback xmlns="">
             <p:pic>
               <p:nvPicPr>
                 <p:cNvPr id="271" name="Ink 270">
@@ -24618,8 +24623,8 @@
             </p:pic>
           </mc:Fallback>
         </mc:AlternateContent>
-        <mc:AlternateContent xmlns:mc="http://schemas.openxmlformats.org/markup-compatibility/2006">
-          <mc:Choice xmlns:p14="http://schemas.microsoft.com/office/powerpoint/2010/main" Requires="p14">
+        <mc:AlternateContent xmlns:mc="http://schemas.openxmlformats.org/markup-compatibility/2006" xmlns:p14="http://schemas.microsoft.com/office/powerpoint/2010/main">
+          <mc:Choice Requires="p14">
             <p:contentPart p14:bwMode="auto" r:id="rId421">
               <p14:nvContentPartPr>
                 <p14:cNvPr id="272" name="Ink 271">
@@ -24638,7 +24643,7 @@
               </p14:xfrm>
             </p:contentPart>
           </mc:Choice>
-          <mc:Fallback>
+          <mc:Fallback xmlns="">
             <p:pic>
               <p:nvPicPr>
                 <p:cNvPr id="272" name="Ink 271">
@@ -24669,8 +24674,8 @@
             </p:pic>
           </mc:Fallback>
         </mc:AlternateContent>
-        <mc:AlternateContent xmlns:mc="http://schemas.openxmlformats.org/markup-compatibility/2006">
-          <mc:Choice xmlns:p14="http://schemas.microsoft.com/office/powerpoint/2010/main" Requires="p14">
+        <mc:AlternateContent xmlns:mc="http://schemas.openxmlformats.org/markup-compatibility/2006" xmlns:p14="http://schemas.microsoft.com/office/powerpoint/2010/main">
+          <mc:Choice Requires="p14">
             <p:contentPart p14:bwMode="auto" r:id="rId423">
               <p14:nvContentPartPr>
                 <p14:cNvPr id="273" name="Ink 272">
@@ -24689,7 +24694,7 @@
               </p14:xfrm>
             </p:contentPart>
           </mc:Choice>
-          <mc:Fallback>
+          <mc:Fallback xmlns="">
             <p:pic>
               <p:nvPicPr>
                 <p:cNvPr id="273" name="Ink 272">
@@ -24720,8 +24725,8 @@
             </p:pic>
           </mc:Fallback>
         </mc:AlternateContent>
-        <mc:AlternateContent xmlns:mc="http://schemas.openxmlformats.org/markup-compatibility/2006">
-          <mc:Choice xmlns:p14="http://schemas.microsoft.com/office/powerpoint/2010/main" Requires="p14">
+        <mc:AlternateContent xmlns:mc="http://schemas.openxmlformats.org/markup-compatibility/2006" xmlns:p14="http://schemas.microsoft.com/office/powerpoint/2010/main">
+          <mc:Choice Requires="p14">
             <p:contentPart p14:bwMode="auto" r:id="rId425">
               <p14:nvContentPartPr>
                 <p14:cNvPr id="274" name="Ink 273">
@@ -24740,7 +24745,7 @@
               </p14:xfrm>
             </p:contentPart>
           </mc:Choice>
-          <mc:Fallback>
+          <mc:Fallback xmlns="">
             <p:pic>
               <p:nvPicPr>
                 <p:cNvPr id="274" name="Ink 273">
@@ -24771,8 +24776,8 @@
             </p:pic>
           </mc:Fallback>
         </mc:AlternateContent>
-        <mc:AlternateContent xmlns:mc="http://schemas.openxmlformats.org/markup-compatibility/2006">
-          <mc:Choice xmlns:p14="http://schemas.microsoft.com/office/powerpoint/2010/main" Requires="p14">
+        <mc:AlternateContent xmlns:mc="http://schemas.openxmlformats.org/markup-compatibility/2006" xmlns:p14="http://schemas.microsoft.com/office/powerpoint/2010/main">
+          <mc:Choice Requires="p14">
             <p:contentPart p14:bwMode="auto" r:id="rId427">
               <p14:nvContentPartPr>
                 <p14:cNvPr id="275" name="Ink 274">
@@ -24791,7 +24796,7 @@
               </p14:xfrm>
             </p:contentPart>
           </mc:Choice>
-          <mc:Fallback>
+          <mc:Fallback xmlns="">
             <p:pic>
               <p:nvPicPr>
                 <p:cNvPr id="275" name="Ink 274">
@@ -24822,8 +24827,8 @@
             </p:pic>
           </mc:Fallback>
         </mc:AlternateContent>
-        <mc:AlternateContent xmlns:mc="http://schemas.openxmlformats.org/markup-compatibility/2006">
-          <mc:Choice xmlns:p14="http://schemas.microsoft.com/office/powerpoint/2010/main" Requires="p14">
+        <mc:AlternateContent xmlns:mc="http://schemas.openxmlformats.org/markup-compatibility/2006" xmlns:p14="http://schemas.microsoft.com/office/powerpoint/2010/main">
+          <mc:Choice Requires="p14">
             <p:contentPart p14:bwMode="auto" r:id="rId429">
               <p14:nvContentPartPr>
                 <p14:cNvPr id="277" name="Ink 276">
@@ -24842,7 +24847,7 @@
               </p14:xfrm>
             </p:contentPart>
           </mc:Choice>
-          <mc:Fallback>
+          <mc:Fallback xmlns="">
             <p:pic>
               <p:nvPicPr>
                 <p:cNvPr id="277" name="Ink 276">
@@ -24873,8 +24878,8 @@
             </p:pic>
           </mc:Fallback>
         </mc:AlternateContent>
-        <mc:AlternateContent xmlns:mc="http://schemas.openxmlformats.org/markup-compatibility/2006">
-          <mc:Choice xmlns:p14="http://schemas.microsoft.com/office/powerpoint/2010/main" Requires="p14">
+        <mc:AlternateContent xmlns:mc="http://schemas.openxmlformats.org/markup-compatibility/2006" xmlns:p14="http://schemas.microsoft.com/office/powerpoint/2010/main">
+          <mc:Choice Requires="p14">
             <p:contentPart p14:bwMode="auto" r:id="rId431">
               <p14:nvContentPartPr>
                 <p14:cNvPr id="278" name="Ink 277">
@@ -24893,7 +24898,7 @@
               </p14:xfrm>
             </p:contentPart>
           </mc:Choice>
-          <mc:Fallback>
+          <mc:Fallback xmlns="">
             <p:pic>
               <p:nvPicPr>
                 <p:cNvPr id="278" name="Ink 277">
